--- a/PresentacionViernes.pptx
+++ b/PresentacionViernes.pptx
@@ -9,7 +9,8 @@
     <p:sldId id="284" r:id="rId3"/>
     <p:sldId id="257" r:id="rId4"/>
     <p:sldId id="283" r:id="rId5"/>
-    <p:sldId id="258" r:id="rId6"/>
+    <p:sldId id="285" r:id="rId6"/>
+    <p:sldId id="286" r:id="rId7"/>
   </p:sldIdLst>
   <p:sldSz cx="12192000" cy="6858000"/>
   <p:notesSz cx="6858000" cy="9144000"/>
@@ -362,7 +363,7 @@
             <a:fld id="{B61BEF0D-F0BB-DE4B-95CE-6DB70DBA9567}" type="datetimeFigureOut">
               <a:rPr lang="en-US" dirty="0"/>
               <a:pPr/>
-              <a:t>3/11/2020</a:t>
+              <a:t>3/12/2020</a:t>
             </a:fld>
             <a:endParaRPr lang="en-US" dirty="0"/>
           </a:p>
@@ -621,7 +622,7 @@
             <a:fld id="{B61BEF0D-F0BB-DE4B-95CE-6DB70DBA9567}" type="datetimeFigureOut">
               <a:rPr lang="en-US" dirty="0"/>
               <a:pPr/>
-              <a:t>3/11/2020</a:t>
+              <a:t>3/12/2020</a:t>
             </a:fld>
             <a:endParaRPr lang="en-US" dirty="0"/>
           </a:p>
@@ -853,7 +854,7 @@
             <a:fld id="{B61BEF0D-F0BB-DE4B-95CE-6DB70DBA9567}" type="datetimeFigureOut">
               <a:rPr lang="en-US" dirty="0"/>
               <a:pPr/>
-              <a:t>3/11/2020</a:t>
+              <a:t>3/12/2020</a:t>
             </a:fld>
             <a:endParaRPr lang="en-US" dirty="0"/>
           </a:p>
@@ -1090,7 +1091,7 @@
             <a:fld id="{B61BEF0D-F0BB-DE4B-95CE-6DB70DBA9567}" type="datetimeFigureOut">
               <a:rPr lang="en-US" dirty="0"/>
               <a:pPr/>
-              <a:t>3/11/2020</a:t>
+              <a:t>3/12/2020</a:t>
             </a:fld>
             <a:endParaRPr lang="en-US" dirty="0"/>
           </a:p>
@@ -1394,7 +1395,7 @@
             <a:fld id="{B61BEF0D-F0BB-DE4B-95CE-6DB70DBA9567}" type="datetimeFigureOut">
               <a:rPr lang="en-US" dirty="0"/>
               <a:pPr/>
-              <a:t>3/11/2020</a:t>
+              <a:t>3/12/2020</a:t>
             </a:fld>
             <a:endParaRPr lang="en-US" dirty="0"/>
           </a:p>
@@ -1693,7 +1694,7 @@
             <a:fld id="{B61BEF0D-F0BB-DE4B-95CE-6DB70DBA9567}" type="datetimeFigureOut">
               <a:rPr lang="en-US" dirty="0"/>
               <a:pPr/>
-              <a:t>3/11/2020</a:t>
+              <a:t>3/12/2020</a:t>
             </a:fld>
             <a:endParaRPr lang="en-US" dirty="0"/>
           </a:p>
@@ -2112,7 +2113,7 @@
             <a:fld id="{B61BEF0D-F0BB-DE4B-95CE-6DB70DBA9567}" type="datetimeFigureOut">
               <a:rPr lang="en-US" dirty="0"/>
               <a:pPr/>
-              <a:t>3/11/2020</a:t>
+              <a:t>3/12/2020</a:t>
             </a:fld>
             <a:endParaRPr lang="en-US" dirty="0"/>
           </a:p>
@@ -2271,7 +2272,7 @@
             <a:fld id="{B61BEF0D-F0BB-DE4B-95CE-6DB70DBA9567}" type="datetimeFigureOut">
               <a:rPr lang="en-US" dirty="0"/>
               <a:pPr/>
-              <a:t>3/11/2020</a:t>
+              <a:t>3/12/2020</a:t>
             </a:fld>
             <a:endParaRPr lang="en-US" dirty="0"/>
           </a:p>
@@ -2363,7 +2364,7 @@
             <a:fld id="{B61BEF0D-F0BB-DE4B-95CE-6DB70DBA9567}" type="datetimeFigureOut">
               <a:rPr lang="en-US" dirty="0"/>
               <a:pPr/>
-              <a:t>3/11/2020</a:t>
+              <a:t>3/12/2020</a:t>
             </a:fld>
             <a:endParaRPr lang="en-US" dirty="0"/>
           </a:p>
@@ -2738,7 +2739,7 @@
             <a:fld id="{B61BEF0D-F0BB-DE4B-95CE-6DB70DBA9567}" type="datetimeFigureOut">
               <a:rPr lang="en-US" dirty="0"/>
               <a:pPr/>
-              <a:t>3/11/2020</a:t>
+              <a:t>3/12/2020</a:t>
             </a:fld>
             <a:endParaRPr lang="en-US" dirty="0"/>
           </a:p>
@@ -3024,7 +3025,7 @@
             <a:fld id="{B61BEF0D-F0BB-DE4B-95CE-6DB70DBA9567}" type="datetimeFigureOut">
               <a:rPr lang="en-US" dirty="0"/>
               <a:pPr/>
-              <a:t>3/11/2020</a:t>
+              <a:t>3/12/2020</a:t>
             </a:fld>
             <a:endParaRPr lang="en-US" dirty="0"/>
           </a:p>
@@ -3232,7 +3233,7 @@
             <a:fld id="{B61BEF0D-F0BB-DE4B-95CE-6DB70DBA9567}" type="datetimeFigureOut">
               <a:rPr lang="en-US" dirty="0"/>
               <a:pPr/>
-              <a:t>3/11/2020</a:t>
+              <a:t>3/12/2020</a:t>
             </a:fld>
             <a:endParaRPr lang="en-US" dirty="0"/>
           </a:p>
@@ -4842,6 +4843,14 @@
 <file path=ppt/slides/slide5.xml><?xml version="1.0" encoding="utf-8"?>
 <p:sld xmlns:a="http://schemas.openxmlformats.org/drawingml/2006/main" xmlns:r="http://schemas.openxmlformats.org/officeDocument/2006/relationships" xmlns:p="http://schemas.openxmlformats.org/presentationml/2006/main">
   <p:cSld>
+    <p:bg>
+      <p:bgPr>
+        <a:solidFill>
+          <a:schemeClr val="bg1"/>
+        </a:solidFill>
+        <a:effectLst/>
+      </p:bgPr>
+    </p:bg>
     <p:spTree>
       <p:nvGrpSpPr>
         <p:cNvPr id="1" name=""/>
@@ -4858,6 +4867,336 @@
       </p:grpSpPr>
       <p:sp>
         <p:nvSpPr>
+          <p:cNvPr id="12" name="Rectangle 11">
+            <a:extLst>
+              <a:ext uri="{FF2B5EF4-FFF2-40B4-BE49-F238E27FC236}">
+                <a16:creationId xmlns:a16="http://schemas.microsoft.com/office/drawing/2014/main" id="{2928117C-9446-4E7F-AE62-95E0F6DB5B27}"/>
+              </a:ext>
+              <a:ext uri="{C183D7F6-B498-43B3-948B-1728B52AA6E4}">
+                <adec:decorative xmlns:adec="http://schemas.microsoft.com/office/drawing/2017/decorative" val="1"/>
+              </a:ext>
+            </a:extLst>
+          </p:cNvPr>
+          <p:cNvSpPr>
+            <a:spLocks noGrp="1" noRot="1" noChangeAspect="1" noMove="1" noResize="1" noEditPoints="1" noAdjustHandles="1" noChangeArrowheads="1" noChangeShapeType="1" noTextEdit="1"/>
+          </p:cNvSpPr>
+          <p:nvPr>
+            <p:extLst>
+              <p:ext uri="{386F3935-93C4-4BCD-93E2-E3B085C9AB24}">
+                <p16:designElem xmlns:p16="http://schemas.microsoft.com/office/powerpoint/2015/main" val="1"/>
+              </p:ext>
+            </p:extLst>
+          </p:nvPr>
+        </p:nvSpPr>
+        <p:spPr>
+          <a:xfrm>
+            <a:off x="446534" y="457200"/>
+            <a:ext cx="3703320" cy="94997"/>
+          </a:xfrm>
+          <a:prstGeom prst="rect">
+            <a:avLst/>
+          </a:prstGeom>
+          <a:solidFill>
+            <a:schemeClr val="accent1"/>
+          </a:solidFill>
+          <a:ln>
+            <a:noFill/>
+          </a:ln>
+          <a:effectLst/>
+        </p:spPr>
+        <p:style>
+          <a:lnRef idx="1">
+            <a:schemeClr val="accent1"/>
+          </a:lnRef>
+          <a:fillRef idx="3">
+            <a:schemeClr val="accent1"/>
+          </a:fillRef>
+          <a:effectRef idx="2">
+            <a:schemeClr val="accent1"/>
+          </a:effectRef>
+          <a:fontRef idx="minor">
+            <a:schemeClr val="lt1"/>
+          </a:fontRef>
+        </p:style>
+      </p:sp>
+      <p:sp>
+        <p:nvSpPr>
+          <p:cNvPr id="14" name="Rectangle 13">
+            <a:extLst>
+              <a:ext uri="{FF2B5EF4-FFF2-40B4-BE49-F238E27FC236}">
+                <a16:creationId xmlns:a16="http://schemas.microsoft.com/office/drawing/2014/main" id="{84D30AFB-4D71-48B0-AA00-28EE92363A5F}"/>
+              </a:ext>
+              <a:ext uri="{C183D7F6-B498-43B3-948B-1728B52AA6E4}">
+                <adec:decorative xmlns:adec="http://schemas.microsoft.com/office/drawing/2017/decorative" val="1"/>
+              </a:ext>
+            </a:extLst>
+          </p:cNvPr>
+          <p:cNvSpPr>
+            <a:spLocks noGrp="1" noRot="1" noChangeAspect="1" noMove="1" noResize="1" noEditPoints="1" noAdjustHandles="1" noChangeArrowheads="1" noChangeShapeType="1" noTextEdit="1"/>
+          </p:cNvSpPr>
+          <p:nvPr>
+            <p:extLst>
+              <p:ext uri="{386F3935-93C4-4BCD-93E2-E3B085C9AB24}">
+                <p16:designElem xmlns:p16="http://schemas.microsoft.com/office/powerpoint/2015/main" val="1"/>
+              </p:ext>
+            </p:extLst>
+          </p:nvPr>
+        </p:nvSpPr>
+        <p:spPr>
+          <a:xfrm>
+            <a:off x="8042147" y="453643"/>
+            <a:ext cx="3703320" cy="98554"/>
+          </a:xfrm>
+          <a:prstGeom prst="rect">
+            <a:avLst/>
+          </a:prstGeom>
+          <a:solidFill>
+            <a:schemeClr val="accent4"/>
+          </a:solidFill>
+          <a:ln>
+            <a:noFill/>
+          </a:ln>
+          <a:effectLst/>
+        </p:spPr>
+        <p:style>
+          <a:lnRef idx="1">
+            <a:schemeClr val="accent1"/>
+          </a:lnRef>
+          <a:fillRef idx="3">
+            <a:schemeClr val="accent1"/>
+          </a:fillRef>
+          <a:effectRef idx="2">
+            <a:schemeClr val="accent1"/>
+          </a:effectRef>
+          <a:fontRef idx="minor">
+            <a:schemeClr val="lt1"/>
+          </a:fontRef>
+        </p:style>
+      </p:sp>
+      <p:sp>
+        <p:nvSpPr>
+          <p:cNvPr id="16" name="Rectangle 15">
+            <a:extLst>
+              <a:ext uri="{FF2B5EF4-FFF2-40B4-BE49-F238E27FC236}">
+                <a16:creationId xmlns:a16="http://schemas.microsoft.com/office/drawing/2014/main" id="{96A0B76F-8010-4C62-B4B6-C5FC438C059E}"/>
+              </a:ext>
+              <a:ext uri="{C183D7F6-B498-43B3-948B-1728B52AA6E4}">
+                <adec:decorative xmlns:adec="http://schemas.microsoft.com/office/drawing/2017/decorative" val="1"/>
+              </a:ext>
+            </a:extLst>
+          </p:cNvPr>
+          <p:cNvSpPr>
+            <a:spLocks noGrp="1" noRot="1" noChangeAspect="1" noMove="1" noResize="1" noEditPoints="1" noAdjustHandles="1" noChangeArrowheads="1" noChangeShapeType="1" noTextEdit="1"/>
+          </p:cNvSpPr>
+          <p:nvPr>
+            <p:extLst>
+              <p:ext uri="{386F3935-93C4-4BCD-93E2-E3B085C9AB24}">
+                <p16:designElem xmlns:p16="http://schemas.microsoft.com/office/powerpoint/2015/main" val="1"/>
+              </p:ext>
+            </p:extLst>
+          </p:nvPr>
+        </p:nvSpPr>
+        <p:spPr>
+          <a:xfrm>
+            <a:off x="4241830" y="457200"/>
+            <a:ext cx="3703320" cy="91440"/>
+          </a:xfrm>
+          <a:prstGeom prst="rect">
+            <a:avLst/>
+          </a:prstGeom>
+          <a:solidFill>
+            <a:schemeClr val="accent2"/>
+          </a:solidFill>
+          <a:ln>
+            <a:noFill/>
+          </a:ln>
+          <a:effectLst/>
+        </p:spPr>
+        <p:style>
+          <a:lnRef idx="1">
+            <a:schemeClr val="accent1"/>
+          </a:lnRef>
+          <a:fillRef idx="3">
+            <a:schemeClr val="accent1"/>
+          </a:fillRef>
+          <a:effectRef idx="2">
+            <a:schemeClr val="accent1"/>
+          </a:effectRef>
+          <a:fontRef idx="minor">
+            <a:schemeClr val="lt1"/>
+          </a:fontRef>
+        </p:style>
+      </p:sp>
+      <p:sp>
+        <p:nvSpPr>
+          <p:cNvPr id="18" name="Rectangle 17">
+            <a:extLst>
+              <a:ext uri="{FF2B5EF4-FFF2-40B4-BE49-F238E27FC236}">
+                <a16:creationId xmlns:a16="http://schemas.microsoft.com/office/drawing/2014/main" id="{9FC936C0-4624-438D-BDD0-6B296BD6409D}"/>
+              </a:ext>
+              <a:ext uri="{C183D7F6-B498-43B3-948B-1728B52AA6E4}">
+                <adec:decorative xmlns:adec="http://schemas.microsoft.com/office/drawing/2017/decorative" val="1"/>
+              </a:ext>
+            </a:extLst>
+          </p:cNvPr>
+          <p:cNvSpPr>
+            <a:spLocks noGrp="1" noRot="1" noChangeAspect="1" noMove="1" noResize="1" noEditPoints="1" noAdjustHandles="1" noChangeArrowheads="1" noChangeShapeType="1" noTextEdit="1"/>
+          </p:cNvSpPr>
+          <p:nvPr>
+            <p:extLst>
+              <p:ext uri="{386F3935-93C4-4BCD-93E2-E3B085C9AB24}">
+                <p16:designElem xmlns:p16="http://schemas.microsoft.com/office/powerpoint/2015/main" val="1"/>
+              </p:ext>
+            </p:extLst>
+          </p:nvPr>
+        </p:nvSpPr>
+        <p:spPr>
+          <a:xfrm>
+            <a:off x="446534" y="3085765"/>
+            <a:ext cx="11262866" cy="3304800"/>
+          </a:xfrm>
+          <a:prstGeom prst="rect">
+            <a:avLst/>
+          </a:prstGeom>
+          <a:solidFill>
+            <a:schemeClr val="accent1"/>
+          </a:solidFill>
+          <a:ln>
+            <a:noFill/>
+          </a:ln>
+          <a:effectLst/>
+        </p:spPr>
+        <p:style>
+          <a:lnRef idx="1">
+            <a:schemeClr val="accent1"/>
+          </a:lnRef>
+          <a:fillRef idx="3">
+            <a:schemeClr val="accent1"/>
+          </a:fillRef>
+          <a:effectRef idx="2">
+            <a:schemeClr val="accent1"/>
+          </a:effectRef>
+          <a:fontRef idx="minor">
+            <a:schemeClr val="lt1"/>
+          </a:fontRef>
+        </p:style>
+      </p:sp>
+      <p:sp useBgFill="1">
+        <p:nvSpPr>
+          <p:cNvPr id="20" name="Rectangle 19">
+            <a:extLst>
+              <a:ext uri="{FF2B5EF4-FFF2-40B4-BE49-F238E27FC236}">
+                <a16:creationId xmlns:a16="http://schemas.microsoft.com/office/drawing/2014/main" id="{52A5E297-FCC0-4CBB-B0F2-AD10B61FABD2}"/>
+              </a:ext>
+              <a:ext uri="{C183D7F6-B498-43B3-948B-1728B52AA6E4}">
+                <adec:decorative xmlns:adec="http://schemas.microsoft.com/office/drawing/2017/decorative" val="1"/>
+              </a:ext>
+            </a:extLst>
+          </p:cNvPr>
+          <p:cNvSpPr>
+            <a:spLocks noGrp="1" noRot="1" noChangeAspect="1" noMove="1" noResize="1" noEditPoints="1" noAdjustHandles="1" noChangeArrowheads="1" noChangeShapeType="1" noTextEdit="1"/>
+          </p:cNvSpPr>
+          <p:nvPr>
+            <p:extLst>
+              <p:ext uri="{386F3935-93C4-4BCD-93E2-E3B085C9AB24}">
+                <p16:designElem xmlns:p16="http://schemas.microsoft.com/office/powerpoint/2015/main" val="1"/>
+              </p:ext>
+            </p:extLst>
+          </p:nvPr>
+        </p:nvSpPr>
+        <p:spPr>
+          <a:xfrm>
+            <a:off x="0" y="1"/>
+            <a:ext cx="12191999" cy="6858000"/>
+          </a:xfrm>
+          <a:prstGeom prst="rect">
+            <a:avLst/>
+          </a:prstGeom>
+          <a:ln>
+            <a:noFill/>
+          </a:ln>
+        </p:spPr>
+        <p:style>
+          <a:lnRef idx="2">
+            <a:schemeClr val="accent1">
+              <a:shade val="50000"/>
+            </a:schemeClr>
+          </a:lnRef>
+          <a:fillRef idx="1">
+            <a:schemeClr val="accent1"/>
+          </a:fillRef>
+          <a:effectRef idx="0">
+            <a:schemeClr val="accent1"/>
+          </a:effectRef>
+          <a:fontRef idx="minor">
+            <a:schemeClr val="lt1"/>
+          </a:fontRef>
+        </p:style>
+        <p:txBody>
+          <a:bodyPr rtlCol="0" anchor="ctr"/>
+          <a:lstStyle/>
+          <a:p>
+            <a:pPr algn="ctr"/>
+            <a:endParaRPr lang="en-US"/>
+          </a:p>
+        </p:txBody>
+      </p:sp>
+      <p:sp>
+        <p:nvSpPr>
+          <p:cNvPr id="22" name="Rectangle 21">
+            <a:extLst>
+              <a:ext uri="{FF2B5EF4-FFF2-40B4-BE49-F238E27FC236}">
+                <a16:creationId xmlns:a16="http://schemas.microsoft.com/office/drawing/2014/main" id="{2F7FBDA2-CA1E-4D12-868A-9193C9AA7B9D}"/>
+              </a:ext>
+              <a:ext uri="{C183D7F6-B498-43B3-948B-1728B52AA6E4}">
+                <adec:decorative xmlns:adec="http://schemas.microsoft.com/office/drawing/2017/decorative" val="1"/>
+              </a:ext>
+            </a:extLst>
+          </p:cNvPr>
+          <p:cNvSpPr>
+            <a:spLocks noGrp="1" noRot="1" noChangeAspect="1" noMove="1" noResize="1" noEditPoints="1" noAdjustHandles="1" noChangeArrowheads="1" noChangeShapeType="1" noTextEdit="1"/>
+          </p:cNvSpPr>
+          <p:nvPr>
+            <p:extLst>
+              <p:ext uri="{386F3935-93C4-4BCD-93E2-E3B085C9AB24}">
+                <p16:designElem xmlns:p16="http://schemas.microsoft.com/office/powerpoint/2015/main" val="1"/>
+              </p:ext>
+            </p:extLst>
+          </p:nvPr>
+        </p:nvSpPr>
+        <p:spPr>
+          <a:xfrm>
+            <a:off x="4252873" y="734134"/>
+            <a:ext cx="7498616" cy="5666666"/>
+          </a:xfrm>
+          <a:prstGeom prst="rect">
+            <a:avLst/>
+          </a:prstGeom>
+          <a:solidFill>
+            <a:schemeClr val="accent1"/>
+          </a:solidFill>
+          <a:ln>
+            <a:noFill/>
+          </a:ln>
+          <a:effectLst/>
+        </p:spPr>
+        <p:style>
+          <a:lnRef idx="1">
+            <a:schemeClr val="accent1"/>
+          </a:lnRef>
+          <a:fillRef idx="3">
+            <a:schemeClr val="accent1"/>
+          </a:fillRef>
+          <a:effectRef idx="2">
+            <a:schemeClr val="accent1"/>
+          </a:effectRef>
+          <a:fontRef idx="minor">
+            <a:schemeClr val="lt1"/>
+          </a:fontRef>
+        </p:style>
+      </p:sp>
+      <p:sp>
+        <p:nvSpPr>
           <p:cNvPr id="2" name="Título 1">
             <a:extLst>
               <a:ext uri="{FF2B5EF4-FFF2-40B4-BE49-F238E27FC236}">
@@ -4874,54 +5213,278 @@
         </p:nvSpPr>
         <p:spPr>
           <a:xfrm>
-            <a:off x="581192" y="702156"/>
-            <a:ext cx="11029616" cy="1013800"/>
-          </a:xfrm>
-        </p:spPr>
-        <p:txBody>
-          <a:bodyPr/>
+            <a:off x="4463833" y="907149"/>
+            <a:ext cx="6798608" cy="2085869"/>
+          </a:xfrm>
+        </p:spPr>
+        <p:txBody>
+          <a:bodyPr vert="horz" lIns="91440" tIns="45720" rIns="91440" bIns="45720" rtlCol="0" anchor="b">
+            <a:normAutofit fontScale="90000"/>
+          </a:bodyPr>
           <a:lstStyle/>
           <a:p>
-            <a:r>
-              <a:rPr lang="es-ES" dirty="0"/>
-              <a:t>CREANDO BASE DE DATOS</a:t>
-            </a:r>
-          </a:p>
-        </p:txBody>
-      </p:sp>
-      <p:sp>
-        <p:nvSpPr>
-          <p:cNvPr id="3" name="Marcador de contenido 2">
+            <a:pPr algn="ctr"/>
+            <a:r>
+              <a:rPr lang="en-US" sz="3600" u="sng" dirty="0">
+                <a:solidFill>
+                  <a:srgbClr val="FFFFFF"/>
+                </a:solidFill>
+              </a:rPr>
+              <a:t>Ideas </a:t>
+            </a:r>
+            <a:r>
+              <a:rPr lang="en-US" sz="3600" u="sng" dirty="0" err="1">
+                <a:solidFill>
+                  <a:srgbClr val="FFFFFF"/>
+                </a:solidFill>
+              </a:rPr>
+              <a:t>aplicadas</a:t>
+            </a:r>
+            <a:r>
+              <a:rPr lang="en-US" sz="3600" u="sng" dirty="0">
+                <a:solidFill>
+                  <a:srgbClr val="FFFFFF"/>
+                </a:solidFill>
+              </a:rPr>
+              <a:t> </a:t>
+            </a:r>
+            <a:br>
+              <a:rPr lang="en-US" sz="3600" dirty="0">
+                <a:solidFill>
+                  <a:srgbClr val="FFFFFF"/>
+                </a:solidFill>
+              </a:rPr>
+            </a:br>
+            <a:br>
+              <a:rPr lang="en-US" sz="3600" dirty="0">
+                <a:solidFill>
+                  <a:srgbClr val="FFFFFF"/>
+                </a:solidFill>
+              </a:rPr>
+            </a:br>
+            <a:r>
+              <a:rPr lang="en-US" sz="3600" dirty="0" err="1">
+                <a:solidFill>
+                  <a:srgbClr val="FFFFFF"/>
+                </a:solidFill>
+              </a:rPr>
+              <a:t>autentificación</a:t>
+            </a:r>
+            <a:r>
+              <a:rPr lang="en-US" sz="3600" dirty="0">
+                <a:solidFill>
+                  <a:srgbClr val="FFFFFF"/>
+                </a:solidFill>
+              </a:rPr>
+              <a:t> </a:t>
+            </a:r>
+            <a:r>
+              <a:rPr lang="en-US" sz="3600" dirty="0" err="1">
+                <a:solidFill>
+                  <a:srgbClr val="FFFFFF"/>
+                </a:solidFill>
+              </a:rPr>
+              <a:t>en</a:t>
+            </a:r>
+            <a:r>
+              <a:rPr lang="en-US" sz="3600" dirty="0">
+                <a:solidFill>
+                  <a:srgbClr val="FFFFFF"/>
+                </a:solidFill>
+              </a:rPr>
+              <a:t> el front</a:t>
+            </a:r>
+          </a:p>
+        </p:txBody>
+      </p:sp>
+      <p:grpSp>
+        <p:nvGrpSpPr>
+          <p:cNvPr id="24" name="Group 23">
             <a:extLst>
               <a:ext uri="{FF2B5EF4-FFF2-40B4-BE49-F238E27FC236}">
-                <a16:creationId xmlns:a16="http://schemas.microsoft.com/office/drawing/2014/main" id="{A9E2C891-52C7-4710-A9EA-E6533E3E9B94}"/>
+                <a16:creationId xmlns:a16="http://schemas.microsoft.com/office/drawing/2014/main" id="{C3E10249-5CE7-46B7-BF63-CADFE9DC1936}"/>
+              </a:ext>
+              <a:ext uri="{C183D7F6-B498-43B3-948B-1728B52AA6E4}">
+                <adec:decorative xmlns:adec="http://schemas.microsoft.com/office/drawing/2017/decorative" val="1"/>
               </a:ext>
             </a:extLst>
           </p:cNvPr>
-          <p:cNvSpPr>
-            <a:spLocks noGrp="1"/>
-          </p:cNvSpPr>
-          <p:nvPr>
-            <p:ph idx="1"/>
-          </p:nvPr>
-        </p:nvSpPr>
-        <p:spPr>
-          <a:xfrm>
-            <a:off x="581193" y="808613"/>
-            <a:ext cx="11029615" cy="3678303"/>
-          </a:xfrm>
-        </p:spPr>
-        <p:txBody>
-          <a:bodyPr/>
-          <a:lstStyle/>
-          <a:p>
-            <a:r>
-              <a:rPr lang="es-ES" dirty="0"/>
-              <a:t>Una vez hayas accedido puedes crear la base de datos.</a:t>
-            </a:r>
-          </a:p>
-        </p:txBody>
-      </p:sp>
+          <p:cNvGrpSpPr>
+            <a:grpSpLocks noGrp="1" noUngrp="1" noRot="1" noChangeAspect="1" noMove="1" noResize="1"/>
+          </p:cNvGrpSpPr>
+          <p:nvPr>
+            <p:extLst>
+              <p:ext uri="{386F3935-93C4-4BCD-93E2-E3B085C9AB24}">
+                <p16:designElem xmlns:p16="http://schemas.microsoft.com/office/powerpoint/2015/main" val="1"/>
+              </p:ext>
+            </p:extLst>
+          </p:nvPr>
+        </p:nvGrpSpPr>
+        <p:grpSpPr>
+          <a:xfrm>
+            <a:off x="446534" y="453643"/>
+            <a:ext cx="11298933" cy="98554"/>
+            <a:chOff x="446534" y="453643"/>
+            <a:chExt cx="11298933" cy="98554"/>
+          </a:xfrm>
+        </p:grpSpPr>
+        <p:sp>
+          <p:nvSpPr>
+            <p:cNvPr id="25" name="Rectangle 24">
+              <a:extLst>
+                <a:ext uri="{FF2B5EF4-FFF2-40B4-BE49-F238E27FC236}">
+                  <a16:creationId xmlns:a16="http://schemas.microsoft.com/office/drawing/2014/main" id="{E0A0B672-D861-46A7-A5CE-F47D2E89CAB4}"/>
+                </a:ext>
+                <a:ext uri="{C183D7F6-B498-43B3-948B-1728B52AA6E4}">
+                  <adec:decorative xmlns:adec="http://schemas.microsoft.com/office/drawing/2017/decorative" val="1"/>
+                </a:ext>
+              </a:extLst>
+            </p:cNvPr>
+            <p:cNvSpPr/>
+            <p:nvPr>
+              <p:extLst>
+                <p:ext uri="{386F3935-93C4-4BCD-93E2-E3B085C9AB24}">
+                  <p16:designElem xmlns:p16="http://schemas.microsoft.com/office/powerpoint/2015/main" val="1"/>
+                </p:ext>
+              </p:extLst>
+            </p:nvPr>
+          </p:nvSpPr>
+          <p:spPr>
+            <a:xfrm>
+              <a:off x="446534" y="457200"/>
+              <a:ext cx="3703320" cy="94997"/>
+            </a:xfrm>
+            <a:prstGeom prst="rect">
+              <a:avLst/>
+            </a:prstGeom>
+            <a:solidFill>
+              <a:schemeClr val="accent1"/>
+            </a:solidFill>
+            <a:ln>
+              <a:noFill/>
+            </a:ln>
+            <a:effectLst/>
+          </p:spPr>
+          <p:style>
+            <a:lnRef idx="1">
+              <a:schemeClr val="accent1"/>
+            </a:lnRef>
+            <a:fillRef idx="3">
+              <a:schemeClr val="accent1"/>
+            </a:fillRef>
+            <a:effectRef idx="2">
+              <a:schemeClr val="accent1"/>
+            </a:effectRef>
+            <a:fontRef idx="minor">
+              <a:schemeClr val="lt1"/>
+            </a:fontRef>
+          </p:style>
+        </p:sp>
+        <p:sp>
+          <p:nvSpPr>
+            <p:cNvPr id="26" name="Rectangle 25">
+              <a:extLst>
+                <a:ext uri="{FF2B5EF4-FFF2-40B4-BE49-F238E27FC236}">
+                  <a16:creationId xmlns:a16="http://schemas.microsoft.com/office/drawing/2014/main" id="{BE538C5F-339E-4E2E-9D0C-CB525B78A7B8}"/>
+                </a:ext>
+                <a:ext uri="{C183D7F6-B498-43B3-948B-1728B52AA6E4}">
+                  <adec:decorative xmlns:adec="http://schemas.microsoft.com/office/drawing/2017/decorative" val="1"/>
+                </a:ext>
+              </a:extLst>
+            </p:cNvPr>
+            <p:cNvSpPr/>
+            <p:nvPr>
+              <p:extLst>
+                <p:ext uri="{386F3935-93C4-4BCD-93E2-E3B085C9AB24}">
+                  <p16:designElem xmlns:p16="http://schemas.microsoft.com/office/powerpoint/2015/main" val="1"/>
+                </p:ext>
+              </p:extLst>
+            </p:nvPr>
+          </p:nvSpPr>
+          <p:spPr>
+            <a:xfrm>
+              <a:off x="8042147" y="453643"/>
+              <a:ext cx="3703320" cy="98554"/>
+            </a:xfrm>
+            <a:prstGeom prst="rect">
+              <a:avLst/>
+            </a:prstGeom>
+            <a:solidFill>
+              <a:schemeClr val="accent4"/>
+            </a:solidFill>
+            <a:ln>
+              <a:noFill/>
+            </a:ln>
+            <a:effectLst/>
+          </p:spPr>
+          <p:style>
+            <a:lnRef idx="1">
+              <a:schemeClr val="accent1"/>
+            </a:lnRef>
+            <a:fillRef idx="3">
+              <a:schemeClr val="accent1"/>
+            </a:fillRef>
+            <a:effectRef idx="2">
+              <a:schemeClr val="accent1"/>
+            </a:effectRef>
+            <a:fontRef idx="minor">
+              <a:schemeClr val="lt1"/>
+            </a:fontRef>
+          </p:style>
+        </p:sp>
+        <p:sp>
+          <p:nvSpPr>
+            <p:cNvPr id="27" name="Rectangle 26">
+              <a:extLst>
+                <a:ext uri="{FF2B5EF4-FFF2-40B4-BE49-F238E27FC236}">
+                  <a16:creationId xmlns:a16="http://schemas.microsoft.com/office/drawing/2014/main" id="{BEA4A019-FFF6-4EC2-9691-6488661102E3}"/>
+                </a:ext>
+                <a:ext uri="{C183D7F6-B498-43B3-948B-1728B52AA6E4}">
+                  <adec:decorative xmlns:adec="http://schemas.microsoft.com/office/drawing/2017/decorative" val="1"/>
+                </a:ext>
+              </a:extLst>
+            </p:cNvPr>
+            <p:cNvSpPr/>
+            <p:nvPr>
+              <p:extLst>
+                <p:ext uri="{386F3935-93C4-4BCD-93E2-E3B085C9AB24}">
+                  <p16:designElem xmlns:p16="http://schemas.microsoft.com/office/powerpoint/2015/main" val="1"/>
+                </p:ext>
+              </p:extLst>
+            </p:nvPr>
+          </p:nvSpPr>
+          <p:spPr>
+            <a:xfrm>
+              <a:off x="4241830" y="457200"/>
+              <a:ext cx="3703320" cy="91440"/>
+            </a:xfrm>
+            <a:prstGeom prst="rect">
+              <a:avLst/>
+            </a:prstGeom>
+            <a:solidFill>
+              <a:schemeClr val="accent2"/>
+            </a:solidFill>
+            <a:ln>
+              <a:noFill/>
+            </a:ln>
+            <a:effectLst/>
+          </p:spPr>
+          <p:style>
+            <a:lnRef idx="1">
+              <a:schemeClr val="accent1"/>
+            </a:lnRef>
+            <a:fillRef idx="3">
+              <a:schemeClr val="accent1"/>
+            </a:fillRef>
+            <a:effectRef idx="2">
+              <a:schemeClr val="accent1"/>
+            </a:effectRef>
+            <a:fontRef idx="minor">
+              <a:schemeClr val="lt1"/>
+            </a:fontRef>
+          </p:style>
+        </p:sp>
+      </p:grpSp>
       <p:pic>
         <p:nvPicPr>
           <p:cNvPr id="7" name="Imagen 6">
@@ -4936,15 +5499,15 @@
           </p:cNvPicPr>
           <p:nvPr/>
         </p:nvPicPr>
-        <p:blipFill>
+        <p:blipFill rotWithShape="1">
           <a:blip r:embed="rId2"/>
-          <a:srcRect/>
+          <a:srcRect t="3617" b="24875"/>
           <a:stretch/>
         </p:blipFill>
         <p:spPr>
           <a:xfrm>
-            <a:off x="1584714" y="3429000"/>
-            <a:ext cx="2843713" cy="2918713"/>
+            <a:off x="478172" y="723899"/>
+            <a:ext cx="3671681" cy="5676901"/>
           </a:xfrm>
           <a:prstGeom prst="roundRect">
             <a:avLst>
@@ -4977,12 +5540,1060 @@
           </a:sp3d>
         </p:spPr>
       </p:pic>
+      <p:sp>
+        <p:nvSpPr>
+          <p:cNvPr id="35" name="Título 1">
+            <a:extLst>
+              <a:ext uri="{FF2B5EF4-FFF2-40B4-BE49-F238E27FC236}">
+                <a16:creationId xmlns:a16="http://schemas.microsoft.com/office/drawing/2014/main" id="{296D5BB1-7954-4699-9564-D2BDA05B3E47}"/>
+              </a:ext>
+            </a:extLst>
+          </p:cNvPr>
+          <p:cNvSpPr txBox="1">
+            <a:spLocks/>
+          </p:cNvSpPr>
+          <p:nvPr/>
+        </p:nvSpPr>
+        <p:spPr>
+          <a:xfrm>
+            <a:off x="4404880" y="3429000"/>
+            <a:ext cx="7194601" cy="2351172"/>
+          </a:xfrm>
+          <a:prstGeom prst="rect">
+            <a:avLst/>
+          </a:prstGeom>
+        </p:spPr>
+        <p:txBody>
+          <a:bodyPr vert="horz" lIns="91440" tIns="45720" rIns="91440" bIns="45720" rtlCol="0" anchor="b">
+            <a:normAutofit fontScale="82500" lnSpcReduction="10000"/>
+          </a:bodyPr>
+          <a:lstStyle>
+            <a:lvl1pPr algn="l" defTabSz="457200" rtl="0" eaLnBrk="1" latinLnBrk="0" hangingPunct="1">
+              <a:spcBef>
+                <a:spcPct val="0"/>
+              </a:spcBef>
+              <a:buNone/>
+              <a:defRPr sz="2800" b="0" kern="1200" cap="all">
+                <a:solidFill>
+                  <a:schemeClr val="bg1"/>
+                </a:solidFill>
+                <a:latin typeface="+mj-lt"/>
+                <a:ea typeface="+mj-ea"/>
+                <a:cs typeface="+mj-cs"/>
+              </a:defRPr>
+            </a:lvl1pPr>
+            <a:lvl2pPr eaLnBrk="1" hangingPunct="1">
+              <a:defRPr>
+                <a:solidFill>
+                  <a:schemeClr val="tx2"/>
+                </a:solidFill>
+              </a:defRPr>
+            </a:lvl2pPr>
+            <a:lvl3pPr eaLnBrk="1" hangingPunct="1">
+              <a:defRPr>
+                <a:solidFill>
+                  <a:schemeClr val="tx2"/>
+                </a:solidFill>
+              </a:defRPr>
+            </a:lvl3pPr>
+            <a:lvl4pPr eaLnBrk="1" hangingPunct="1">
+              <a:defRPr>
+                <a:solidFill>
+                  <a:schemeClr val="tx2"/>
+                </a:solidFill>
+              </a:defRPr>
+            </a:lvl4pPr>
+            <a:lvl5pPr eaLnBrk="1" hangingPunct="1">
+              <a:defRPr>
+                <a:solidFill>
+                  <a:schemeClr val="tx2"/>
+                </a:solidFill>
+              </a:defRPr>
+            </a:lvl5pPr>
+            <a:lvl6pPr eaLnBrk="1" hangingPunct="1">
+              <a:defRPr>
+                <a:solidFill>
+                  <a:schemeClr val="tx2"/>
+                </a:solidFill>
+              </a:defRPr>
+            </a:lvl6pPr>
+            <a:lvl7pPr eaLnBrk="1" hangingPunct="1">
+              <a:defRPr>
+                <a:solidFill>
+                  <a:schemeClr val="tx2"/>
+                </a:solidFill>
+              </a:defRPr>
+            </a:lvl7pPr>
+            <a:lvl8pPr eaLnBrk="1" hangingPunct="1">
+              <a:defRPr>
+                <a:solidFill>
+                  <a:schemeClr val="tx2"/>
+                </a:solidFill>
+              </a:defRPr>
+            </a:lvl8pPr>
+            <a:lvl9pPr eaLnBrk="1" hangingPunct="1">
+              <a:defRPr>
+                <a:solidFill>
+                  <a:schemeClr val="tx2"/>
+                </a:solidFill>
+              </a:defRPr>
+            </a:lvl9pPr>
+          </a:lstStyle>
+          <a:p>
+            <a:pPr algn="ctr"/>
+            <a:r>
+              <a:rPr lang="en-US" sz="3600" cap="none" dirty="0">
+                <a:solidFill>
+                  <a:srgbClr val="FFFFFF"/>
+                </a:solidFill>
+                <a:latin typeface="Microsoft JhengHei UI Light" panose="020B0304030504040204" pitchFamily="34" charset="-120"/>
+                <a:ea typeface="Microsoft JhengHei UI Light" panose="020B0304030504040204" pitchFamily="34" charset="-120"/>
+              </a:rPr>
+              <a:t>El </a:t>
+            </a:r>
+            <a:r>
+              <a:rPr lang="en-US" sz="3600" cap="none" dirty="0" err="1">
+                <a:solidFill>
+                  <a:srgbClr val="FFFFFF"/>
+                </a:solidFill>
+                <a:latin typeface="Microsoft JhengHei UI Light" panose="020B0304030504040204" pitchFamily="34" charset="-120"/>
+                <a:ea typeface="Microsoft JhengHei UI Light" panose="020B0304030504040204" pitchFamily="34" charset="-120"/>
+              </a:rPr>
+              <a:t>acceso</a:t>
+            </a:r>
+            <a:r>
+              <a:rPr lang="en-US" sz="3600" cap="none" dirty="0">
+                <a:solidFill>
+                  <a:srgbClr val="FFFFFF"/>
+                </a:solidFill>
+                <a:latin typeface="Microsoft JhengHei UI Light" panose="020B0304030504040204" pitchFamily="34" charset="-120"/>
+                <a:ea typeface="Microsoft JhengHei UI Light" panose="020B0304030504040204" pitchFamily="34" charset="-120"/>
+              </a:rPr>
+              <a:t> al </a:t>
+            </a:r>
+            <a:r>
+              <a:rPr lang="en-US" sz="3600" cap="none" dirty="0" err="1">
+                <a:solidFill>
+                  <a:srgbClr val="FFFFFF"/>
+                </a:solidFill>
+                <a:latin typeface="Microsoft JhengHei UI Light" panose="020B0304030504040204" pitchFamily="34" charset="-120"/>
+                <a:ea typeface="Microsoft JhengHei UI Light" panose="020B0304030504040204" pitchFamily="34" charset="-120"/>
+              </a:rPr>
+              <a:t>directorio</a:t>
+            </a:r>
+            <a:r>
+              <a:rPr lang="en-US" sz="3600" cap="none" dirty="0">
+                <a:solidFill>
+                  <a:srgbClr val="FFFFFF"/>
+                </a:solidFill>
+                <a:latin typeface="Microsoft JhengHei UI Light" panose="020B0304030504040204" pitchFamily="34" charset="-120"/>
+                <a:ea typeface="Microsoft JhengHei UI Light" panose="020B0304030504040204" pitchFamily="34" charset="-120"/>
+              </a:rPr>
+              <a:t> </a:t>
+            </a:r>
+            <a:r>
+              <a:rPr lang="en-US" sz="3600" cap="none" dirty="0" err="1">
+                <a:solidFill>
+                  <a:srgbClr val="FFFFFF"/>
+                </a:solidFill>
+                <a:latin typeface="Microsoft JhengHei UI Light" panose="020B0304030504040204" pitchFamily="34" charset="-120"/>
+                <a:ea typeface="Microsoft JhengHei UI Light" panose="020B0304030504040204" pitchFamily="34" charset="-120"/>
+              </a:rPr>
+              <a:t>activo</a:t>
+            </a:r>
+            <a:r>
+              <a:rPr lang="en-US" sz="3600" cap="none" dirty="0">
+                <a:solidFill>
+                  <a:srgbClr val="FFFFFF"/>
+                </a:solidFill>
+                <a:latin typeface="Microsoft JhengHei UI Light" panose="020B0304030504040204" pitchFamily="34" charset="-120"/>
+                <a:ea typeface="Microsoft JhengHei UI Light" panose="020B0304030504040204" pitchFamily="34" charset="-120"/>
+              </a:rPr>
+              <a:t> no </a:t>
+            </a:r>
+            <a:r>
+              <a:rPr lang="en-US" sz="3600" cap="none" dirty="0" err="1">
+                <a:solidFill>
+                  <a:srgbClr val="FFFFFF"/>
+                </a:solidFill>
+                <a:latin typeface="Microsoft JhengHei UI Light" panose="020B0304030504040204" pitchFamily="34" charset="-120"/>
+                <a:ea typeface="Microsoft JhengHei UI Light" panose="020B0304030504040204" pitchFamily="34" charset="-120"/>
+              </a:rPr>
+              <a:t>hemos</a:t>
+            </a:r>
+            <a:r>
+              <a:rPr lang="en-US" sz="3600" cap="none" dirty="0">
+                <a:solidFill>
+                  <a:srgbClr val="FFFFFF"/>
+                </a:solidFill>
+                <a:latin typeface="Microsoft JhengHei UI Light" panose="020B0304030504040204" pitchFamily="34" charset="-120"/>
+                <a:ea typeface="Microsoft JhengHei UI Light" panose="020B0304030504040204" pitchFamily="34" charset="-120"/>
+              </a:rPr>
+              <a:t> </a:t>
+            </a:r>
+            <a:r>
+              <a:rPr lang="en-US" sz="3600" cap="none" dirty="0" err="1">
+                <a:solidFill>
+                  <a:srgbClr val="FFFFFF"/>
+                </a:solidFill>
+                <a:latin typeface="Microsoft JhengHei UI Light" panose="020B0304030504040204" pitchFamily="34" charset="-120"/>
+                <a:ea typeface="Microsoft JhengHei UI Light" panose="020B0304030504040204" pitchFamily="34" charset="-120"/>
+              </a:rPr>
+              <a:t>podido</a:t>
+            </a:r>
+            <a:r>
+              <a:rPr lang="en-US" sz="3600" cap="none" dirty="0">
+                <a:solidFill>
+                  <a:srgbClr val="FFFFFF"/>
+                </a:solidFill>
+                <a:latin typeface="Microsoft JhengHei UI Light" panose="020B0304030504040204" pitchFamily="34" charset="-120"/>
+                <a:ea typeface="Microsoft JhengHei UI Light" panose="020B0304030504040204" pitchFamily="34" charset="-120"/>
+              </a:rPr>
+              <a:t> </a:t>
+            </a:r>
+            <a:r>
+              <a:rPr lang="en-US" sz="3600" cap="none" dirty="0" err="1">
+                <a:solidFill>
+                  <a:srgbClr val="FFFFFF"/>
+                </a:solidFill>
+                <a:latin typeface="Microsoft JhengHei UI Light" panose="020B0304030504040204" pitchFamily="34" charset="-120"/>
+                <a:ea typeface="Microsoft JhengHei UI Light" panose="020B0304030504040204" pitchFamily="34" charset="-120"/>
+              </a:rPr>
+              <a:t>realizarlo</a:t>
+            </a:r>
+            <a:r>
+              <a:rPr lang="en-US" sz="3600" cap="none" dirty="0">
+                <a:solidFill>
+                  <a:srgbClr val="FFFFFF"/>
+                </a:solidFill>
+                <a:latin typeface="Microsoft JhengHei UI Light" panose="020B0304030504040204" pitchFamily="34" charset="-120"/>
+                <a:ea typeface="Microsoft JhengHei UI Light" panose="020B0304030504040204" pitchFamily="34" charset="-120"/>
+              </a:rPr>
+              <a:t>, sin embargo </a:t>
+            </a:r>
+            <a:r>
+              <a:rPr lang="en-US" sz="3600" cap="none" dirty="0" err="1">
+                <a:solidFill>
+                  <a:srgbClr val="FFFFFF"/>
+                </a:solidFill>
+                <a:latin typeface="Microsoft JhengHei UI Light" panose="020B0304030504040204" pitchFamily="34" charset="-120"/>
+                <a:ea typeface="Microsoft JhengHei UI Light" panose="020B0304030504040204" pitchFamily="34" charset="-120"/>
+              </a:rPr>
+              <a:t>hemos</a:t>
+            </a:r>
+            <a:r>
+              <a:rPr lang="en-US" sz="3600" cap="none" dirty="0">
+                <a:solidFill>
+                  <a:srgbClr val="FFFFFF"/>
+                </a:solidFill>
+                <a:latin typeface="Microsoft JhengHei UI Light" panose="020B0304030504040204" pitchFamily="34" charset="-120"/>
+                <a:ea typeface="Microsoft JhengHei UI Light" panose="020B0304030504040204" pitchFamily="34" charset="-120"/>
+              </a:rPr>
+              <a:t> </a:t>
+            </a:r>
+            <a:r>
+              <a:rPr lang="en-US" sz="3600" cap="none" dirty="0" err="1">
+                <a:solidFill>
+                  <a:srgbClr val="FFFFFF"/>
+                </a:solidFill>
+                <a:latin typeface="Microsoft JhengHei UI Light" panose="020B0304030504040204" pitchFamily="34" charset="-120"/>
+                <a:ea typeface="Microsoft JhengHei UI Light" panose="020B0304030504040204" pitchFamily="34" charset="-120"/>
+              </a:rPr>
+              <a:t>creado</a:t>
+            </a:r>
+            <a:r>
+              <a:rPr lang="en-US" sz="3600" cap="none" dirty="0">
+                <a:solidFill>
+                  <a:srgbClr val="FFFFFF"/>
+                </a:solidFill>
+                <a:latin typeface="Microsoft JhengHei UI Light" panose="020B0304030504040204" pitchFamily="34" charset="-120"/>
+                <a:ea typeface="Microsoft JhengHei UI Light" panose="020B0304030504040204" pitchFamily="34" charset="-120"/>
+              </a:rPr>
+              <a:t> una </a:t>
+            </a:r>
+            <a:r>
+              <a:rPr lang="en-US" sz="3600" cap="none" dirty="0" err="1">
+                <a:solidFill>
+                  <a:srgbClr val="FFFFFF"/>
+                </a:solidFill>
+                <a:latin typeface="Microsoft JhengHei UI Light" panose="020B0304030504040204" pitchFamily="34" charset="-120"/>
+                <a:ea typeface="Microsoft JhengHei UI Light" panose="020B0304030504040204" pitchFamily="34" charset="-120"/>
+              </a:rPr>
+              <a:t>autentificación</a:t>
+            </a:r>
+            <a:r>
+              <a:rPr lang="en-US" sz="3600" cap="none" dirty="0">
+                <a:solidFill>
+                  <a:srgbClr val="FFFFFF"/>
+                </a:solidFill>
+                <a:latin typeface="Microsoft JhengHei UI Light" panose="020B0304030504040204" pitchFamily="34" charset="-120"/>
+                <a:ea typeface="Microsoft JhengHei UI Light" panose="020B0304030504040204" pitchFamily="34" charset="-120"/>
+              </a:rPr>
+              <a:t> temporal </a:t>
+            </a:r>
+            <a:r>
+              <a:rPr lang="en-US" sz="3600" cap="none" dirty="0" err="1">
+                <a:solidFill>
+                  <a:srgbClr val="FFFFFF"/>
+                </a:solidFill>
+                <a:latin typeface="Microsoft JhengHei UI Light" panose="020B0304030504040204" pitchFamily="34" charset="-120"/>
+                <a:ea typeface="Microsoft JhengHei UI Light" panose="020B0304030504040204" pitchFamily="34" charset="-120"/>
+              </a:rPr>
+              <a:t>en</a:t>
+            </a:r>
+            <a:r>
+              <a:rPr lang="en-US" sz="3600" cap="none" dirty="0">
+                <a:solidFill>
+                  <a:srgbClr val="FFFFFF"/>
+                </a:solidFill>
+                <a:latin typeface="Microsoft JhengHei UI Light" panose="020B0304030504040204" pitchFamily="34" charset="-120"/>
+                <a:ea typeface="Microsoft JhengHei UI Light" panose="020B0304030504040204" pitchFamily="34" charset="-120"/>
+              </a:rPr>
+              <a:t> SQLite para </a:t>
+            </a:r>
+            <a:r>
+              <a:rPr lang="en-US" sz="3600" cap="none" dirty="0" err="1">
+                <a:solidFill>
+                  <a:srgbClr val="FFFFFF"/>
+                </a:solidFill>
+                <a:latin typeface="Microsoft JhengHei UI Light" panose="020B0304030504040204" pitchFamily="34" charset="-120"/>
+                <a:ea typeface="Microsoft JhengHei UI Light" panose="020B0304030504040204" pitchFamily="34" charset="-120"/>
+              </a:rPr>
+              <a:t>probar</a:t>
+            </a:r>
+            <a:r>
+              <a:rPr lang="en-US" sz="3600" cap="none" dirty="0">
+                <a:solidFill>
+                  <a:srgbClr val="FFFFFF"/>
+                </a:solidFill>
+                <a:latin typeface="Microsoft JhengHei UI Light" panose="020B0304030504040204" pitchFamily="34" charset="-120"/>
+                <a:ea typeface="Microsoft JhengHei UI Light" panose="020B0304030504040204" pitchFamily="34" charset="-120"/>
+              </a:rPr>
+              <a:t> </a:t>
+            </a:r>
+            <a:r>
+              <a:rPr lang="en-US" sz="3600" cap="none" dirty="0" err="1">
+                <a:solidFill>
+                  <a:srgbClr val="FFFFFF"/>
+                </a:solidFill>
+                <a:latin typeface="Microsoft JhengHei UI Light" panose="020B0304030504040204" pitchFamily="34" charset="-120"/>
+                <a:ea typeface="Microsoft JhengHei UI Light" panose="020B0304030504040204" pitchFamily="34" charset="-120"/>
+              </a:rPr>
+              <a:t>todas</a:t>
+            </a:r>
+            <a:r>
+              <a:rPr lang="en-US" sz="3600" cap="none" dirty="0">
+                <a:solidFill>
+                  <a:srgbClr val="FFFFFF"/>
+                </a:solidFill>
+                <a:latin typeface="Microsoft JhengHei UI Light" panose="020B0304030504040204" pitchFamily="34" charset="-120"/>
+                <a:ea typeface="Microsoft JhengHei UI Light" panose="020B0304030504040204" pitchFamily="34" charset="-120"/>
+              </a:rPr>
+              <a:t> las </a:t>
+            </a:r>
+            <a:r>
+              <a:rPr lang="en-US" sz="3600" cap="none" dirty="0" err="1">
+                <a:solidFill>
+                  <a:srgbClr val="FFFFFF"/>
+                </a:solidFill>
+                <a:latin typeface="Microsoft JhengHei UI Light" panose="020B0304030504040204" pitchFamily="34" charset="-120"/>
+                <a:ea typeface="Microsoft JhengHei UI Light" panose="020B0304030504040204" pitchFamily="34" charset="-120"/>
+              </a:rPr>
+              <a:t>posibles</a:t>
+            </a:r>
+            <a:r>
+              <a:rPr lang="en-US" sz="3600" cap="none" dirty="0">
+                <a:solidFill>
+                  <a:srgbClr val="FFFFFF"/>
+                </a:solidFill>
+                <a:latin typeface="Microsoft JhengHei UI Light" panose="020B0304030504040204" pitchFamily="34" charset="-120"/>
+                <a:ea typeface="Microsoft JhengHei UI Light" panose="020B0304030504040204" pitchFamily="34" charset="-120"/>
+              </a:rPr>
+              <a:t> </a:t>
+            </a:r>
+            <a:r>
+              <a:rPr lang="en-US" sz="3600" cap="none" dirty="0" err="1">
+                <a:solidFill>
+                  <a:srgbClr val="FFFFFF"/>
+                </a:solidFill>
+                <a:latin typeface="Microsoft JhengHei UI Light" panose="020B0304030504040204" pitchFamily="34" charset="-120"/>
+                <a:ea typeface="Microsoft JhengHei UI Light" panose="020B0304030504040204" pitchFamily="34" charset="-120"/>
+              </a:rPr>
+              <a:t>excepciones</a:t>
+            </a:r>
+            <a:r>
+              <a:rPr lang="en-US" sz="3600" cap="none" dirty="0">
+                <a:solidFill>
+                  <a:srgbClr val="FFFFFF"/>
+                </a:solidFill>
+                <a:latin typeface="Microsoft JhengHei UI Light" panose="020B0304030504040204" pitchFamily="34" charset="-120"/>
+                <a:ea typeface="Microsoft JhengHei UI Light" panose="020B0304030504040204" pitchFamily="34" charset="-120"/>
+              </a:rPr>
+              <a:t> y </a:t>
+            </a:r>
+            <a:r>
+              <a:rPr lang="en-US" sz="3600" cap="none" dirty="0" err="1">
+                <a:solidFill>
+                  <a:srgbClr val="FFFFFF"/>
+                </a:solidFill>
+                <a:latin typeface="Microsoft JhengHei UI Light" panose="020B0304030504040204" pitchFamily="34" charset="-120"/>
+                <a:ea typeface="Microsoft JhengHei UI Light" panose="020B0304030504040204" pitchFamily="34" charset="-120"/>
+              </a:rPr>
+              <a:t>validaciones</a:t>
+            </a:r>
+            <a:r>
+              <a:rPr lang="en-US" sz="3600" cap="none" dirty="0">
+                <a:solidFill>
+                  <a:srgbClr val="FFFFFF"/>
+                </a:solidFill>
+                <a:latin typeface="Microsoft JhengHei UI Light" panose="020B0304030504040204" pitchFamily="34" charset="-120"/>
+                <a:ea typeface="Microsoft JhengHei UI Light" panose="020B0304030504040204" pitchFamily="34" charset="-120"/>
+              </a:rPr>
+              <a:t>.</a:t>
+            </a:r>
+          </a:p>
+        </p:txBody>
+      </p:sp>
+    </p:spTree>
+    <p:extLst>
+      <p:ext uri="{BB962C8B-B14F-4D97-AF65-F5344CB8AC3E}">
+        <p14:creationId xmlns:p14="http://schemas.microsoft.com/office/powerpoint/2010/main" val="1673172959"/>
+      </p:ext>
+    </p:extLst>
+  </p:cSld>
+  <p:clrMapOvr>
+    <a:masterClrMapping/>
+  </p:clrMapOvr>
+</p:sld>
+</file>
+
+<file path=ppt/slides/slide6.xml><?xml version="1.0" encoding="utf-8"?>
+<p:sld xmlns:a="http://schemas.openxmlformats.org/drawingml/2006/main" xmlns:r="http://schemas.openxmlformats.org/officeDocument/2006/relationships" xmlns:p="http://schemas.openxmlformats.org/presentationml/2006/main">
+  <p:cSld>
+    <p:bg>
+      <p:bgPr>
+        <a:solidFill>
+          <a:schemeClr val="bg1"/>
+        </a:solidFill>
+        <a:effectLst/>
+      </p:bgPr>
+    </p:bg>
+    <p:spTree>
+      <p:nvGrpSpPr>
+        <p:cNvPr id="1" name=""/>
+        <p:cNvGrpSpPr/>
+        <p:nvPr/>
+      </p:nvGrpSpPr>
+      <p:grpSpPr>
+        <a:xfrm>
+          <a:off x="0" y="0"/>
+          <a:ext cx="0" cy="0"/>
+          <a:chOff x="0" y="0"/>
+          <a:chExt cx="0" cy="0"/>
+        </a:xfrm>
+      </p:grpSpPr>
+      <p:sp>
+        <p:nvSpPr>
+          <p:cNvPr id="12" name="Rectangle 11">
+            <a:extLst>
+              <a:ext uri="{FF2B5EF4-FFF2-40B4-BE49-F238E27FC236}">
+                <a16:creationId xmlns:a16="http://schemas.microsoft.com/office/drawing/2014/main" id="{2928117C-9446-4E7F-AE62-95E0F6DB5B27}"/>
+              </a:ext>
+              <a:ext uri="{C183D7F6-B498-43B3-948B-1728B52AA6E4}">
+                <adec:decorative xmlns:adec="http://schemas.microsoft.com/office/drawing/2017/decorative" val="1"/>
+              </a:ext>
+            </a:extLst>
+          </p:cNvPr>
+          <p:cNvSpPr>
+            <a:spLocks noGrp="1" noRot="1" noChangeAspect="1" noMove="1" noResize="1" noEditPoints="1" noAdjustHandles="1" noChangeArrowheads="1" noChangeShapeType="1" noTextEdit="1"/>
+          </p:cNvSpPr>
+          <p:nvPr>
+            <p:extLst>
+              <p:ext uri="{386F3935-93C4-4BCD-93E2-E3B085C9AB24}">
+                <p16:designElem xmlns:p16="http://schemas.microsoft.com/office/powerpoint/2015/main" val="1"/>
+              </p:ext>
+            </p:extLst>
+          </p:nvPr>
+        </p:nvSpPr>
+        <p:spPr>
+          <a:xfrm>
+            <a:off x="446534" y="457200"/>
+            <a:ext cx="3703320" cy="94997"/>
+          </a:xfrm>
+          <a:prstGeom prst="rect">
+            <a:avLst/>
+          </a:prstGeom>
+          <a:solidFill>
+            <a:schemeClr val="accent1"/>
+          </a:solidFill>
+          <a:ln>
+            <a:noFill/>
+          </a:ln>
+          <a:effectLst/>
+        </p:spPr>
+        <p:style>
+          <a:lnRef idx="1">
+            <a:schemeClr val="accent1"/>
+          </a:lnRef>
+          <a:fillRef idx="3">
+            <a:schemeClr val="accent1"/>
+          </a:fillRef>
+          <a:effectRef idx="2">
+            <a:schemeClr val="accent1"/>
+          </a:effectRef>
+          <a:fontRef idx="minor">
+            <a:schemeClr val="lt1"/>
+          </a:fontRef>
+        </p:style>
+      </p:sp>
+      <p:sp>
+        <p:nvSpPr>
+          <p:cNvPr id="14" name="Rectangle 13">
+            <a:extLst>
+              <a:ext uri="{FF2B5EF4-FFF2-40B4-BE49-F238E27FC236}">
+                <a16:creationId xmlns:a16="http://schemas.microsoft.com/office/drawing/2014/main" id="{84D30AFB-4D71-48B0-AA00-28EE92363A5F}"/>
+              </a:ext>
+              <a:ext uri="{C183D7F6-B498-43B3-948B-1728B52AA6E4}">
+                <adec:decorative xmlns:adec="http://schemas.microsoft.com/office/drawing/2017/decorative" val="1"/>
+              </a:ext>
+            </a:extLst>
+          </p:cNvPr>
+          <p:cNvSpPr>
+            <a:spLocks noGrp="1" noRot="1" noChangeAspect="1" noMove="1" noResize="1" noEditPoints="1" noAdjustHandles="1" noChangeArrowheads="1" noChangeShapeType="1" noTextEdit="1"/>
+          </p:cNvSpPr>
+          <p:nvPr>
+            <p:extLst>
+              <p:ext uri="{386F3935-93C4-4BCD-93E2-E3B085C9AB24}">
+                <p16:designElem xmlns:p16="http://schemas.microsoft.com/office/powerpoint/2015/main" val="1"/>
+              </p:ext>
+            </p:extLst>
+          </p:nvPr>
+        </p:nvSpPr>
+        <p:spPr>
+          <a:xfrm>
+            <a:off x="8042147" y="453643"/>
+            <a:ext cx="3703320" cy="98554"/>
+          </a:xfrm>
+          <a:prstGeom prst="rect">
+            <a:avLst/>
+          </a:prstGeom>
+          <a:solidFill>
+            <a:schemeClr val="accent4"/>
+          </a:solidFill>
+          <a:ln>
+            <a:noFill/>
+          </a:ln>
+          <a:effectLst/>
+        </p:spPr>
+        <p:style>
+          <a:lnRef idx="1">
+            <a:schemeClr val="accent1"/>
+          </a:lnRef>
+          <a:fillRef idx="3">
+            <a:schemeClr val="accent1"/>
+          </a:fillRef>
+          <a:effectRef idx="2">
+            <a:schemeClr val="accent1"/>
+          </a:effectRef>
+          <a:fontRef idx="minor">
+            <a:schemeClr val="lt1"/>
+          </a:fontRef>
+        </p:style>
+      </p:sp>
+      <p:sp>
+        <p:nvSpPr>
+          <p:cNvPr id="16" name="Rectangle 15">
+            <a:extLst>
+              <a:ext uri="{FF2B5EF4-FFF2-40B4-BE49-F238E27FC236}">
+                <a16:creationId xmlns:a16="http://schemas.microsoft.com/office/drawing/2014/main" id="{96A0B76F-8010-4C62-B4B6-C5FC438C059E}"/>
+              </a:ext>
+              <a:ext uri="{C183D7F6-B498-43B3-948B-1728B52AA6E4}">
+                <adec:decorative xmlns:adec="http://schemas.microsoft.com/office/drawing/2017/decorative" val="1"/>
+              </a:ext>
+            </a:extLst>
+          </p:cNvPr>
+          <p:cNvSpPr>
+            <a:spLocks noGrp="1" noRot="1" noChangeAspect="1" noMove="1" noResize="1" noEditPoints="1" noAdjustHandles="1" noChangeArrowheads="1" noChangeShapeType="1" noTextEdit="1"/>
+          </p:cNvSpPr>
+          <p:nvPr>
+            <p:extLst>
+              <p:ext uri="{386F3935-93C4-4BCD-93E2-E3B085C9AB24}">
+                <p16:designElem xmlns:p16="http://schemas.microsoft.com/office/powerpoint/2015/main" val="1"/>
+              </p:ext>
+            </p:extLst>
+          </p:nvPr>
+        </p:nvSpPr>
+        <p:spPr>
+          <a:xfrm>
+            <a:off x="4241830" y="457200"/>
+            <a:ext cx="3703320" cy="91440"/>
+          </a:xfrm>
+          <a:prstGeom prst="rect">
+            <a:avLst/>
+          </a:prstGeom>
+          <a:solidFill>
+            <a:schemeClr val="accent2"/>
+          </a:solidFill>
+          <a:ln>
+            <a:noFill/>
+          </a:ln>
+          <a:effectLst/>
+        </p:spPr>
+        <p:style>
+          <a:lnRef idx="1">
+            <a:schemeClr val="accent1"/>
+          </a:lnRef>
+          <a:fillRef idx="3">
+            <a:schemeClr val="accent1"/>
+          </a:fillRef>
+          <a:effectRef idx="2">
+            <a:schemeClr val="accent1"/>
+          </a:effectRef>
+          <a:fontRef idx="minor">
+            <a:schemeClr val="lt1"/>
+          </a:fontRef>
+        </p:style>
+      </p:sp>
+      <p:sp>
+        <p:nvSpPr>
+          <p:cNvPr id="18" name="Rectangle 17">
+            <a:extLst>
+              <a:ext uri="{FF2B5EF4-FFF2-40B4-BE49-F238E27FC236}">
+                <a16:creationId xmlns:a16="http://schemas.microsoft.com/office/drawing/2014/main" id="{9FC936C0-4624-438D-BDD0-6B296BD6409D}"/>
+              </a:ext>
+              <a:ext uri="{C183D7F6-B498-43B3-948B-1728B52AA6E4}">
+                <adec:decorative xmlns:adec="http://schemas.microsoft.com/office/drawing/2017/decorative" val="1"/>
+              </a:ext>
+            </a:extLst>
+          </p:cNvPr>
+          <p:cNvSpPr>
+            <a:spLocks noGrp="1" noRot="1" noChangeAspect="1" noMove="1" noResize="1" noEditPoints="1" noAdjustHandles="1" noChangeArrowheads="1" noChangeShapeType="1" noTextEdit="1"/>
+          </p:cNvSpPr>
+          <p:nvPr>
+            <p:extLst>
+              <p:ext uri="{386F3935-93C4-4BCD-93E2-E3B085C9AB24}">
+                <p16:designElem xmlns:p16="http://schemas.microsoft.com/office/powerpoint/2015/main" val="1"/>
+              </p:ext>
+            </p:extLst>
+          </p:nvPr>
+        </p:nvSpPr>
+        <p:spPr>
+          <a:xfrm>
+            <a:off x="446534" y="3085765"/>
+            <a:ext cx="11262866" cy="3304800"/>
+          </a:xfrm>
+          <a:prstGeom prst="rect">
+            <a:avLst/>
+          </a:prstGeom>
+          <a:solidFill>
+            <a:schemeClr val="accent1"/>
+          </a:solidFill>
+          <a:ln>
+            <a:noFill/>
+          </a:ln>
+          <a:effectLst/>
+        </p:spPr>
+        <p:style>
+          <a:lnRef idx="1">
+            <a:schemeClr val="accent1"/>
+          </a:lnRef>
+          <a:fillRef idx="3">
+            <a:schemeClr val="accent1"/>
+          </a:fillRef>
+          <a:effectRef idx="2">
+            <a:schemeClr val="accent1"/>
+          </a:effectRef>
+          <a:fontRef idx="minor">
+            <a:schemeClr val="lt1"/>
+          </a:fontRef>
+        </p:style>
+      </p:sp>
+      <p:sp useBgFill="1">
+        <p:nvSpPr>
+          <p:cNvPr id="20" name="Rectangle 19">
+            <a:extLst>
+              <a:ext uri="{FF2B5EF4-FFF2-40B4-BE49-F238E27FC236}">
+                <a16:creationId xmlns:a16="http://schemas.microsoft.com/office/drawing/2014/main" id="{52A5E297-FCC0-4CBB-B0F2-AD10B61FABD2}"/>
+              </a:ext>
+              <a:ext uri="{C183D7F6-B498-43B3-948B-1728B52AA6E4}">
+                <adec:decorative xmlns:adec="http://schemas.microsoft.com/office/drawing/2017/decorative" val="1"/>
+              </a:ext>
+            </a:extLst>
+          </p:cNvPr>
+          <p:cNvSpPr>
+            <a:spLocks noGrp="1" noRot="1" noChangeAspect="1" noMove="1" noResize="1" noEditPoints="1" noAdjustHandles="1" noChangeArrowheads="1" noChangeShapeType="1" noTextEdit="1"/>
+          </p:cNvSpPr>
+          <p:nvPr>
+            <p:extLst>
+              <p:ext uri="{386F3935-93C4-4BCD-93E2-E3B085C9AB24}">
+                <p16:designElem xmlns:p16="http://schemas.microsoft.com/office/powerpoint/2015/main" val="1"/>
+              </p:ext>
+            </p:extLst>
+          </p:nvPr>
+        </p:nvSpPr>
+        <p:spPr>
+          <a:xfrm>
+            <a:off x="0" y="1"/>
+            <a:ext cx="12191999" cy="6858000"/>
+          </a:xfrm>
+          <a:prstGeom prst="rect">
+            <a:avLst/>
+          </a:prstGeom>
+          <a:ln>
+            <a:noFill/>
+          </a:ln>
+        </p:spPr>
+        <p:style>
+          <a:lnRef idx="2">
+            <a:schemeClr val="accent1">
+              <a:shade val="50000"/>
+            </a:schemeClr>
+          </a:lnRef>
+          <a:fillRef idx="1">
+            <a:schemeClr val="accent1"/>
+          </a:fillRef>
+          <a:effectRef idx="0">
+            <a:schemeClr val="accent1"/>
+          </a:effectRef>
+          <a:fontRef idx="minor">
+            <a:schemeClr val="lt1"/>
+          </a:fontRef>
+        </p:style>
+        <p:txBody>
+          <a:bodyPr rtlCol="0" anchor="ctr"/>
+          <a:lstStyle/>
+          <a:p>
+            <a:pPr algn="ctr"/>
+            <a:endParaRPr lang="en-US"/>
+          </a:p>
+        </p:txBody>
+      </p:sp>
+      <p:sp>
+        <p:nvSpPr>
+          <p:cNvPr id="22" name="Rectangle 21">
+            <a:extLst>
+              <a:ext uri="{FF2B5EF4-FFF2-40B4-BE49-F238E27FC236}">
+                <a16:creationId xmlns:a16="http://schemas.microsoft.com/office/drawing/2014/main" id="{2F7FBDA2-CA1E-4D12-868A-9193C9AA7B9D}"/>
+              </a:ext>
+              <a:ext uri="{C183D7F6-B498-43B3-948B-1728B52AA6E4}">
+                <adec:decorative xmlns:adec="http://schemas.microsoft.com/office/drawing/2017/decorative" val="1"/>
+              </a:ext>
+            </a:extLst>
+          </p:cNvPr>
+          <p:cNvSpPr>
+            <a:spLocks noGrp="1" noRot="1" noChangeAspect="1" noMove="1" noResize="1" noEditPoints="1" noAdjustHandles="1" noChangeArrowheads="1" noChangeShapeType="1" noTextEdit="1"/>
+          </p:cNvSpPr>
+          <p:nvPr>
+            <p:extLst>
+              <p:ext uri="{386F3935-93C4-4BCD-93E2-E3B085C9AB24}">
+                <p16:designElem xmlns:p16="http://schemas.microsoft.com/office/powerpoint/2015/main" val="1"/>
+              </p:ext>
+            </p:extLst>
+          </p:nvPr>
+        </p:nvSpPr>
+        <p:spPr>
+          <a:xfrm>
+            <a:off x="4252873" y="734134"/>
+            <a:ext cx="7498616" cy="5666666"/>
+          </a:xfrm>
+          <a:prstGeom prst="rect">
+            <a:avLst/>
+          </a:prstGeom>
+          <a:solidFill>
+            <a:schemeClr val="accent1"/>
+          </a:solidFill>
+          <a:ln>
+            <a:noFill/>
+          </a:ln>
+          <a:effectLst/>
+        </p:spPr>
+        <p:style>
+          <a:lnRef idx="1">
+            <a:schemeClr val="accent1"/>
+          </a:lnRef>
+          <a:fillRef idx="3">
+            <a:schemeClr val="accent1"/>
+          </a:fillRef>
+          <a:effectRef idx="2">
+            <a:schemeClr val="accent1"/>
+          </a:effectRef>
+          <a:fontRef idx="minor">
+            <a:schemeClr val="lt1"/>
+          </a:fontRef>
+        </p:style>
+      </p:sp>
+      <p:sp>
+        <p:nvSpPr>
+          <p:cNvPr id="2" name="Título 1">
+            <a:extLst>
+              <a:ext uri="{FF2B5EF4-FFF2-40B4-BE49-F238E27FC236}">
+                <a16:creationId xmlns:a16="http://schemas.microsoft.com/office/drawing/2014/main" id="{170E1C7B-3B61-426A-8A32-66DA429F233D}"/>
+              </a:ext>
+            </a:extLst>
+          </p:cNvPr>
+          <p:cNvSpPr>
+            <a:spLocks noGrp="1"/>
+          </p:cNvSpPr>
+          <p:nvPr>
+            <p:ph type="title"/>
+          </p:nvPr>
+        </p:nvSpPr>
+        <p:spPr>
+          <a:xfrm>
+            <a:off x="4463833" y="907149"/>
+            <a:ext cx="6798608" cy="2085869"/>
+          </a:xfrm>
+        </p:spPr>
+        <p:txBody>
+          <a:bodyPr vert="horz" lIns="91440" tIns="45720" rIns="91440" bIns="45720" rtlCol="0" anchor="b">
+            <a:normAutofit fontScale="90000"/>
+          </a:bodyPr>
+          <a:lstStyle/>
+          <a:p>
+            <a:pPr algn="ctr"/>
+            <a:r>
+              <a:rPr lang="en-US" sz="3600" u="sng" dirty="0">
+                <a:solidFill>
+                  <a:srgbClr val="FFFFFF"/>
+                </a:solidFill>
+              </a:rPr>
+              <a:t>Ideas </a:t>
+            </a:r>
+            <a:r>
+              <a:rPr lang="en-US" sz="3600" u="sng" dirty="0" err="1">
+                <a:solidFill>
+                  <a:srgbClr val="FFFFFF"/>
+                </a:solidFill>
+              </a:rPr>
+              <a:t>aplicadas</a:t>
+            </a:r>
+            <a:r>
+              <a:rPr lang="en-US" sz="3600" u="sng" dirty="0">
+                <a:solidFill>
+                  <a:srgbClr val="FFFFFF"/>
+                </a:solidFill>
+              </a:rPr>
+              <a:t> </a:t>
+            </a:r>
+            <a:br>
+              <a:rPr lang="en-US" sz="3600" dirty="0">
+                <a:solidFill>
+                  <a:srgbClr val="FFFFFF"/>
+                </a:solidFill>
+              </a:rPr>
+            </a:br>
+            <a:br>
+              <a:rPr lang="en-US" sz="3600" dirty="0">
+                <a:solidFill>
+                  <a:srgbClr val="FFFFFF"/>
+                </a:solidFill>
+              </a:rPr>
+            </a:br>
+            <a:r>
+              <a:rPr lang="en-US" sz="3600" dirty="0">
+                <a:solidFill>
+                  <a:srgbClr val="FFFFFF"/>
+                </a:solidFill>
+              </a:rPr>
+              <a:t>CONSULTA AL DIRECTORIO ACTIVO</a:t>
+            </a:r>
+          </a:p>
+        </p:txBody>
+      </p:sp>
+      <p:grpSp>
+        <p:nvGrpSpPr>
+          <p:cNvPr id="24" name="Group 23">
+            <a:extLst>
+              <a:ext uri="{FF2B5EF4-FFF2-40B4-BE49-F238E27FC236}">
+                <a16:creationId xmlns:a16="http://schemas.microsoft.com/office/drawing/2014/main" id="{C3E10249-5CE7-46B7-BF63-CADFE9DC1936}"/>
+              </a:ext>
+              <a:ext uri="{C183D7F6-B498-43B3-948B-1728B52AA6E4}">
+                <adec:decorative xmlns:adec="http://schemas.microsoft.com/office/drawing/2017/decorative" val="1"/>
+              </a:ext>
+            </a:extLst>
+          </p:cNvPr>
+          <p:cNvGrpSpPr>
+            <a:grpSpLocks noGrp="1" noUngrp="1" noRot="1" noChangeAspect="1" noMove="1" noResize="1"/>
+          </p:cNvGrpSpPr>
+          <p:nvPr>
+            <p:extLst>
+              <p:ext uri="{386F3935-93C4-4BCD-93E2-E3B085C9AB24}">
+                <p16:designElem xmlns:p16="http://schemas.microsoft.com/office/powerpoint/2015/main" val="1"/>
+              </p:ext>
+            </p:extLst>
+          </p:nvPr>
+        </p:nvGrpSpPr>
+        <p:grpSpPr>
+          <a:xfrm>
+            <a:off x="446534" y="453643"/>
+            <a:ext cx="11298933" cy="98554"/>
+            <a:chOff x="446534" y="453643"/>
+            <a:chExt cx="11298933" cy="98554"/>
+          </a:xfrm>
+        </p:grpSpPr>
+        <p:sp>
+          <p:nvSpPr>
+            <p:cNvPr id="25" name="Rectangle 24">
+              <a:extLst>
+                <a:ext uri="{FF2B5EF4-FFF2-40B4-BE49-F238E27FC236}">
+                  <a16:creationId xmlns:a16="http://schemas.microsoft.com/office/drawing/2014/main" id="{E0A0B672-D861-46A7-A5CE-F47D2E89CAB4}"/>
+                </a:ext>
+                <a:ext uri="{C183D7F6-B498-43B3-948B-1728B52AA6E4}">
+                  <adec:decorative xmlns:adec="http://schemas.microsoft.com/office/drawing/2017/decorative" val="1"/>
+                </a:ext>
+              </a:extLst>
+            </p:cNvPr>
+            <p:cNvSpPr/>
+            <p:nvPr>
+              <p:extLst>
+                <p:ext uri="{386F3935-93C4-4BCD-93E2-E3B085C9AB24}">
+                  <p16:designElem xmlns:p16="http://schemas.microsoft.com/office/powerpoint/2015/main" val="1"/>
+                </p:ext>
+              </p:extLst>
+            </p:nvPr>
+          </p:nvSpPr>
+          <p:spPr>
+            <a:xfrm>
+              <a:off x="446534" y="457200"/>
+              <a:ext cx="3703320" cy="94997"/>
+            </a:xfrm>
+            <a:prstGeom prst="rect">
+              <a:avLst/>
+            </a:prstGeom>
+            <a:solidFill>
+              <a:schemeClr val="accent1"/>
+            </a:solidFill>
+            <a:ln>
+              <a:noFill/>
+            </a:ln>
+            <a:effectLst/>
+          </p:spPr>
+          <p:style>
+            <a:lnRef idx="1">
+              <a:schemeClr val="accent1"/>
+            </a:lnRef>
+            <a:fillRef idx="3">
+              <a:schemeClr val="accent1"/>
+            </a:fillRef>
+            <a:effectRef idx="2">
+              <a:schemeClr val="accent1"/>
+            </a:effectRef>
+            <a:fontRef idx="minor">
+              <a:schemeClr val="lt1"/>
+            </a:fontRef>
+          </p:style>
+        </p:sp>
+        <p:sp>
+          <p:nvSpPr>
+            <p:cNvPr id="26" name="Rectangle 25">
+              <a:extLst>
+                <a:ext uri="{FF2B5EF4-FFF2-40B4-BE49-F238E27FC236}">
+                  <a16:creationId xmlns:a16="http://schemas.microsoft.com/office/drawing/2014/main" id="{BE538C5F-339E-4E2E-9D0C-CB525B78A7B8}"/>
+                </a:ext>
+                <a:ext uri="{C183D7F6-B498-43B3-948B-1728B52AA6E4}">
+                  <adec:decorative xmlns:adec="http://schemas.microsoft.com/office/drawing/2017/decorative" val="1"/>
+                </a:ext>
+              </a:extLst>
+            </p:cNvPr>
+            <p:cNvSpPr/>
+            <p:nvPr>
+              <p:extLst>
+                <p:ext uri="{386F3935-93C4-4BCD-93E2-E3B085C9AB24}">
+                  <p16:designElem xmlns:p16="http://schemas.microsoft.com/office/powerpoint/2015/main" val="1"/>
+                </p:ext>
+              </p:extLst>
+            </p:nvPr>
+          </p:nvSpPr>
+          <p:spPr>
+            <a:xfrm>
+              <a:off x="8042147" y="453643"/>
+              <a:ext cx="3703320" cy="98554"/>
+            </a:xfrm>
+            <a:prstGeom prst="rect">
+              <a:avLst/>
+            </a:prstGeom>
+            <a:solidFill>
+              <a:schemeClr val="accent4"/>
+            </a:solidFill>
+            <a:ln>
+              <a:noFill/>
+            </a:ln>
+            <a:effectLst/>
+          </p:spPr>
+          <p:style>
+            <a:lnRef idx="1">
+              <a:schemeClr val="accent1"/>
+            </a:lnRef>
+            <a:fillRef idx="3">
+              <a:schemeClr val="accent1"/>
+            </a:fillRef>
+            <a:effectRef idx="2">
+              <a:schemeClr val="accent1"/>
+            </a:effectRef>
+            <a:fontRef idx="minor">
+              <a:schemeClr val="lt1"/>
+            </a:fontRef>
+          </p:style>
+        </p:sp>
+        <p:sp>
+          <p:nvSpPr>
+            <p:cNvPr id="27" name="Rectangle 26">
+              <a:extLst>
+                <a:ext uri="{FF2B5EF4-FFF2-40B4-BE49-F238E27FC236}">
+                  <a16:creationId xmlns:a16="http://schemas.microsoft.com/office/drawing/2014/main" id="{BEA4A019-FFF6-4EC2-9691-6488661102E3}"/>
+                </a:ext>
+                <a:ext uri="{C183D7F6-B498-43B3-948B-1728B52AA6E4}">
+                  <adec:decorative xmlns:adec="http://schemas.microsoft.com/office/drawing/2017/decorative" val="1"/>
+                </a:ext>
+              </a:extLst>
+            </p:cNvPr>
+            <p:cNvSpPr/>
+            <p:nvPr>
+              <p:extLst>
+                <p:ext uri="{386F3935-93C4-4BCD-93E2-E3B085C9AB24}">
+                  <p16:designElem xmlns:p16="http://schemas.microsoft.com/office/powerpoint/2015/main" val="1"/>
+                </p:ext>
+              </p:extLst>
+            </p:nvPr>
+          </p:nvSpPr>
+          <p:spPr>
+            <a:xfrm>
+              <a:off x="4241830" y="457200"/>
+              <a:ext cx="3703320" cy="91440"/>
+            </a:xfrm>
+            <a:prstGeom prst="rect">
+              <a:avLst/>
+            </a:prstGeom>
+            <a:solidFill>
+              <a:schemeClr val="accent2"/>
+            </a:solidFill>
+            <a:ln>
+              <a:noFill/>
+            </a:ln>
+            <a:effectLst/>
+          </p:spPr>
+          <p:style>
+            <a:lnRef idx="1">
+              <a:schemeClr val="accent1"/>
+            </a:lnRef>
+            <a:fillRef idx="3">
+              <a:schemeClr val="accent1"/>
+            </a:fillRef>
+            <a:effectRef idx="2">
+              <a:schemeClr val="accent1"/>
+            </a:effectRef>
+            <a:fontRef idx="minor">
+              <a:schemeClr val="lt1"/>
+            </a:fontRef>
+          </p:style>
+        </p:sp>
+      </p:grpSp>
       <p:pic>
         <p:nvPicPr>
-          <p:cNvPr id="6" name="Imagen 5">
+          <p:cNvPr id="7" name="Imagen 6">
             <a:extLst>
               <a:ext uri="{FF2B5EF4-FFF2-40B4-BE49-F238E27FC236}">
-                <a16:creationId xmlns:a16="http://schemas.microsoft.com/office/drawing/2014/main" id="{187E10D3-D7B6-40DA-999B-5BF39ABCA94A}"/>
+                <a16:creationId xmlns:a16="http://schemas.microsoft.com/office/drawing/2014/main" id="{A79229E8-8B55-4F1C-861A-03DCB508D786}"/>
               </a:ext>
             </a:extLst>
           </p:cNvPr>
@@ -4992,14 +6603,14 @@
           <p:nvPr/>
         </p:nvPicPr>
         <p:blipFill>
-          <a:blip r:embed="rId3"/>
+          <a:blip r:embed="rId2"/>
           <a:srcRect/>
           <a:stretch/>
         </p:blipFill>
         <p:spPr>
           <a:xfrm>
-            <a:off x="6288122" y="2285259"/>
-            <a:ext cx="5075388" cy="4225762"/>
+            <a:off x="1004777" y="723899"/>
+            <a:ext cx="2618470" cy="5676901"/>
           </a:xfrm>
           <a:prstGeom prst="roundRect">
             <a:avLst>
@@ -5032,10 +6643,424 @@
           </a:sp3d>
         </p:spPr>
       </p:pic>
+      <p:sp>
+        <p:nvSpPr>
+          <p:cNvPr id="35" name="Título 1">
+            <a:extLst>
+              <a:ext uri="{FF2B5EF4-FFF2-40B4-BE49-F238E27FC236}">
+                <a16:creationId xmlns:a16="http://schemas.microsoft.com/office/drawing/2014/main" id="{296D5BB1-7954-4699-9564-D2BDA05B3E47}"/>
+              </a:ext>
+            </a:extLst>
+          </p:cNvPr>
+          <p:cNvSpPr txBox="1">
+            <a:spLocks/>
+          </p:cNvSpPr>
+          <p:nvPr/>
+        </p:nvSpPr>
+        <p:spPr>
+          <a:xfrm>
+            <a:off x="4404880" y="3299194"/>
+            <a:ext cx="7194601" cy="2698265"/>
+          </a:xfrm>
+          <a:prstGeom prst="rect">
+            <a:avLst/>
+          </a:prstGeom>
+        </p:spPr>
+        <p:txBody>
+          <a:bodyPr vert="horz" lIns="91440" tIns="45720" rIns="91440" bIns="45720" rtlCol="0" anchor="b">
+            <a:normAutofit fontScale="90000" lnSpcReduction="20000"/>
+          </a:bodyPr>
+          <a:lstStyle>
+            <a:lvl1pPr algn="l" defTabSz="457200" rtl="0" eaLnBrk="1" latinLnBrk="0" hangingPunct="1">
+              <a:spcBef>
+                <a:spcPct val="0"/>
+              </a:spcBef>
+              <a:buNone/>
+              <a:defRPr sz="2800" b="0" kern="1200" cap="all">
+                <a:solidFill>
+                  <a:schemeClr val="bg1"/>
+                </a:solidFill>
+                <a:latin typeface="+mj-lt"/>
+                <a:ea typeface="+mj-ea"/>
+                <a:cs typeface="+mj-cs"/>
+              </a:defRPr>
+            </a:lvl1pPr>
+            <a:lvl2pPr eaLnBrk="1" hangingPunct="1">
+              <a:defRPr>
+                <a:solidFill>
+                  <a:schemeClr val="tx2"/>
+                </a:solidFill>
+              </a:defRPr>
+            </a:lvl2pPr>
+            <a:lvl3pPr eaLnBrk="1" hangingPunct="1">
+              <a:defRPr>
+                <a:solidFill>
+                  <a:schemeClr val="tx2"/>
+                </a:solidFill>
+              </a:defRPr>
+            </a:lvl3pPr>
+            <a:lvl4pPr eaLnBrk="1" hangingPunct="1">
+              <a:defRPr>
+                <a:solidFill>
+                  <a:schemeClr val="tx2"/>
+                </a:solidFill>
+              </a:defRPr>
+            </a:lvl4pPr>
+            <a:lvl5pPr eaLnBrk="1" hangingPunct="1">
+              <a:defRPr>
+                <a:solidFill>
+                  <a:schemeClr val="tx2"/>
+                </a:solidFill>
+              </a:defRPr>
+            </a:lvl5pPr>
+            <a:lvl6pPr eaLnBrk="1" hangingPunct="1">
+              <a:defRPr>
+                <a:solidFill>
+                  <a:schemeClr val="tx2"/>
+                </a:solidFill>
+              </a:defRPr>
+            </a:lvl6pPr>
+            <a:lvl7pPr eaLnBrk="1" hangingPunct="1">
+              <a:defRPr>
+                <a:solidFill>
+                  <a:schemeClr val="tx2"/>
+                </a:solidFill>
+              </a:defRPr>
+            </a:lvl7pPr>
+            <a:lvl8pPr eaLnBrk="1" hangingPunct="1">
+              <a:defRPr>
+                <a:solidFill>
+                  <a:schemeClr val="tx2"/>
+                </a:solidFill>
+              </a:defRPr>
+            </a:lvl8pPr>
+            <a:lvl9pPr eaLnBrk="1" hangingPunct="1">
+              <a:defRPr>
+                <a:solidFill>
+                  <a:schemeClr val="tx2"/>
+                </a:solidFill>
+              </a:defRPr>
+            </a:lvl9pPr>
+          </a:lstStyle>
+          <a:p>
+            <a:pPr algn="ctr"/>
+            <a:r>
+              <a:rPr lang="en-US" sz="3600" cap="none" dirty="0">
+                <a:solidFill>
+                  <a:srgbClr val="FFFFFF"/>
+                </a:solidFill>
+                <a:latin typeface="Microsoft JhengHei UI Light" panose="020B0304030504040204" pitchFamily="34" charset="-120"/>
+                <a:ea typeface="Microsoft JhengHei UI Light" panose="020B0304030504040204" pitchFamily="34" charset="-120"/>
+              </a:rPr>
+              <a:t>Como </a:t>
+            </a:r>
+            <a:r>
+              <a:rPr lang="en-US" sz="3600" cap="none" dirty="0" err="1">
+                <a:solidFill>
+                  <a:srgbClr val="FFFFFF"/>
+                </a:solidFill>
+                <a:latin typeface="Microsoft JhengHei UI Light" panose="020B0304030504040204" pitchFamily="34" charset="-120"/>
+                <a:ea typeface="Microsoft JhengHei UI Light" panose="020B0304030504040204" pitchFamily="34" charset="-120"/>
+              </a:rPr>
+              <a:t>mencionamos</a:t>
+            </a:r>
+            <a:r>
+              <a:rPr lang="en-US" sz="3600" cap="none" dirty="0">
+                <a:solidFill>
+                  <a:srgbClr val="FFFFFF"/>
+                </a:solidFill>
+                <a:latin typeface="Microsoft JhengHei UI Light" panose="020B0304030504040204" pitchFamily="34" charset="-120"/>
+                <a:ea typeface="Microsoft JhengHei UI Light" panose="020B0304030504040204" pitchFamily="34" charset="-120"/>
+              </a:rPr>
+              <a:t> </a:t>
+            </a:r>
+            <a:r>
+              <a:rPr lang="en-US" sz="3600" cap="none" dirty="0" err="1">
+                <a:solidFill>
+                  <a:srgbClr val="FFFFFF"/>
+                </a:solidFill>
+                <a:latin typeface="Microsoft JhengHei UI Light" panose="020B0304030504040204" pitchFamily="34" charset="-120"/>
+                <a:ea typeface="Microsoft JhengHei UI Light" panose="020B0304030504040204" pitchFamily="34" charset="-120"/>
+              </a:rPr>
+              <a:t>anteriormente</a:t>
+            </a:r>
+            <a:r>
+              <a:rPr lang="en-US" sz="3600" cap="none" dirty="0">
+                <a:solidFill>
+                  <a:srgbClr val="FFFFFF"/>
+                </a:solidFill>
+                <a:latin typeface="Microsoft JhengHei UI Light" panose="020B0304030504040204" pitchFamily="34" charset="-120"/>
+                <a:ea typeface="Microsoft JhengHei UI Light" panose="020B0304030504040204" pitchFamily="34" charset="-120"/>
+              </a:rPr>
+              <a:t> las </a:t>
+            </a:r>
+            <a:r>
+              <a:rPr lang="en-US" sz="3600" cap="none" dirty="0" err="1">
+                <a:solidFill>
+                  <a:srgbClr val="FFFFFF"/>
+                </a:solidFill>
+                <a:latin typeface="Microsoft JhengHei UI Light" panose="020B0304030504040204" pitchFamily="34" charset="-120"/>
+                <a:ea typeface="Microsoft JhengHei UI Light" panose="020B0304030504040204" pitchFamily="34" charset="-120"/>
+              </a:rPr>
+              <a:t>consultas</a:t>
+            </a:r>
+            <a:r>
+              <a:rPr lang="en-US" sz="3600" cap="none" dirty="0">
+                <a:solidFill>
+                  <a:srgbClr val="FFFFFF"/>
+                </a:solidFill>
+                <a:latin typeface="Microsoft JhengHei UI Light" panose="020B0304030504040204" pitchFamily="34" charset="-120"/>
+                <a:ea typeface="Microsoft JhengHei UI Light" panose="020B0304030504040204" pitchFamily="34" charset="-120"/>
+              </a:rPr>
+              <a:t> son </a:t>
+            </a:r>
+            <a:r>
+              <a:rPr lang="en-US" sz="3600" cap="none" dirty="0" err="1">
+                <a:solidFill>
+                  <a:srgbClr val="FFFFFF"/>
+                </a:solidFill>
+                <a:latin typeface="Microsoft JhengHei UI Light" panose="020B0304030504040204" pitchFamily="34" charset="-120"/>
+                <a:ea typeface="Microsoft JhengHei UI Light" panose="020B0304030504040204" pitchFamily="34" charset="-120"/>
+              </a:rPr>
+              <a:t>realizadas</a:t>
+            </a:r>
+            <a:r>
+              <a:rPr lang="en-US" sz="3600" cap="none" dirty="0">
+                <a:solidFill>
+                  <a:srgbClr val="FFFFFF"/>
+                </a:solidFill>
+                <a:latin typeface="Microsoft JhengHei UI Light" panose="020B0304030504040204" pitchFamily="34" charset="-120"/>
+                <a:ea typeface="Microsoft JhengHei UI Light" panose="020B0304030504040204" pitchFamily="34" charset="-120"/>
+              </a:rPr>
+              <a:t> </a:t>
+            </a:r>
+            <a:r>
+              <a:rPr lang="en-US" sz="3600" cap="none" dirty="0" err="1">
+                <a:solidFill>
+                  <a:srgbClr val="FFFFFF"/>
+                </a:solidFill>
+                <a:latin typeface="Microsoft JhengHei UI Light" panose="020B0304030504040204" pitchFamily="34" charset="-120"/>
+                <a:ea typeface="Microsoft JhengHei UI Light" panose="020B0304030504040204" pitchFamily="34" charset="-120"/>
+              </a:rPr>
+              <a:t>mediante</a:t>
+            </a:r>
+            <a:r>
+              <a:rPr lang="en-US" sz="3600" cap="none" dirty="0">
+                <a:solidFill>
+                  <a:srgbClr val="FFFFFF"/>
+                </a:solidFill>
+                <a:latin typeface="Microsoft JhengHei UI Light" panose="020B0304030504040204" pitchFamily="34" charset="-120"/>
+                <a:ea typeface="Microsoft JhengHei UI Light" panose="020B0304030504040204" pitchFamily="34" charset="-120"/>
+              </a:rPr>
+              <a:t> SQLite, sin embargo </a:t>
+            </a:r>
+            <a:r>
+              <a:rPr lang="en-US" sz="3600" cap="none" dirty="0" err="1">
+                <a:solidFill>
+                  <a:srgbClr val="FFFFFF"/>
+                </a:solidFill>
+                <a:latin typeface="Microsoft JhengHei UI Light" panose="020B0304030504040204" pitchFamily="34" charset="-120"/>
+                <a:ea typeface="Microsoft JhengHei UI Light" panose="020B0304030504040204" pitchFamily="34" charset="-120"/>
+              </a:rPr>
+              <a:t>están</a:t>
+            </a:r>
+            <a:r>
+              <a:rPr lang="en-US" sz="3600" cap="none" dirty="0">
+                <a:solidFill>
+                  <a:srgbClr val="FFFFFF"/>
+                </a:solidFill>
+                <a:latin typeface="Microsoft JhengHei UI Light" panose="020B0304030504040204" pitchFamily="34" charset="-120"/>
+                <a:ea typeface="Microsoft JhengHei UI Light" panose="020B0304030504040204" pitchFamily="34" charset="-120"/>
+              </a:rPr>
+              <a:t> </a:t>
+            </a:r>
+            <a:r>
+              <a:rPr lang="en-US" sz="3600" cap="none" dirty="0" err="1">
+                <a:solidFill>
+                  <a:srgbClr val="FFFFFF"/>
+                </a:solidFill>
+                <a:latin typeface="Microsoft JhengHei UI Light" panose="020B0304030504040204" pitchFamily="34" charset="-120"/>
+                <a:ea typeface="Microsoft JhengHei UI Light" panose="020B0304030504040204" pitchFamily="34" charset="-120"/>
+              </a:rPr>
+              <a:t>todos</a:t>
+            </a:r>
+            <a:r>
+              <a:rPr lang="en-US" sz="3600" cap="none" dirty="0">
+                <a:solidFill>
+                  <a:srgbClr val="FFFFFF"/>
+                </a:solidFill>
+                <a:latin typeface="Microsoft JhengHei UI Light" panose="020B0304030504040204" pitchFamily="34" charset="-120"/>
+                <a:ea typeface="Microsoft JhengHei UI Light" panose="020B0304030504040204" pitchFamily="34" charset="-120"/>
+              </a:rPr>
+              <a:t> los </a:t>
+            </a:r>
+            <a:r>
+              <a:rPr lang="en-US" sz="3600" cap="none" dirty="0" err="1">
+                <a:solidFill>
+                  <a:srgbClr val="FFFFFF"/>
+                </a:solidFill>
+                <a:latin typeface="Microsoft JhengHei UI Light" panose="020B0304030504040204" pitchFamily="34" charset="-120"/>
+                <a:ea typeface="Microsoft JhengHei UI Light" panose="020B0304030504040204" pitchFamily="34" charset="-120"/>
+              </a:rPr>
+              <a:t>métodos</a:t>
+            </a:r>
+            <a:r>
+              <a:rPr lang="en-US" sz="3600" cap="none" dirty="0">
+                <a:solidFill>
+                  <a:srgbClr val="FFFFFF"/>
+                </a:solidFill>
+                <a:latin typeface="Microsoft JhengHei UI Light" panose="020B0304030504040204" pitchFamily="34" charset="-120"/>
+                <a:ea typeface="Microsoft JhengHei UI Light" panose="020B0304030504040204" pitchFamily="34" charset="-120"/>
+              </a:rPr>
+              <a:t> </a:t>
+            </a:r>
+            <a:r>
+              <a:rPr lang="en-US" sz="3600" cap="none" dirty="0" err="1">
+                <a:solidFill>
+                  <a:srgbClr val="FFFFFF"/>
+                </a:solidFill>
+                <a:latin typeface="Microsoft JhengHei UI Light" panose="020B0304030504040204" pitchFamily="34" charset="-120"/>
+                <a:ea typeface="Microsoft JhengHei UI Light" panose="020B0304030504040204" pitchFamily="34" charset="-120"/>
+              </a:rPr>
+              <a:t>añadidos</a:t>
+            </a:r>
+            <a:r>
+              <a:rPr lang="en-US" sz="3600" cap="none" dirty="0">
+                <a:solidFill>
+                  <a:srgbClr val="FFFFFF"/>
+                </a:solidFill>
+                <a:latin typeface="Microsoft JhengHei UI Light" panose="020B0304030504040204" pitchFamily="34" charset="-120"/>
+                <a:ea typeface="Microsoft JhengHei UI Light" panose="020B0304030504040204" pitchFamily="34" charset="-120"/>
+              </a:rPr>
+              <a:t> y </a:t>
+            </a:r>
+            <a:r>
+              <a:rPr lang="en-US" sz="3600" cap="none" dirty="0" err="1">
+                <a:solidFill>
+                  <a:srgbClr val="FFFFFF"/>
+                </a:solidFill>
+                <a:latin typeface="Microsoft JhengHei UI Light" panose="020B0304030504040204" pitchFamily="34" charset="-120"/>
+                <a:ea typeface="Microsoft JhengHei UI Light" panose="020B0304030504040204" pitchFamily="34" charset="-120"/>
+              </a:rPr>
+              <a:t>funcionando</a:t>
+            </a:r>
+            <a:r>
+              <a:rPr lang="en-US" sz="3600" cap="none" dirty="0">
+                <a:solidFill>
+                  <a:srgbClr val="FFFFFF"/>
+                </a:solidFill>
+                <a:latin typeface="Microsoft JhengHei UI Light" panose="020B0304030504040204" pitchFamily="34" charset="-120"/>
+                <a:ea typeface="Microsoft JhengHei UI Light" panose="020B0304030504040204" pitchFamily="34" charset="-120"/>
+              </a:rPr>
+              <a:t> sin </a:t>
+            </a:r>
+            <a:r>
+              <a:rPr lang="en-US" sz="3600" cap="none" dirty="0" err="1">
+                <a:solidFill>
+                  <a:srgbClr val="FFFFFF"/>
+                </a:solidFill>
+                <a:latin typeface="Microsoft JhengHei UI Light" panose="020B0304030504040204" pitchFamily="34" charset="-120"/>
+                <a:ea typeface="Microsoft JhengHei UI Light" panose="020B0304030504040204" pitchFamily="34" charset="-120"/>
+              </a:rPr>
+              <a:t>directorio</a:t>
+            </a:r>
+            <a:r>
+              <a:rPr lang="en-US" sz="3600" cap="none" dirty="0">
+                <a:solidFill>
+                  <a:srgbClr val="FFFFFF"/>
+                </a:solidFill>
+                <a:latin typeface="Microsoft JhengHei UI Light" panose="020B0304030504040204" pitchFamily="34" charset="-120"/>
+                <a:ea typeface="Microsoft JhengHei UI Light" panose="020B0304030504040204" pitchFamily="34" charset="-120"/>
+              </a:rPr>
+              <a:t> active, con el fin de </a:t>
+            </a:r>
+            <a:r>
+              <a:rPr lang="en-US" sz="3600" cap="none" dirty="0" err="1">
+                <a:solidFill>
+                  <a:srgbClr val="FFFFFF"/>
+                </a:solidFill>
+                <a:latin typeface="Microsoft JhengHei UI Light" panose="020B0304030504040204" pitchFamily="34" charset="-120"/>
+                <a:ea typeface="Microsoft JhengHei UI Light" panose="020B0304030504040204" pitchFamily="34" charset="-120"/>
+              </a:rPr>
+              <a:t>poder</a:t>
+            </a:r>
+            <a:r>
+              <a:rPr lang="en-US" sz="3600" cap="none" dirty="0">
+                <a:solidFill>
+                  <a:srgbClr val="FFFFFF"/>
+                </a:solidFill>
+                <a:latin typeface="Microsoft JhengHei UI Light" panose="020B0304030504040204" pitchFamily="34" charset="-120"/>
+                <a:ea typeface="Microsoft JhengHei UI Light" panose="020B0304030504040204" pitchFamily="34" charset="-120"/>
+              </a:rPr>
+              <a:t> </a:t>
+            </a:r>
+            <a:r>
+              <a:rPr lang="en-US" sz="3600" cap="none" dirty="0" err="1">
+                <a:solidFill>
+                  <a:srgbClr val="FFFFFF"/>
+                </a:solidFill>
+                <a:latin typeface="Microsoft JhengHei UI Light" panose="020B0304030504040204" pitchFamily="34" charset="-120"/>
+                <a:ea typeface="Microsoft JhengHei UI Light" panose="020B0304030504040204" pitchFamily="34" charset="-120"/>
+              </a:rPr>
+              <a:t>utilizarlo</a:t>
+            </a:r>
+            <a:r>
+              <a:rPr lang="en-US" sz="3600" cap="none" dirty="0">
+                <a:solidFill>
+                  <a:srgbClr val="FFFFFF"/>
+                </a:solidFill>
+                <a:latin typeface="Microsoft JhengHei UI Light" panose="020B0304030504040204" pitchFamily="34" charset="-120"/>
+                <a:ea typeface="Microsoft JhengHei UI Light" panose="020B0304030504040204" pitchFamily="34" charset="-120"/>
+              </a:rPr>
+              <a:t> </a:t>
+            </a:r>
+            <a:r>
+              <a:rPr lang="en-US" sz="3600" cap="none" dirty="0" err="1">
+                <a:solidFill>
+                  <a:srgbClr val="FFFFFF"/>
+                </a:solidFill>
+                <a:latin typeface="Microsoft JhengHei UI Light" panose="020B0304030504040204" pitchFamily="34" charset="-120"/>
+                <a:ea typeface="Microsoft JhengHei UI Light" panose="020B0304030504040204" pitchFamily="34" charset="-120"/>
+              </a:rPr>
+              <a:t>en</a:t>
+            </a:r>
+            <a:r>
+              <a:rPr lang="en-US" sz="3600" cap="none" dirty="0">
+                <a:solidFill>
+                  <a:srgbClr val="FFFFFF"/>
+                </a:solidFill>
+                <a:latin typeface="Microsoft JhengHei UI Light" panose="020B0304030504040204" pitchFamily="34" charset="-120"/>
+                <a:ea typeface="Microsoft JhengHei UI Light" panose="020B0304030504040204" pitchFamily="34" charset="-120"/>
+              </a:rPr>
+              <a:t> un </a:t>
+            </a:r>
+            <a:r>
+              <a:rPr lang="en-US" sz="3600" cap="none" dirty="0" err="1">
+                <a:solidFill>
+                  <a:srgbClr val="FFFFFF"/>
+                </a:solidFill>
+                <a:latin typeface="Microsoft JhengHei UI Light" panose="020B0304030504040204" pitchFamily="34" charset="-120"/>
+                <a:ea typeface="Microsoft JhengHei UI Light" panose="020B0304030504040204" pitchFamily="34" charset="-120"/>
+              </a:rPr>
+              <a:t>futuro</a:t>
+            </a:r>
+            <a:r>
+              <a:rPr lang="en-US" sz="3600" cap="none" dirty="0">
+                <a:solidFill>
+                  <a:srgbClr val="FFFFFF"/>
+                </a:solidFill>
+                <a:latin typeface="Microsoft JhengHei UI Light" panose="020B0304030504040204" pitchFamily="34" charset="-120"/>
+                <a:ea typeface="Microsoft JhengHei UI Light" panose="020B0304030504040204" pitchFamily="34" charset="-120"/>
+              </a:rPr>
+              <a:t>.   </a:t>
+            </a:r>
+          </a:p>
+        </p:txBody>
+      </p:sp>
     </p:spTree>
     <p:extLst>
       <p:ext uri="{BB962C8B-B14F-4D97-AF65-F5344CB8AC3E}">
-        <p14:creationId xmlns:p14="http://schemas.microsoft.com/office/powerpoint/2010/main" val="2816869786"/>
+        <p14:creationId xmlns:p14="http://schemas.microsoft.com/office/powerpoint/2010/main" val="4134170148"/>
       </p:ext>
     </p:extLst>
   </p:cSld>

--- a/PresentacionViernes.pptx
+++ b/PresentacionViernes.pptx
@@ -11,6 +11,11 @@
     <p:sldId id="283" r:id="rId5"/>
     <p:sldId id="285" r:id="rId6"/>
     <p:sldId id="286" r:id="rId7"/>
+    <p:sldId id="287" r:id="rId8"/>
+    <p:sldId id="288" r:id="rId9"/>
+    <p:sldId id="290" r:id="rId10"/>
+    <p:sldId id="291" r:id="rId11"/>
+    <p:sldId id="289" r:id="rId12"/>
   </p:sldIdLst>
   <p:sldSz cx="12192000" cy="6858000"/>
   <p:notesSz cx="6858000" cy="9144000"/>
@@ -117,6 +122,293 @@
 </p:presentation>
 </file>
 
+<file path=ppt/revisionInfo.xml><?xml version="1.0" encoding="utf-8"?>
+<p1510:revInfo xmlns:a="http://schemas.openxmlformats.org/drawingml/2006/main" xmlns:r="http://schemas.openxmlformats.org/officeDocument/2006/relationships" xmlns:p1510="http://schemas.microsoft.com/office/powerpoint/2015/10/main">
+  <p1510:revLst>
+    <p1510:client id="{96E6E68B-C9D1-4B5A-9DDF-7924543A6407}" v="51" dt="2020-03-13T09:27:57.138"/>
+  </p1510:revLst>
+</p1510:revInfo>
+</file>
+
+<file path=ppt/changesInfos/changesInfo1.xml><?xml version="1.0" encoding="utf-8"?>
+<pc:chgInfo xmlns:a="http://schemas.openxmlformats.org/drawingml/2006/main" xmlns:r="http://schemas.openxmlformats.org/officeDocument/2006/relationships" xmlns:ac="http://schemas.microsoft.com/office/drawing/2013/main/command" xmlns:pc="http://schemas.microsoft.com/office/powerpoint/2013/main/command">
+  <pc:docChgLst>
+    <pc:chgData name="Gonzalo González Ventura" userId="f243bd366ea3d4aa" providerId="LiveId" clId="{96E6E68B-C9D1-4B5A-9DDF-7924543A6407}"/>
+    <pc:docChg chg="undo custSel addSld delSld modSld sldOrd">
+      <pc:chgData name="Gonzalo González Ventura" userId="f243bd366ea3d4aa" providerId="LiveId" clId="{96E6E68B-C9D1-4B5A-9DDF-7924543A6407}" dt="2020-03-13T09:30:38.380" v="2378" actId="20577"/>
+      <pc:docMkLst>
+        <pc:docMk/>
+      </pc:docMkLst>
+      <pc:sldChg chg="addSp delSp modSp add ord">
+        <pc:chgData name="Gonzalo González Ventura" userId="f243bd366ea3d4aa" providerId="LiveId" clId="{96E6E68B-C9D1-4B5A-9DDF-7924543A6407}" dt="2020-03-13T09:14:29.613" v="1979" actId="14826"/>
+        <pc:sldMkLst>
+          <pc:docMk/>
+          <pc:sldMk cId="932921180" sldId="287"/>
+        </pc:sldMkLst>
+        <pc:spChg chg="mod">
+          <ac:chgData name="Gonzalo González Ventura" userId="f243bd366ea3d4aa" providerId="LiveId" clId="{96E6E68B-C9D1-4B5A-9DDF-7924543A6407}" dt="2020-03-13T08:56:01.609" v="34" actId="313"/>
+          <ac:spMkLst>
+            <pc:docMk/>
+            <pc:sldMk cId="932921180" sldId="287"/>
+            <ac:spMk id="2" creationId="{170E1C7B-3B61-426A-8A32-66DA429F233D}"/>
+          </ac:spMkLst>
+        </pc:spChg>
+        <pc:spChg chg="del mod">
+          <ac:chgData name="Gonzalo González Ventura" userId="f243bd366ea3d4aa" providerId="LiveId" clId="{96E6E68B-C9D1-4B5A-9DDF-7924543A6407}" dt="2020-03-13T08:52:33.363" v="20"/>
+          <ac:spMkLst>
+            <pc:docMk/>
+            <pc:sldMk cId="932921180" sldId="287"/>
+            <ac:spMk id="3" creationId="{A9E2C891-52C7-4710-A9EA-E6533E3E9B94}"/>
+          </ac:spMkLst>
+        </pc:spChg>
+        <pc:spChg chg="add del mod">
+          <ac:chgData name="Gonzalo González Ventura" userId="f243bd366ea3d4aa" providerId="LiveId" clId="{96E6E68B-C9D1-4B5A-9DDF-7924543A6407}" dt="2020-03-13T08:56:16.825" v="38"/>
+          <ac:spMkLst>
+            <pc:docMk/>
+            <pc:sldMk cId="932921180" sldId="287"/>
+            <ac:spMk id="6" creationId="{D863BA16-1476-4294-8EEE-36A9E9BD6BCB}"/>
+          </ac:spMkLst>
+        </pc:spChg>
+        <pc:spChg chg="add mod">
+          <ac:chgData name="Gonzalo González Ventura" userId="f243bd366ea3d4aa" providerId="LiveId" clId="{96E6E68B-C9D1-4B5A-9DDF-7924543A6407}" dt="2020-03-13T08:59:34.100" v="474" actId="20577"/>
+          <ac:spMkLst>
+            <pc:docMk/>
+            <pc:sldMk cId="932921180" sldId="287"/>
+            <ac:spMk id="7" creationId="{5F43AECF-67B7-425F-8B25-21D7B94ED6A6}"/>
+          </ac:spMkLst>
+        </pc:spChg>
+        <pc:picChg chg="add mod">
+          <ac:chgData name="Gonzalo González Ventura" userId="f243bd366ea3d4aa" providerId="LiveId" clId="{96E6E68B-C9D1-4B5A-9DDF-7924543A6407}" dt="2020-03-13T08:55:56.167" v="33" actId="1076"/>
+          <ac:picMkLst>
+            <pc:docMk/>
+            <pc:sldMk cId="932921180" sldId="287"/>
+            <ac:picMk id="4" creationId="{9880D042-0C97-4725-BAA6-9320C1F6E4AF}"/>
+          </ac:picMkLst>
+        </pc:picChg>
+        <pc:picChg chg="add mod">
+          <ac:chgData name="Gonzalo González Ventura" userId="f243bd366ea3d4aa" providerId="LiveId" clId="{96E6E68B-C9D1-4B5A-9DDF-7924543A6407}" dt="2020-03-13T09:14:29.613" v="1979" actId="14826"/>
+          <ac:picMkLst>
+            <pc:docMk/>
+            <pc:sldMk cId="932921180" sldId="287"/>
+            <ac:picMk id="5" creationId="{3F5AE9CF-7A6E-4589-96F9-8BB23EABD9F8}"/>
+          </ac:picMkLst>
+        </pc:picChg>
+      </pc:sldChg>
+      <pc:sldChg chg="modSp add ord">
+        <pc:chgData name="Gonzalo González Ventura" userId="f243bd366ea3d4aa" providerId="LiveId" clId="{96E6E68B-C9D1-4B5A-9DDF-7924543A6407}" dt="2020-03-13T09:02:44.003" v="743" actId="20577"/>
+        <pc:sldMkLst>
+          <pc:docMk/>
+          <pc:sldMk cId="57398880" sldId="288"/>
+        </pc:sldMkLst>
+        <pc:spChg chg="mod">
+          <ac:chgData name="Gonzalo González Ventura" userId="f243bd366ea3d4aa" providerId="LiveId" clId="{96E6E68B-C9D1-4B5A-9DDF-7924543A6407}" dt="2020-03-13T09:01:06.315" v="530" actId="20577"/>
+          <ac:spMkLst>
+            <pc:docMk/>
+            <pc:sldMk cId="57398880" sldId="288"/>
+            <ac:spMk id="2" creationId="{170E1C7B-3B61-426A-8A32-66DA429F233D}"/>
+          </ac:spMkLst>
+        </pc:spChg>
+        <pc:spChg chg="mod">
+          <ac:chgData name="Gonzalo González Ventura" userId="f243bd366ea3d4aa" providerId="LiveId" clId="{96E6E68B-C9D1-4B5A-9DDF-7924543A6407}" dt="2020-03-13T09:02:44.003" v="743" actId="20577"/>
+          <ac:spMkLst>
+            <pc:docMk/>
+            <pc:sldMk cId="57398880" sldId="288"/>
+            <ac:spMk id="35" creationId="{296D5BB1-7954-4699-9564-D2BDA05B3E47}"/>
+          </ac:spMkLst>
+        </pc:spChg>
+        <pc:picChg chg="mod">
+          <ac:chgData name="Gonzalo González Ventura" userId="f243bd366ea3d4aa" providerId="LiveId" clId="{96E6E68B-C9D1-4B5A-9DDF-7924543A6407}" dt="2020-03-13T09:01:21.798" v="534" actId="1076"/>
+          <ac:picMkLst>
+            <pc:docMk/>
+            <pc:sldMk cId="57398880" sldId="288"/>
+            <ac:picMk id="7" creationId="{A79229E8-8B55-4F1C-861A-03DCB508D786}"/>
+          </ac:picMkLst>
+        </pc:picChg>
+      </pc:sldChg>
+      <pc:sldChg chg="modSp add del">
+        <pc:chgData name="Gonzalo González Ventura" userId="f243bd366ea3d4aa" providerId="LiveId" clId="{96E6E68B-C9D1-4B5A-9DDF-7924543A6407}" dt="2020-03-13T09:00:48.544" v="522" actId="47"/>
+        <pc:sldMkLst>
+          <pc:docMk/>
+          <pc:sldMk cId="1499153779" sldId="288"/>
+        </pc:sldMkLst>
+        <pc:spChg chg="mod">
+          <ac:chgData name="Gonzalo González Ventura" userId="f243bd366ea3d4aa" providerId="LiveId" clId="{96E6E68B-C9D1-4B5A-9DDF-7924543A6407}" dt="2020-03-13T09:00:14.047" v="520" actId="20577"/>
+          <ac:spMkLst>
+            <pc:docMk/>
+            <pc:sldMk cId="1499153779" sldId="288"/>
+            <ac:spMk id="2" creationId="{170E1C7B-3B61-426A-8A32-66DA429F233D}"/>
+          </ac:spMkLst>
+        </pc:spChg>
+        <pc:picChg chg="mod">
+          <ac:chgData name="Gonzalo González Ventura" userId="f243bd366ea3d4aa" providerId="LiveId" clId="{96E6E68B-C9D1-4B5A-9DDF-7924543A6407}" dt="2020-03-13T09:00:35.825" v="521" actId="14826"/>
+          <ac:picMkLst>
+            <pc:docMk/>
+            <pc:sldMk cId="1499153779" sldId="288"/>
+            <ac:picMk id="5" creationId="{3F5AE9CF-7A6E-4589-96F9-8BB23EABD9F8}"/>
+          </ac:picMkLst>
+        </pc:picChg>
+      </pc:sldChg>
+      <pc:sldChg chg="delSp add del">
+        <pc:chgData name="Gonzalo González Ventura" userId="f243bd366ea3d4aa" providerId="LiveId" clId="{96E6E68B-C9D1-4B5A-9DDF-7924543A6407}" dt="2020-03-13T09:03:35.028" v="746" actId="47"/>
+        <pc:sldMkLst>
+          <pc:docMk/>
+          <pc:sldMk cId="2996541914" sldId="289"/>
+        </pc:sldMkLst>
+        <pc:picChg chg="del">
+          <ac:chgData name="Gonzalo González Ventura" userId="f243bd366ea3d4aa" providerId="LiveId" clId="{96E6E68B-C9D1-4B5A-9DDF-7924543A6407}" dt="2020-03-13T09:03:33.191" v="745" actId="478"/>
+          <ac:picMkLst>
+            <pc:docMk/>
+            <pc:sldMk cId="2996541914" sldId="289"/>
+            <ac:picMk id="7" creationId="{A79229E8-8B55-4F1C-861A-03DCB508D786}"/>
+          </ac:picMkLst>
+        </pc:picChg>
+      </pc:sldChg>
+      <pc:sldChg chg="addSp delSp modSp add ord">
+        <pc:chgData name="Gonzalo González Ventura" userId="f243bd366ea3d4aa" providerId="LiveId" clId="{96E6E68B-C9D1-4B5A-9DDF-7924543A6407}" dt="2020-03-13T09:13:19.137" v="1977" actId="27636"/>
+        <pc:sldMkLst>
+          <pc:docMk/>
+          <pc:sldMk cId="3715477961" sldId="289"/>
+        </pc:sldMkLst>
+        <pc:spChg chg="mod">
+          <ac:chgData name="Gonzalo González Ventura" userId="f243bd366ea3d4aa" providerId="LiveId" clId="{96E6E68B-C9D1-4B5A-9DDF-7924543A6407}" dt="2020-03-13T09:05:50.926" v="769" actId="313"/>
+          <ac:spMkLst>
+            <pc:docMk/>
+            <pc:sldMk cId="3715477961" sldId="289"/>
+            <ac:spMk id="2" creationId="{170E1C7B-3B61-426A-8A32-66DA429F233D}"/>
+          </ac:spMkLst>
+        </pc:spChg>
+        <pc:spChg chg="add del mod">
+          <ac:chgData name="Gonzalo González Ventura" userId="f243bd366ea3d4aa" providerId="LiveId" clId="{96E6E68B-C9D1-4B5A-9DDF-7924543A6407}" dt="2020-03-13T09:05:37.898" v="766" actId="478"/>
+          <ac:spMkLst>
+            <pc:docMk/>
+            <pc:sldMk cId="3715477961" sldId="289"/>
+            <ac:spMk id="6" creationId="{9E093B27-FCD7-4E32-A742-F567B97E4388}"/>
+          </ac:spMkLst>
+        </pc:spChg>
+        <pc:spChg chg="mod">
+          <ac:chgData name="Gonzalo González Ventura" userId="f243bd366ea3d4aa" providerId="LiveId" clId="{96E6E68B-C9D1-4B5A-9DDF-7924543A6407}" dt="2020-03-13T09:13:19.137" v="1977" actId="27636"/>
+          <ac:spMkLst>
+            <pc:docMk/>
+            <pc:sldMk cId="3715477961" sldId="289"/>
+            <ac:spMk id="7" creationId="{5F43AECF-67B7-425F-8B25-21D7B94ED6A6}"/>
+          </ac:spMkLst>
+        </pc:spChg>
+        <pc:picChg chg="del">
+          <ac:chgData name="Gonzalo González Ventura" userId="f243bd366ea3d4aa" providerId="LiveId" clId="{96E6E68B-C9D1-4B5A-9DDF-7924543A6407}" dt="2020-03-13T09:05:16.365" v="763" actId="478"/>
+          <ac:picMkLst>
+            <pc:docMk/>
+            <pc:sldMk cId="3715477961" sldId="289"/>
+            <ac:picMk id="4" creationId="{9880D042-0C97-4725-BAA6-9320C1F6E4AF}"/>
+          </ac:picMkLst>
+        </pc:picChg>
+        <pc:picChg chg="del mod">
+          <ac:chgData name="Gonzalo González Ventura" userId="f243bd366ea3d4aa" providerId="LiveId" clId="{96E6E68B-C9D1-4B5A-9DDF-7924543A6407}" dt="2020-03-13T09:05:19.236" v="765" actId="478"/>
+          <ac:picMkLst>
+            <pc:docMk/>
+            <pc:sldMk cId="3715477961" sldId="289"/>
+            <ac:picMk id="5" creationId="{3F5AE9CF-7A6E-4589-96F9-8BB23EABD9F8}"/>
+          </ac:picMkLst>
+        </pc:picChg>
+      </pc:sldChg>
+      <pc:sldChg chg="addSp delSp modSp add ord">
+        <pc:chgData name="Gonzalo González Ventura" userId="f243bd366ea3d4aa" providerId="LiveId" clId="{96E6E68B-C9D1-4B5A-9DDF-7924543A6407}" dt="2020-03-13T09:30:38.380" v="2378" actId="20577"/>
+        <pc:sldMkLst>
+          <pc:docMk/>
+          <pc:sldMk cId="2305326269" sldId="290"/>
+        </pc:sldMkLst>
+        <pc:spChg chg="mod">
+          <ac:chgData name="Gonzalo González Ventura" userId="f243bd366ea3d4aa" providerId="LiveId" clId="{96E6E68B-C9D1-4B5A-9DDF-7924543A6407}" dt="2020-03-13T09:14:56.544" v="2028" actId="20577"/>
+          <ac:spMkLst>
+            <pc:docMk/>
+            <pc:sldMk cId="2305326269" sldId="290"/>
+            <ac:spMk id="2" creationId="{170E1C7B-3B61-426A-8A32-66DA429F233D}"/>
+          </ac:spMkLst>
+        </pc:spChg>
+        <pc:spChg chg="add del mod">
+          <ac:chgData name="Gonzalo González Ventura" userId="f243bd366ea3d4aa" providerId="LiveId" clId="{96E6E68B-C9D1-4B5A-9DDF-7924543A6407}" dt="2020-03-13T09:15:10.379" v="2031" actId="478"/>
+          <ac:spMkLst>
+            <pc:docMk/>
+            <pc:sldMk cId="2305326269" sldId="290"/>
+            <ac:spMk id="6" creationId="{0E3D490E-FEAB-4385-A283-4358C68E2ADC}"/>
+          </ac:spMkLst>
+        </pc:spChg>
+        <pc:spChg chg="mod">
+          <ac:chgData name="Gonzalo González Ventura" userId="f243bd366ea3d4aa" providerId="LiveId" clId="{96E6E68B-C9D1-4B5A-9DDF-7924543A6407}" dt="2020-03-13T09:30:38.380" v="2378" actId="20577"/>
+          <ac:spMkLst>
+            <pc:docMk/>
+            <pc:sldMk cId="2305326269" sldId="290"/>
+            <ac:spMk id="7" creationId="{5F43AECF-67B7-425F-8B25-21D7B94ED6A6}"/>
+          </ac:spMkLst>
+        </pc:spChg>
+        <pc:picChg chg="del">
+          <ac:chgData name="Gonzalo González Ventura" userId="f243bd366ea3d4aa" providerId="LiveId" clId="{96E6E68B-C9D1-4B5A-9DDF-7924543A6407}" dt="2020-03-13T09:14:59.263" v="2029" actId="478"/>
+          <ac:picMkLst>
+            <pc:docMk/>
+            <pc:sldMk cId="2305326269" sldId="290"/>
+            <ac:picMk id="4" creationId="{9880D042-0C97-4725-BAA6-9320C1F6E4AF}"/>
+          </ac:picMkLst>
+        </pc:picChg>
+        <pc:picChg chg="mod">
+          <ac:chgData name="Gonzalo González Ventura" userId="f243bd366ea3d4aa" providerId="LiveId" clId="{96E6E68B-C9D1-4B5A-9DDF-7924543A6407}" dt="2020-03-13T09:15:22.350" v="2037" actId="1076"/>
+          <ac:picMkLst>
+            <pc:docMk/>
+            <pc:sldMk cId="2305326269" sldId="290"/>
+            <ac:picMk id="5" creationId="{3F5AE9CF-7A6E-4589-96F9-8BB23EABD9F8}"/>
+          </ac:picMkLst>
+        </pc:picChg>
+      </pc:sldChg>
+      <pc:sldChg chg="addSp delSp modSp add">
+        <pc:chgData name="Gonzalo González Ventura" userId="f243bd366ea3d4aa" providerId="LiveId" clId="{96E6E68B-C9D1-4B5A-9DDF-7924543A6407}" dt="2020-03-13T09:28:52.758" v="2377" actId="255"/>
+        <pc:sldMkLst>
+          <pc:docMk/>
+          <pc:sldMk cId="1765302080" sldId="291"/>
+        </pc:sldMkLst>
+        <pc:spChg chg="mod">
+          <ac:chgData name="Gonzalo González Ventura" userId="f243bd366ea3d4aa" providerId="LiveId" clId="{96E6E68B-C9D1-4B5A-9DDF-7924543A6407}" dt="2020-03-13T09:21:41.977" v="2266" actId="313"/>
+          <ac:spMkLst>
+            <pc:docMk/>
+            <pc:sldMk cId="1765302080" sldId="291"/>
+            <ac:spMk id="2" creationId="{170E1C7B-3B61-426A-8A32-66DA429F233D}"/>
+          </ac:spMkLst>
+        </pc:spChg>
+        <pc:spChg chg="add mod">
+          <ac:chgData name="Gonzalo González Ventura" userId="f243bd366ea3d4aa" providerId="LiveId" clId="{96E6E68B-C9D1-4B5A-9DDF-7924543A6407}" dt="2020-03-13T09:28:52.758" v="2377" actId="255"/>
+          <ac:spMkLst>
+            <pc:docMk/>
+            <pc:sldMk cId="1765302080" sldId="291"/>
+            <ac:spMk id="3" creationId="{359681A9-FC98-4F65-AE67-07B5FBA22DFB}"/>
+          </ac:spMkLst>
+        </pc:spChg>
+        <pc:spChg chg="add mod">
+          <ac:chgData name="Gonzalo González Ventura" userId="f243bd366ea3d4aa" providerId="LiveId" clId="{96E6E68B-C9D1-4B5A-9DDF-7924543A6407}" dt="2020-03-13T09:28:39.565" v="2376" actId="1076"/>
+          <ac:spMkLst>
+            <pc:docMk/>
+            <pc:sldMk cId="1765302080" sldId="291"/>
+            <ac:spMk id="4" creationId="{9A497190-D9D2-43B3-8B97-AF3271388455}"/>
+          </ac:spMkLst>
+        </pc:spChg>
+        <pc:spChg chg="mod">
+          <ac:chgData name="Gonzalo González Ventura" userId="f243bd366ea3d4aa" providerId="LiveId" clId="{96E6E68B-C9D1-4B5A-9DDF-7924543A6407}" dt="2020-03-13T09:18:48.832" v="2224" actId="20577"/>
+          <ac:spMkLst>
+            <pc:docMk/>
+            <pc:sldMk cId="1765302080" sldId="291"/>
+            <ac:spMk id="7" creationId="{5F43AECF-67B7-425F-8B25-21D7B94ED6A6}"/>
+          </ac:spMkLst>
+        </pc:spChg>
+        <pc:picChg chg="del">
+          <ac:chgData name="Gonzalo González Ventura" userId="f243bd366ea3d4aa" providerId="LiveId" clId="{96E6E68B-C9D1-4B5A-9DDF-7924543A6407}" dt="2020-03-13T09:18:36.358" v="2219" actId="478"/>
+          <ac:picMkLst>
+            <pc:docMk/>
+            <pc:sldMk cId="1765302080" sldId="291"/>
+            <ac:picMk id="5" creationId="{3F5AE9CF-7A6E-4589-96F9-8BB23EABD9F8}"/>
+          </ac:picMkLst>
+        </pc:picChg>
+      </pc:sldChg>
+    </pc:docChg>
+  </pc:docChgLst>
+</pc:chgInfo>
+</file>
+
 <file path=ppt/slideLayouts/slideLayout1.xml><?xml version="1.0" encoding="utf-8"?>
 <p:sldLayout xmlns:a="http://schemas.openxmlformats.org/drawingml/2006/main" xmlns:r="http://schemas.openxmlformats.org/officeDocument/2006/relationships" xmlns:p="http://schemas.openxmlformats.org/presentationml/2006/main" type="title" preserve="1">
   <p:cSld name="Diapositiva de título">
@@ -363,7 +655,7 @@
             <a:fld id="{B61BEF0D-F0BB-DE4B-95CE-6DB70DBA9567}" type="datetimeFigureOut">
               <a:rPr lang="en-US" dirty="0"/>
               <a:pPr/>
-              <a:t>3/12/2020</a:t>
+              <a:t>3/13/2020</a:t>
             </a:fld>
             <a:endParaRPr lang="en-US" dirty="0"/>
           </a:p>
@@ -622,7 +914,7 @@
             <a:fld id="{B61BEF0D-F0BB-DE4B-95CE-6DB70DBA9567}" type="datetimeFigureOut">
               <a:rPr lang="en-US" dirty="0"/>
               <a:pPr/>
-              <a:t>3/12/2020</a:t>
+              <a:t>3/13/2020</a:t>
             </a:fld>
             <a:endParaRPr lang="en-US" dirty="0"/>
           </a:p>
@@ -854,7 +1146,7 @@
             <a:fld id="{B61BEF0D-F0BB-DE4B-95CE-6DB70DBA9567}" type="datetimeFigureOut">
               <a:rPr lang="en-US" dirty="0"/>
               <a:pPr/>
-              <a:t>3/12/2020</a:t>
+              <a:t>3/13/2020</a:t>
             </a:fld>
             <a:endParaRPr lang="en-US" dirty="0"/>
           </a:p>
@@ -1091,7 +1383,7 @@
             <a:fld id="{B61BEF0D-F0BB-DE4B-95CE-6DB70DBA9567}" type="datetimeFigureOut">
               <a:rPr lang="en-US" dirty="0"/>
               <a:pPr/>
-              <a:t>3/12/2020</a:t>
+              <a:t>3/13/2020</a:t>
             </a:fld>
             <a:endParaRPr lang="en-US" dirty="0"/>
           </a:p>
@@ -1395,7 +1687,7 @@
             <a:fld id="{B61BEF0D-F0BB-DE4B-95CE-6DB70DBA9567}" type="datetimeFigureOut">
               <a:rPr lang="en-US" dirty="0"/>
               <a:pPr/>
-              <a:t>3/12/2020</a:t>
+              <a:t>3/13/2020</a:t>
             </a:fld>
             <a:endParaRPr lang="en-US" dirty="0"/>
           </a:p>
@@ -1694,7 +1986,7 @@
             <a:fld id="{B61BEF0D-F0BB-DE4B-95CE-6DB70DBA9567}" type="datetimeFigureOut">
               <a:rPr lang="en-US" dirty="0"/>
               <a:pPr/>
-              <a:t>3/12/2020</a:t>
+              <a:t>3/13/2020</a:t>
             </a:fld>
             <a:endParaRPr lang="en-US" dirty="0"/>
           </a:p>
@@ -2113,7 +2405,7 @@
             <a:fld id="{B61BEF0D-F0BB-DE4B-95CE-6DB70DBA9567}" type="datetimeFigureOut">
               <a:rPr lang="en-US" dirty="0"/>
               <a:pPr/>
-              <a:t>3/12/2020</a:t>
+              <a:t>3/13/2020</a:t>
             </a:fld>
             <a:endParaRPr lang="en-US" dirty="0"/>
           </a:p>
@@ -2272,7 +2564,7 @@
             <a:fld id="{B61BEF0D-F0BB-DE4B-95CE-6DB70DBA9567}" type="datetimeFigureOut">
               <a:rPr lang="en-US" dirty="0"/>
               <a:pPr/>
-              <a:t>3/12/2020</a:t>
+              <a:t>3/13/2020</a:t>
             </a:fld>
             <a:endParaRPr lang="en-US" dirty="0"/>
           </a:p>
@@ -2364,7 +2656,7 @@
             <a:fld id="{B61BEF0D-F0BB-DE4B-95CE-6DB70DBA9567}" type="datetimeFigureOut">
               <a:rPr lang="en-US" dirty="0"/>
               <a:pPr/>
-              <a:t>3/12/2020</a:t>
+              <a:t>3/13/2020</a:t>
             </a:fld>
             <a:endParaRPr lang="en-US" dirty="0"/>
           </a:p>
@@ -2739,7 +3031,7 @@
             <a:fld id="{B61BEF0D-F0BB-DE4B-95CE-6DB70DBA9567}" type="datetimeFigureOut">
               <a:rPr lang="en-US" dirty="0"/>
               <a:pPr/>
-              <a:t>3/12/2020</a:t>
+              <a:t>3/13/2020</a:t>
             </a:fld>
             <a:endParaRPr lang="en-US" dirty="0"/>
           </a:p>
@@ -3025,7 +3317,7 @@
             <a:fld id="{B61BEF0D-F0BB-DE4B-95CE-6DB70DBA9567}" type="datetimeFigureOut">
               <a:rPr lang="en-US" dirty="0"/>
               <a:pPr/>
-              <a:t>3/12/2020</a:t>
+              <a:t>3/13/2020</a:t>
             </a:fld>
             <a:endParaRPr lang="en-US" dirty="0"/>
           </a:p>
@@ -3233,7 +3525,7 @@
             <a:fld id="{B61BEF0D-F0BB-DE4B-95CE-6DB70DBA9567}" type="datetimeFigureOut">
               <a:rPr lang="en-US" dirty="0"/>
               <a:pPr/>
-              <a:t>3/12/2020</a:t>
+              <a:t>3/13/2020</a:t>
             </a:fld>
             <a:endParaRPr lang="en-US" dirty="0"/>
           </a:p>
@@ -3986,6 +4278,799 @@
 </p:sld>
 </file>
 
+<file path=ppt/slides/slide10.xml><?xml version="1.0" encoding="utf-8"?>
+<p:sld xmlns:a="http://schemas.openxmlformats.org/drawingml/2006/main" xmlns:r="http://schemas.openxmlformats.org/officeDocument/2006/relationships" xmlns:p="http://schemas.openxmlformats.org/presentationml/2006/main">
+  <p:cSld>
+    <p:spTree>
+      <p:nvGrpSpPr>
+        <p:cNvPr id="1" name=""/>
+        <p:cNvGrpSpPr/>
+        <p:nvPr/>
+      </p:nvGrpSpPr>
+      <p:grpSpPr>
+        <a:xfrm>
+          <a:off x="0" y="0"/>
+          <a:ext cx="0" cy="0"/>
+          <a:chOff x="0" y="0"/>
+          <a:chExt cx="0" cy="0"/>
+        </a:xfrm>
+      </p:grpSpPr>
+      <p:sp>
+        <p:nvSpPr>
+          <p:cNvPr id="2" name="Título 1">
+            <a:extLst>
+              <a:ext uri="{FF2B5EF4-FFF2-40B4-BE49-F238E27FC236}">
+                <a16:creationId xmlns:a16="http://schemas.microsoft.com/office/drawing/2014/main" id="{170E1C7B-3B61-426A-8A32-66DA429F233D}"/>
+              </a:ext>
+            </a:extLst>
+          </p:cNvPr>
+          <p:cNvSpPr>
+            <a:spLocks noGrp="1"/>
+          </p:cNvSpPr>
+          <p:nvPr>
+            <p:ph type="title"/>
+          </p:nvPr>
+        </p:nvSpPr>
+        <p:spPr/>
+        <p:txBody>
+          <a:bodyPr/>
+          <a:lstStyle/>
+          <a:p>
+            <a:r>
+              <a:rPr lang="es-ES" dirty="0"/>
+              <a:t>Ventajas y desventajas de Xamarin</a:t>
+            </a:r>
+          </a:p>
+        </p:txBody>
+      </p:sp>
+      <p:sp>
+        <p:nvSpPr>
+          <p:cNvPr id="3" name="Marcador de contenido 2">
+            <a:extLst>
+              <a:ext uri="{FF2B5EF4-FFF2-40B4-BE49-F238E27FC236}">
+                <a16:creationId xmlns:a16="http://schemas.microsoft.com/office/drawing/2014/main" id="{359681A9-FC98-4F65-AE67-07B5FBA22DFB}"/>
+              </a:ext>
+            </a:extLst>
+          </p:cNvPr>
+          <p:cNvSpPr>
+            <a:spLocks noGrp="1"/>
+          </p:cNvSpPr>
+          <p:nvPr>
+            <p:ph sz="half" idx="1"/>
+          </p:nvPr>
+        </p:nvSpPr>
+        <p:spPr>
+          <a:xfrm>
+            <a:off x="513637" y="2259043"/>
+            <a:ext cx="5422390" cy="3999144"/>
+          </a:xfrm>
+        </p:spPr>
+        <p:txBody>
+          <a:bodyPr>
+            <a:normAutofit fontScale="77500" lnSpcReduction="20000"/>
+          </a:bodyPr>
+          <a:lstStyle/>
+          <a:p>
+            <a:pPr marL="0" indent="0">
+              <a:buNone/>
+            </a:pPr>
+            <a:r>
+              <a:rPr lang="es-ES" sz="2000" b="1" dirty="0"/>
+              <a:t>VENTAJAS</a:t>
+            </a:r>
+          </a:p>
+          <a:p>
+            <a:r>
+              <a:rPr lang="es-ES" b="1" dirty="0"/>
+              <a:t>Ahorra tiempo: </a:t>
+            </a:r>
+            <a:r>
+              <a:rPr lang="es-ES" sz="1500" dirty="0"/>
+              <a:t>Xamarin tiene una tecnología sencilla que permite que el código funcione en diferentes plataformas.</a:t>
+            </a:r>
+            <a:endParaRPr lang="es-ES" sz="1500" b="1" dirty="0"/>
+          </a:p>
+          <a:p>
+            <a:r>
+              <a:rPr lang="es-ES" b="1" dirty="0"/>
+              <a:t>Métricas de rendimiento: </a:t>
+            </a:r>
+            <a:r>
+              <a:rPr lang="es-ES" sz="1500" dirty="0"/>
+              <a:t>Los servicios de desarrollo de aplicaciones Xamarin ofrece servicios multiplataforma que le dan un aspecto a la aplicación igual o muy similar a los desarrollos nativos.</a:t>
+            </a:r>
+            <a:endParaRPr lang="es-ES" sz="1500" b="1" dirty="0"/>
+          </a:p>
+          <a:p>
+            <a:r>
+              <a:rPr lang="es-ES" b="1" dirty="0"/>
+              <a:t>Experiencia perfecta de renderizado: </a:t>
+            </a:r>
+            <a:r>
+              <a:rPr lang="es-ES" sz="1500" dirty="0"/>
+              <a:t>Las aplicaciones en Xamarin ofrecen una experiencia impecable con la ayuda de la programación específica de elementos de interfaz.</a:t>
+            </a:r>
+            <a:endParaRPr lang="es-ES" sz="1500" b="1" dirty="0"/>
+          </a:p>
+          <a:p>
+            <a:r>
+              <a:rPr lang="es-ES" b="1" dirty="0"/>
+              <a:t>No necesita mantenimiento: </a:t>
+            </a:r>
+            <a:r>
+              <a:rPr lang="es-ES" sz="1600" dirty="0"/>
+              <a:t>Posiblemente el mayor problema de la gente en el uso de la tecnología es el mantenimiento. Xamarin asegura un mantenimiento prácticamente nulo. Es multi plataforma y eso hace que su mantenimiento sea mas rápido y mucho mas fácil de actualizar.</a:t>
+            </a:r>
+            <a:endParaRPr lang="es-ES" sz="1600" b="1" dirty="0"/>
+          </a:p>
+          <a:p>
+            <a:r>
+              <a:rPr lang="es-ES" b="1" dirty="0"/>
+              <a:t>Xamarin.Forms: </a:t>
+            </a:r>
+            <a:r>
+              <a:rPr lang="es-ES" sz="1600" dirty="0"/>
+              <a:t>Sin duda es el mayor atractivo de las ventajas de Xamarin en cuanto a ahorrar tiempo y dinero. Xamarin.Forms sobre todo es interesante cuando compartir código es más importante que tener interfaces personalizadas para la plataforma o cuando necesitamos un aspecto idéntico en todas las plataformas.</a:t>
+            </a:r>
+            <a:endParaRPr lang="es-ES" sz="1600" b="1" dirty="0"/>
+          </a:p>
+          <a:p>
+            <a:endParaRPr lang="es-ES" b="1" dirty="0"/>
+          </a:p>
+          <a:p>
+            <a:endParaRPr lang="es-ES" dirty="0"/>
+          </a:p>
+        </p:txBody>
+      </p:sp>
+      <p:sp>
+        <p:nvSpPr>
+          <p:cNvPr id="4" name="Marcador de contenido 3">
+            <a:extLst>
+              <a:ext uri="{FF2B5EF4-FFF2-40B4-BE49-F238E27FC236}">
+                <a16:creationId xmlns:a16="http://schemas.microsoft.com/office/drawing/2014/main" id="{9A497190-D9D2-43B3-8B97-AF3271388455}"/>
+              </a:ext>
+            </a:extLst>
+          </p:cNvPr>
+          <p:cNvSpPr>
+            <a:spLocks noGrp="1"/>
+          </p:cNvSpPr>
+          <p:nvPr>
+            <p:ph sz="half" idx="2"/>
+          </p:nvPr>
+        </p:nvSpPr>
+        <p:spPr>
+          <a:xfrm>
+            <a:off x="6188414" y="2259043"/>
+            <a:ext cx="5422392" cy="3999144"/>
+          </a:xfrm>
+        </p:spPr>
+        <p:txBody>
+          <a:bodyPr>
+            <a:normAutofit fontScale="77500" lnSpcReduction="20000"/>
+          </a:bodyPr>
+          <a:lstStyle/>
+          <a:p>
+            <a:pPr marL="0" indent="0">
+              <a:buNone/>
+            </a:pPr>
+            <a:r>
+              <a:rPr lang="es-ES" sz="2400" b="1" dirty="0"/>
+              <a:t>DESVENTAJAS</a:t>
+            </a:r>
+          </a:p>
+          <a:p>
+            <a:r>
+              <a:rPr lang="es-ES" b="1" dirty="0"/>
+              <a:t>Soporte en actualizaciones: </a:t>
+            </a:r>
+            <a:r>
+              <a:rPr lang="es-ES" sz="1500" dirty="0"/>
+              <a:t>Desafortunadamente, Xamarin nos trae las ultimas actualizaciones, pero ofrece un soporte lento y a menudo tardío. Normalmente depende del equipo de desarrolladores.</a:t>
+            </a:r>
+            <a:endParaRPr lang="es-ES" sz="1500" b="1" dirty="0"/>
+          </a:p>
+          <a:p>
+            <a:r>
+              <a:rPr lang="es-ES" b="1" dirty="0"/>
+              <a:t>Acceso limitado a las bibliotecas: </a:t>
+            </a:r>
+            <a:r>
+              <a:rPr lang="es-ES" sz="1500" dirty="0"/>
+              <a:t>Xamarin tiene bibliotecas de código abierto. Pero a veces, estas tienen limitado el acceso. El desarrollo nativo hace uso de tecnologías de código abierto. </a:t>
+            </a:r>
+            <a:endParaRPr lang="es-ES" sz="1500" b="1" dirty="0"/>
+          </a:p>
+          <a:p>
+            <a:r>
+              <a:rPr lang="es-ES" b="1" dirty="0"/>
+              <a:t>Una enorme comunidad, pero pequeña a su vez: </a:t>
+            </a:r>
+            <a:r>
+              <a:rPr lang="es-ES" sz="1500" dirty="0"/>
+              <a:t>No hay que pensar que Xamarin no tiene una gran comunidad, no sería cierto. Pero si la comparamos con las comunidades nativas de Android o iOS es irremediable pensar que es pequeña. </a:t>
+            </a:r>
+            <a:endParaRPr lang="es-ES" sz="1500" b="1" dirty="0"/>
+          </a:p>
+          <a:p>
+            <a:r>
+              <a:rPr lang="es-ES" b="1" dirty="0"/>
+              <a:t>Mayor tamaño de nuestra app: </a:t>
+            </a:r>
+            <a:r>
+              <a:rPr lang="es-ES" sz="1500" dirty="0"/>
+              <a:t>Las aplicaciones compiladas en Xamarin tienen mayor tamaño que una aplicación nativa. Es una realidad que algunas aplicaciones nativas llegan a tener la mitad de tamaño que la misma aplicación en Xamarin.</a:t>
+            </a:r>
+            <a:endParaRPr lang="es-ES" sz="1500" b="1" dirty="0"/>
+          </a:p>
+          <a:p>
+            <a:r>
+              <a:rPr lang="es-ES" b="1" dirty="0"/>
+              <a:t>Problemas de compatibilidad con aplicaciones de terceros: </a:t>
+            </a:r>
+            <a:r>
+              <a:rPr lang="es-ES" sz="1500" dirty="0"/>
+              <a:t>Xamarin tiene problemas de compatibilidad con las bibliotecas de terceros. Te puedes encontrar algunos problemas mientras estamos integrando recursos de terceros en nuestra aplicación de Xamarin.</a:t>
+            </a:r>
+            <a:endParaRPr lang="es-ES" sz="1500" b="1" dirty="0"/>
+          </a:p>
+          <a:p>
+            <a:pPr marL="0" indent="0">
+              <a:buNone/>
+            </a:pPr>
+            <a:endParaRPr lang="es-ES" dirty="0"/>
+          </a:p>
+        </p:txBody>
+      </p:sp>
+      <p:sp>
+        <p:nvSpPr>
+          <p:cNvPr id="7" name="Marcador de contenido 2">
+            <a:extLst>
+              <a:ext uri="{FF2B5EF4-FFF2-40B4-BE49-F238E27FC236}">
+                <a16:creationId xmlns:a16="http://schemas.microsoft.com/office/drawing/2014/main" id="{5F43AECF-67B7-425F-8B25-21D7B94ED6A6}"/>
+              </a:ext>
+            </a:extLst>
+          </p:cNvPr>
+          <p:cNvSpPr txBox="1">
+            <a:spLocks/>
+          </p:cNvSpPr>
+          <p:nvPr/>
+        </p:nvSpPr>
+        <p:spPr>
+          <a:xfrm>
+            <a:off x="581194" y="1948649"/>
+            <a:ext cx="10962058" cy="2455571"/>
+          </a:xfrm>
+          <a:prstGeom prst="rect">
+            <a:avLst/>
+          </a:prstGeom>
+        </p:spPr>
+        <p:txBody>
+          <a:bodyPr vert="horz" lIns="91440" tIns="45720" rIns="91440" bIns="45720" rtlCol="0" anchor="ctr">
+            <a:normAutofit/>
+          </a:bodyPr>
+          <a:lstStyle>
+            <a:lvl1pPr marL="306000" indent="-306000" algn="l" defTabSz="457200" rtl="0" eaLnBrk="1" latinLnBrk="0" hangingPunct="1">
+              <a:spcBef>
+                <a:spcPct val="20000"/>
+              </a:spcBef>
+              <a:spcAft>
+                <a:spcPts val="600"/>
+              </a:spcAft>
+              <a:buClr>
+                <a:schemeClr val="accent2"/>
+              </a:buClr>
+              <a:buSzPct val="92000"/>
+              <a:buFont typeface="Wingdings 2" panose="05020102010507070707" pitchFamily="18" charset="2"/>
+              <a:buChar char=""/>
+              <a:defRPr sz="1800" kern="1200">
+                <a:solidFill>
+                  <a:schemeClr val="tx2"/>
+                </a:solidFill>
+                <a:latin typeface="+mn-lt"/>
+                <a:ea typeface="+mn-ea"/>
+                <a:cs typeface="+mn-cs"/>
+              </a:defRPr>
+            </a:lvl1pPr>
+            <a:lvl2pPr marL="630000" indent="-306000" algn="l" defTabSz="457200" rtl="0" eaLnBrk="1" latinLnBrk="0" hangingPunct="1">
+              <a:spcBef>
+                <a:spcPct val="20000"/>
+              </a:spcBef>
+              <a:spcAft>
+                <a:spcPts val="600"/>
+              </a:spcAft>
+              <a:buClr>
+                <a:schemeClr val="accent2"/>
+              </a:buClr>
+              <a:buSzPct val="92000"/>
+              <a:buFont typeface="Wingdings 2" panose="05020102010507070707" pitchFamily="18" charset="2"/>
+              <a:buChar char=""/>
+              <a:defRPr sz="1600" kern="1200">
+                <a:solidFill>
+                  <a:schemeClr val="tx2"/>
+                </a:solidFill>
+                <a:latin typeface="+mn-lt"/>
+                <a:ea typeface="+mn-ea"/>
+                <a:cs typeface="+mn-cs"/>
+              </a:defRPr>
+            </a:lvl2pPr>
+            <a:lvl3pPr marL="900000" indent="-270000" algn="l" defTabSz="457200" rtl="0" eaLnBrk="1" latinLnBrk="0" hangingPunct="1">
+              <a:spcBef>
+                <a:spcPct val="20000"/>
+              </a:spcBef>
+              <a:spcAft>
+                <a:spcPts val="600"/>
+              </a:spcAft>
+              <a:buClr>
+                <a:schemeClr val="accent2"/>
+              </a:buClr>
+              <a:buSzPct val="92000"/>
+              <a:buFont typeface="Wingdings 2" panose="05020102010507070707" pitchFamily="18" charset="2"/>
+              <a:buChar char=""/>
+              <a:defRPr sz="1400" kern="1200">
+                <a:solidFill>
+                  <a:schemeClr val="tx2"/>
+                </a:solidFill>
+                <a:latin typeface="+mn-lt"/>
+                <a:ea typeface="+mn-ea"/>
+                <a:cs typeface="+mn-cs"/>
+              </a:defRPr>
+            </a:lvl3pPr>
+            <a:lvl4pPr marL="1242000" indent="-234000" algn="l" defTabSz="457200" rtl="0" eaLnBrk="1" latinLnBrk="0" hangingPunct="1">
+              <a:spcBef>
+                <a:spcPct val="20000"/>
+              </a:spcBef>
+              <a:spcAft>
+                <a:spcPts val="600"/>
+              </a:spcAft>
+              <a:buClr>
+                <a:schemeClr val="accent2"/>
+              </a:buClr>
+              <a:buSzPct val="92000"/>
+              <a:buFont typeface="Wingdings 2" panose="05020102010507070707" pitchFamily="18" charset="2"/>
+              <a:buChar char=""/>
+              <a:defRPr sz="1200" kern="1200">
+                <a:solidFill>
+                  <a:schemeClr val="tx2"/>
+                </a:solidFill>
+                <a:latin typeface="+mn-lt"/>
+                <a:ea typeface="+mn-ea"/>
+                <a:cs typeface="+mn-cs"/>
+              </a:defRPr>
+            </a:lvl4pPr>
+            <a:lvl5pPr marL="1602000" indent="-234000" algn="l" defTabSz="457200" rtl="0" eaLnBrk="1" latinLnBrk="0" hangingPunct="1">
+              <a:spcBef>
+                <a:spcPct val="20000"/>
+              </a:spcBef>
+              <a:spcAft>
+                <a:spcPts val="600"/>
+              </a:spcAft>
+              <a:buClr>
+                <a:schemeClr val="accent2"/>
+              </a:buClr>
+              <a:buSzPct val="92000"/>
+              <a:buFont typeface="Wingdings 2" panose="05020102010507070707" pitchFamily="18" charset="2"/>
+              <a:buChar char=""/>
+              <a:defRPr sz="1200" kern="1200">
+                <a:solidFill>
+                  <a:schemeClr val="tx2"/>
+                </a:solidFill>
+                <a:latin typeface="+mn-lt"/>
+                <a:ea typeface="+mn-ea"/>
+                <a:cs typeface="+mn-cs"/>
+              </a:defRPr>
+            </a:lvl5pPr>
+            <a:lvl6pPr marL="1900000" indent="-228600" algn="l" defTabSz="457200" rtl="0" eaLnBrk="1" latinLnBrk="0" hangingPunct="1">
+              <a:spcBef>
+                <a:spcPct val="20000"/>
+              </a:spcBef>
+              <a:spcAft>
+                <a:spcPts val="600"/>
+              </a:spcAft>
+              <a:buClr>
+                <a:schemeClr val="accent2"/>
+              </a:buClr>
+              <a:buSzPct val="92000"/>
+              <a:buFont typeface="Wingdings 2" panose="05020102010507070707" pitchFamily="18" charset="2"/>
+              <a:buChar char=""/>
+              <a:defRPr sz="1200" kern="1200">
+                <a:solidFill>
+                  <a:schemeClr val="tx2"/>
+                </a:solidFill>
+                <a:latin typeface="+mn-lt"/>
+                <a:ea typeface="+mn-ea"/>
+                <a:cs typeface="+mn-cs"/>
+              </a:defRPr>
+            </a:lvl6pPr>
+            <a:lvl7pPr marL="2200000" indent="-228600" algn="l" defTabSz="457200" rtl="0" eaLnBrk="1" latinLnBrk="0" hangingPunct="1">
+              <a:spcBef>
+                <a:spcPct val="20000"/>
+              </a:spcBef>
+              <a:spcAft>
+                <a:spcPts val="600"/>
+              </a:spcAft>
+              <a:buClr>
+                <a:schemeClr val="accent2"/>
+              </a:buClr>
+              <a:buSzPct val="92000"/>
+              <a:buFont typeface="Wingdings 2" panose="05020102010507070707" pitchFamily="18" charset="2"/>
+              <a:buChar char=""/>
+              <a:defRPr sz="1200" kern="1200">
+                <a:solidFill>
+                  <a:schemeClr val="tx2"/>
+                </a:solidFill>
+                <a:latin typeface="+mn-lt"/>
+                <a:ea typeface="+mn-ea"/>
+                <a:cs typeface="+mn-cs"/>
+              </a:defRPr>
+            </a:lvl7pPr>
+            <a:lvl8pPr marL="2500000" indent="-228600" algn="l" defTabSz="457200" rtl="0" eaLnBrk="1" latinLnBrk="0" hangingPunct="1">
+              <a:spcBef>
+                <a:spcPct val="20000"/>
+              </a:spcBef>
+              <a:spcAft>
+                <a:spcPts val="600"/>
+              </a:spcAft>
+              <a:buClr>
+                <a:schemeClr val="accent2"/>
+              </a:buClr>
+              <a:buSzPct val="92000"/>
+              <a:buFont typeface="Wingdings 2" panose="05020102010507070707" pitchFamily="18" charset="2"/>
+              <a:buChar char=""/>
+              <a:defRPr sz="1200" kern="1200">
+                <a:solidFill>
+                  <a:schemeClr val="tx2"/>
+                </a:solidFill>
+                <a:latin typeface="+mn-lt"/>
+                <a:ea typeface="+mn-ea"/>
+                <a:cs typeface="+mn-cs"/>
+              </a:defRPr>
+            </a:lvl8pPr>
+            <a:lvl9pPr marL="2800000" indent="-228600" algn="l" defTabSz="457200" rtl="0" eaLnBrk="1" latinLnBrk="0" hangingPunct="1">
+              <a:spcBef>
+                <a:spcPct val="20000"/>
+              </a:spcBef>
+              <a:spcAft>
+                <a:spcPts val="600"/>
+              </a:spcAft>
+              <a:buClr>
+                <a:schemeClr val="accent2"/>
+              </a:buClr>
+              <a:buSzPct val="92000"/>
+              <a:buFont typeface="Wingdings 2" panose="05020102010507070707" pitchFamily="18" charset="2"/>
+              <a:buChar char=""/>
+              <a:defRPr sz="1200" kern="1200">
+                <a:solidFill>
+                  <a:schemeClr val="tx2"/>
+                </a:solidFill>
+                <a:latin typeface="+mn-lt"/>
+                <a:ea typeface="+mn-ea"/>
+                <a:cs typeface="+mn-cs"/>
+              </a:defRPr>
+            </a:lvl9pPr>
+          </a:lstStyle>
+          <a:p>
+            <a:endParaRPr lang="es-ES" sz="2800" dirty="0"/>
+          </a:p>
+        </p:txBody>
+      </p:sp>
+    </p:spTree>
+    <p:extLst>
+      <p:ext uri="{BB962C8B-B14F-4D97-AF65-F5344CB8AC3E}">
+        <p14:creationId xmlns:p14="http://schemas.microsoft.com/office/powerpoint/2010/main" val="1765302080"/>
+      </p:ext>
+    </p:extLst>
+  </p:cSld>
+  <p:clrMapOvr>
+    <a:masterClrMapping/>
+  </p:clrMapOvr>
+</p:sld>
+</file>
+
+<file path=ppt/slides/slide11.xml><?xml version="1.0" encoding="utf-8"?>
+<p:sld xmlns:a="http://schemas.openxmlformats.org/drawingml/2006/main" xmlns:r="http://schemas.openxmlformats.org/officeDocument/2006/relationships" xmlns:p="http://schemas.openxmlformats.org/presentationml/2006/main">
+  <p:cSld>
+    <p:spTree>
+      <p:nvGrpSpPr>
+        <p:cNvPr id="1" name=""/>
+        <p:cNvGrpSpPr/>
+        <p:nvPr/>
+      </p:nvGrpSpPr>
+      <p:grpSpPr>
+        <a:xfrm>
+          <a:off x="0" y="0"/>
+          <a:ext cx="0" cy="0"/>
+          <a:chOff x="0" y="0"/>
+          <a:chExt cx="0" cy="0"/>
+        </a:xfrm>
+      </p:grpSpPr>
+      <p:sp>
+        <p:nvSpPr>
+          <p:cNvPr id="2" name="Título 1">
+            <a:extLst>
+              <a:ext uri="{FF2B5EF4-FFF2-40B4-BE49-F238E27FC236}">
+                <a16:creationId xmlns:a16="http://schemas.microsoft.com/office/drawing/2014/main" id="{170E1C7B-3B61-426A-8A32-66DA429F233D}"/>
+              </a:ext>
+            </a:extLst>
+          </p:cNvPr>
+          <p:cNvSpPr>
+            <a:spLocks noGrp="1"/>
+          </p:cNvSpPr>
+          <p:nvPr>
+            <p:ph type="title"/>
+          </p:nvPr>
+        </p:nvSpPr>
+        <p:spPr/>
+        <p:txBody>
+          <a:bodyPr/>
+          <a:lstStyle/>
+          <a:p>
+            <a:r>
+              <a:rPr lang="es-ES" dirty="0"/>
+              <a:t>Participación</a:t>
+            </a:r>
+          </a:p>
+        </p:txBody>
+      </p:sp>
+      <p:sp>
+        <p:nvSpPr>
+          <p:cNvPr id="7" name="Marcador de contenido 2">
+            <a:extLst>
+              <a:ext uri="{FF2B5EF4-FFF2-40B4-BE49-F238E27FC236}">
+                <a16:creationId xmlns:a16="http://schemas.microsoft.com/office/drawing/2014/main" id="{5F43AECF-67B7-425F-8B25-21D7B94ED6A6}"/>
+              </a:ext>
+            </a:extLst>
+          </p:cNvPr>
+          <p:cNvSpPr txBox="1">
+            <a:spLocks/>
+          </p:cNvSpPr>
+          <p:nvPr/>
+        </p:nvSpPr>
+        <p:spPr>
+          <a:xfrm>
+            <a:off x="581194" y="1948648"/>
+            <a:ext cx="10962058" cy="4207195"/>
+          </a:xfrm>
+          <a:prstGeom prst="rect">
+            <a:avLst/>
+          </a:prstGeom>
+        </p:spPr>
+        <p:txBody>
+          <a:bodyPr vert="horz" lIns="91440" tIns="45720" rIns="91440" bIns="45720" rtlCol="0" anchor="ctr">
+            <a:normAutofit fontScale="85000" lnSpcReduction="20000"/>
+          </a:bodyPr>
+          <a:lstStyle>
+            <a:lvl1pPr marL="306000" indent="-306000" algn="l" defTabSz="457200" rtl="0" eaLnBrk="1" latinLnBrk="0" hangingPunct="1">
+              <a:spcBef>
+                <a:spcPct val="20000"/>
+              </a:spcBef>
+              <a:spcAft>
+                <a:spcPts val="600"/>
+              </a:spcAft>
+              <a:buClr>
+                <a:schemeClr val="accent2"/>
+              </a:buClr>
+              <a:buSzPct val="92000"/>
+              <a:buFont typeface="Wingdings 2" panose="05020102010507070707" pitchFamily="18" charset="2"/>
+              <a:buChar char=""/>
+              <a:defRPr sz="1800" kern="1200">
+                <a:solidFill>
+                  <a:schemeClr val="tx2"/>
+                </a:solidFill>
+                <a:latin typeface="+mn-lt"/>
+                <a:ea typeface="+mn-ea"/>
+                <a:cs typeface="+mn-cs"/>
+              </a:defRPr>
+            </a:lvl1pPr>
+            <a:lvl2pPr marL="630000" indent="-306000" algn="l" defTabSz="457200" rtl="0" eaLnBrk="1" latinLnBrk="0" hangingPunct="1">
+              <a:spcBef>
+                <a:spcPct val="20000"/>
+              </a:spcBef>
+              <a:spcAft>
+                <a:spcPts val="600"/>
+              </a:spcAft>
+              <a:buClr>
+                <a:schemeClr val="accent2"/>
+              </a:buClr>
+              <a:buSzPct val="92000"/>
+              <a:buFont typeface="Wingdings 2" panose="05020102010507070707" pitchFamily="18" charset="2"/>
+              <a:buChar char=""/>
+              <a:defRPr sz="1600" kern="1200">
+                <a:solidFill>
+                  <a:schemeClr val="tx2"/>
+                </a:solidFill>
+                <a:latin typeface="+mn-lt"/>
+                <a:ea typeface="+mn-ea"/>
+                <a:cs typeface="+mn-cs"/>
+              </a:defRPr>
+            </a:lvl2pPr>
+            <a:lvl3pPr marL="900000" indent="-270000" algn="l" defTabSz="457200" rtl="0" eaLnBrk="1" latinLnBrk="0" hangingPunct="1">
+              <a:spcBef>
+                <a:spcPct val="20000"/>
+              </a:spcBef>
+              <a:spcAft>
+                <a:spcPts val="600"/>
+              </a:spcAft>
+              <a:buClr>
+                <a:schemeClr val="accent2"/>
+              </a:buClr>
+              <a:buSzPct val="92000"/>
+              <a:buFont typeface="Wingdings 2" panose="05020102010507070707" pitchFamily="18" charset="2"/>
+              <a:buChar char=""/>
+              <a:defRPr sz="1400" kern="1200">
+                <a:solidFill>
+                  <a:schemeClr val="tx2"/>
+                </a:solidFill>
+                <a:latin typeface="+mn-lt"/>
+                <a:ea typeface="+mn-ea"/>
+                <a:cs typeface="+mn-cs"/>
+              </a:defRPr>
+            </a:lvl3pPr>
+            <a:lvl4pPr marL="1242000" indent="-234000" algn="l" defTabSz="457200" rtl="0" eaLnBrk="1" latinLnBrk="0" hangingPunct="1">
+              <a:spcBef>
+                <a:spcPct val="20000"/>
+              </a:spcBef>
+              <a:spcAft>
+                <a:spcPts val="600"/>
+              </a:spcAft>
+              <a:buClr>
+                <a:schemeClr val="accent2"/>
+              </a:buClr>
+              <a:buSzPct val="92000"/>
+              <a:buFont typeface="Wingdings 2" panose="05020102010507070707" pitchFamily="18" charset="2"/>
+              <a:buChar char=""/>
+              <a:defRPr sz="1200" kern="1200">
+                <a:solidFill>
+                  <a:schemeClr val="tx2"/>
+                </a:solidFill>
+                <a:latin typeface="+mn-lt"/>
+                <a:ea typeface="+mn-ea"/>
+                <a:cs typeface="+mn-cs"/>
+              </a:defRPr>
+            </a:lvl4pPr>
+            <a:lvl5pPr marL="1602000" indent="-234000" algn="l" defTabSz="457200" rtl="0" eaLnBrk="1" latinLnBrk="0" hangingPunct="1">
+              <a:spcBef>
+                <a:spcPct val="20000"/>
+              </a:spcBef>
+              <a:spcAft>
+                <a:spcPts val="600"/>
+              </a:spcAft>
+              <a:buClr>
+                <a:schemeClr val="accent2"/>
+              </a:buClr>
+              <a:buSzPct val="92000"/>
+              <a:buFont typeface="Wingdings 2" panose="05020102010507070707" pitchFamily="18" charset="2"/>
+              <a:buChar char=""/>
+              <a:defRPr sz="1200" kern="1200">
+                <a:solidFill>
+                  <a:schemeClr val="tx2"/>
+                </a:solidFill>
+                <a:latin typeface="+mn-lt"/>
+                <a:ea typeface="+mn-ea"/>
+                <a:cs typeface="+mn-cs"/>
+              </a:defRPr>
+            </a:lvl5pPr>
+            <a:lvl6pPr marL="1900000" indent="-228600" algn="l" defTabSz="457200" rtl="0" eaLnBrk="1" latinLnBrk="0" hangingPunct="1">
+              <a:spcBef>
+                <a:spcPct val="20000"/>
+              </a:spcBef>
+              <a:spcAft>
+                <a:spcPts val="600"/>
+              </a:spcAft>
+              <a:buClr>
+                <a:schemeClr val="accent2"/>
+              </a:buClr>
+              <a:buSzPct val="92000"/>
+              <a:buFont typeface="Wingdings 2" panose="05020102010507070707" pitchFamily="18" charset="2"/>
+              <a:buChar char=""/>
+              <a:defRPr sz="1200" kern="1200">
+                <a:solidFill>
+                  <a:schemeClr val="tx2"/>
+                </a:solidFill>
+                <a:latin typeface="+mn-lt"/>
+                <a:ea typeface="+mn-ea"/>
+                <a:cs typeface="+mn-cs"/>
+              </a:defRPr>
+            </a:lvl6pPr>
+            <a:lvl7pPr marL="2200000" indent="-228600" algn="l" defTabSz="457200" rtl="0" eaLnBrk="1" latinLnBrk="0" hangingPunct="1">
+              <a:spcBef>
+                <a:spcPct val="20000"/>
+              </a:spcBef>
+              <a:spcAft>
+                <a:spcPts val="600"/>
+              </a:spcAft>
+              <a:buClr>
+                <a:schemeClr val="accent2"/>
+              </a:buClr>
+              <a:buSzPct val="92000"/>
+              <a:buFont typeface="Wingdings 2" panose="05020102010507070707" pitchFamily="18" charset="2"/>
+              <a:buChar char=""/>
+              <a:defRPr sz="1200" kern="1200">
+                <a:solidFill>
+                  <a:schemeClr val="tx2"/>
+                </a:solidFill>
+                <a:latin typeface="+mn-lt"/>
+                <a:ea typeface="+mn-ea"/>
+                <a:cs typeface="+mn-cs"/>
+              </a:defRPr>
+            </a:lvl7pPr>
+            <a:lvl8pPr marL="2500000" indent="-228600" algn="l" defTabSz="457200" rtl="0" eaLnBrk="1" latinLnBrk="0" hangingPunct="1">
+              <a:spcBef>
+                <a:spcPct val="20000"/>
+              </a:spcBef>
+              <a:spcAft>
+                <a:spcPts val="600"/>
+              </a:spcAft>
+              <a:buClr>
+                <a:schemeClr val="accent2"/>
+              </a:buClr>
+              <a:buSzPct val="92000"/>
+              <a:buFont typeface="Wingdings 2" panose="05020102010507070707" pitchFamily="18" charset="2"/>
+              <a:buChar char=""/>
+              <a:defRPr sz="1200" kern="1200">
+                <a:solidFill>
+                  <a:schemeClr val="tx2"/>
+                </a:solidFill>
+                <a:latin typeface="+mn-lt"/>
+                <a:ea typeface="+mn-ea"/>
+                <a:cs typeface="+mn-cs"/>
+              </a:defRPr>
+            </a:lvl8pPr>
+            <a:lvl9pPr marL="2800000" indent="-228600" algn="l" defTabSz="457200" rtl="0" eaLnBrk="1" latinLnBrk="0" hangingPunct="1">
+              <a:spcBef>
+                <a:spcPct val="20000"/>
+              </a:spcBef>
+              <a:spcAft>
+                <a:spcPts val="600"/>
+              </a:spcAft>
+              <a:buClr>
+                <a:schemeClr val="accent2"/>
+              </a:buClr>
+              <a:buSzPct val="92000"/>
+              <a:buFont typeface="Wingdings 2" panose="05020102010507070707" pitchFamily="18" charset="2"/>
+              <a:buChar char=""/>
+              <a:defRPr sz="1200" kern="1200">
+                <a:solidFill>
+                  <a:schemeClr val="tx2"/>
+                </a:solidFill>
+                <a:latin typeface="+mn-lt"/>
+                <a:ea typeface="+mn-ea"/>
+                <a:cs typeface="+mn-cs"/>
+              </a:defRPr>
+            </a:lvl9pPr>
+          </a:lstStyle>
+          <a:p>
+            <a:r>
+              <a:rPr lang="es-ES" sz="2800" dirty="0"/>
+              <a:t>En este proyecto podemos diferenciar bastante claro como se ha trabajado. Para ello debemos diferenciar la parte de cliente y la parte de servidor.</a:t>
+            </a:r>
+          </a:p>
+          <a:p>
+            <a:r>
+              <a:rPr lang="es-ES" sz="2800" dirty="0"/>
+              <a:t>Respecto al servidor David se encargado de la creación de la base de datos de funciones y de la creación y implementación de la API, mientras Gonzalo se encargo de la creación del directorio activo y de la base de datos de coches. Cabe destacar que la implementación del directorio activo aun no se ha acabado y se esta realizando por parte de ambos integrantes del grupo.</a:t>
+            </a:r>
+          </a:p>
+          <a:p>
+            <a:r>
+              <a:rPr lang="es-ES" sz="2800" dirty="0"/>
+              <a:t>Respecto al cliente podemos decir que Gonzalo se encargo de la creación de todas las vistas y de la implementación de algunas funciones como la traducción o la implementación de una pantalla de carga. Mientras tanto David se encargo de la unión del cliente con el servidor además de la realización de funciones como el Login y la utilización de bases de datos locales</a:t>
+            </a:r>
+          </a:p>
+        </p:txBody>
+      </p:sp>
+    </p:spTree>
+    <p:extLst>
+      <p:ext uri="{BB962C8B-B14F-4D97-AF65-F5344CB8AC3E}">
+        <p14:creationId xmlns:p14="http://schemas.microsoft.com/office/powerpoint/2010/main" val="3715477961"/>
+      </p:ext>
+    </p:extLst>
+  </p:cSld>
+  <p:clrMapOvr>
+    <a:masterClrMapping/>
+  </p:clrMapOvr>
+</p:sld>
+</file>
+
 <file path=ppt/slides/slide2.xml><?xml version="1.0" encoding="utf-8"?>
 <p:sld xmlns:a="http://schemas.openxmlformats.org/drawingml/2006/main" xmlns:r="http://schemas.openxmlformats.org/officeDocument/2006/relationships" xmlns:p="http://schemas.openxmlformats.org/presentationml/2006/main">
   <p:cSld>
@@ -7061,6 +8146,1910 @@
     <p:extLst>
       <p:ext uri="{BB962C8B-B14F-4D97-AF65-F5344CB8AC3E}">
         <p14:creationId xmlns:p14="http://schemas.microsoft.com/office/powerpoint/2010/main" val="4134170148"/>
+      </p:ext>
+    </p:extLst>
+  </p:cSld>
+  <p:clrMapOvr>
+    <a:masterClrMapping/>
+  </p:clrMapOvr>
+</p:sld>
+</file>
+
+<file path=ppt/slides/slide7.xml><?xml version="1.0" encoding="utf-8"?>
+<p:sld xmlns:a="http://schemas.openxmlformats.org/drawingml/2006/main" xmlns:r="http://schemas.openxmlformats.org/officeDocument/2006/relationships" xmlns:p="http://schemas.openxmlformats.org/presentationml/2006/main">
+  <p:cSld>
+    <p:spTree>
+      <p:nvGrpSpPr>
+        <p:cNvPr id="1" name=""/>
+        <p:cNvGrpSpPr/>
+        <p:nvPr/>
+      </p:nvGrpSpPr>
+      <p:grpSpPr>
+        <a:xfrm>
+          <a:off x="0" y="0"/>
+          <a:ext cx="0" cy="0"/>
+          <a:chOff x="0" y="0"/>
+          <a:chExt cx="0" cy="0"/>
+        </a:xfrm>
+      </p:grpSpPr>
+      <p:sp>
+        <p:nvSpPr>
+          <p:cNvPr id="2" name="Título 1">
+            <a:extLst>
+              <a:ext uri="{FF2B5EF4-FFF2-40B4-BE49-F238E27FC236}">
+                <a16:creationId xmlns:a16="http://schemas.microsoft.com/office/drawing/2014/main" id="{170E1C7B-3B61-426A-8A32-66DA429F233D}"/>
+              </a:ext>
+            </a:extLst>
+          </p:cNvPr>
+          <p:cNvSpPr>
+            <a:spLocks noGrp="1"/>
+          </p:cNvSpPr>
+          <p:nvPr>
+            <p:ph type="title"/>
+          </p:nvPr>
+        </p:nvSpPr>
+        <p:spPr/>
+        <p:txBody>
+          <a:bodyPr/>
+          <a:lstStyle/>
+          <a:p>
+            <a:r>
+              <a:rPr lang="es-ES" dirty="0"/>
+              <a:t>Basé DE DATOS</a:t>
+            </a:r>
+          </a:p>
+        </p:txBody>
+      </p:sp>
+      <p:pic>
+        <p:nvPicPr>
+          <p:cNvPr id="4" name="Marcador de contenido 3">
+            <a:extLst>
+              <a:ext uri="{FF2B5EF4-FFF2-40B4-BE49-F238E27FC236}">
+                <a16:creationId xmlns:a16="http://schemas.microsoft.com/office/drawing/2014/main" id="{9880D042-0C97-4725-BAA6-9320C1F6E4AF}"/>
+              </a:ext>
+            </a:extLst>
+          </p:cNvPr>
+          <p:cNvPicPr>
+            <a:picLocks noGrp="1" noChangeAspect="1"/>
+          </p:cNvPicPr>
+          <p:nvPr>
+            <p:ph idx="1"/>
+          </p:nvPr>
+        </p:nvPicPr>
+        <p:blipFill>
+          <a:blip r:embed="rId2"/>
+          <a:srcRect/>
+          <a:stretch/>
+        </p:blipFill>
+        <p:spPr>
+          <a:xfrm>
+            <a:off x="243669" y="4752975"/>
+            <a:ext cx="6545826" cy="1572795"/>
+          </a:xfrm>
+          <a:prstGeom prst="roundRect">
+            <a:avLst>
+              <a:gd name="adj" fmla="val 4167"/>
+            </a:avLst>
+          </a:prstGeom>
+          <a:solidFill>
+            <a:srgbClr val="FFFFFF"/>
+          </a:solidFill>
+          <a:ln w="76200" cap="sq">
+            <a:solidFill>
+              <a:srgbClr val="EAEAEA"/>
+            </a:solidFill>
+            <a:miter lim="800000"/>
+          </a:ln>
+          <a:effectLst>
+            <a:reflection blurRad="12700" stA="33000" endPos="28000" dist="5000" dir="5400000" sy="-100000" algn="bl" rotWithShape="0"/>
+          </a:effectLst>
+          <a:scene3d>
+            <a:camera prst="orthographicFront"/>
+            <a:lightRig rig="threePt" dir="t">
+              <a:rot lat="0" lon="0" rev="2700000"/>
+            </a:lightRig>
+          </a:scene3d>
+          <a:sp3d contourW="6350">
+            <a:bevelT h="38100"/>
+            <a:contourClr>
+              <a:srgbClr val="C0C0C0"/>
+            </a:contourClr>
+          </a:sp3d>
+        </p:spPr>
+      </p:pic>
+      <p:pic>
+        <p:nvPicPr>
+          <p:cNvPr id="5" name="Marcador de contenido 3">
+            <a:extLst>
+              <a:ext uri="{FF2B5EF4-FFF2-40B4-BE49-F238E27FC236}">
+                <a16:creationId xmlns:a16="http://schemas.microsoft.com/office/drawing/2014/main" id="{3F5AE9CF-7A6E-4589-96F9-8BB23EABD9F8}"/>
+              </a:ext>
+            </a:extLst>
+          </p:cNvPr>
+          <p:cNvPicPr>
+            <a:picLocks noChangeAspect="1"/>
+          </p:cNvPicPr>
+          <p:nvPr/>
+        </p:nvPicPr>
+        <p:blipFill>
+          <a:blip r:embed="rId3"/>
+          <a:srcRect/>
+          <a:stretch/>
+        </p:blipFill>
+        <p:spPr>
+          <a:xfrm>
+            <a:off x="7145404" y="4590933"/>
+            <a:ext cx="4465404" cy="1899508"/>
+          </a:xfrm>
+          <a:prstGeom prst="roundRect">
+            <a:avLst>
+              <a:gd name="adj" fmla="val 4167"/>
+            </a:avLst>
+          </a:prstGeom>
+          <a:solidFill>
+            <a:srgbClr val="FFFFFF"/>
+          </a:solidFill>
+          <a:ln w="76200" cap="sq">
+            <a:solidFill>
+              <a:srgbClr val="EAEAEA"/>
+            </a:solidFill>
+            <a:miter lim="800000"/>
+          </a:ln>
+          <a:effectLst>
+            <a:reflection blurRad="12700" stA="33000" endPos="28000" dist="5000" dir="5400000" sy="-100000" algn="bl" rotWithShape="0"/>
+          </a:effectLst>
+          <a:scene3d>
+            <a:camera prst="orthographicFront"/>
+            <a:lightRig rig="threePt" dir="t">
+              <a:rot lat="0" lon="0" rev="2700000"/>
+            </a:lightRig>
+          </a:scene3d>
+          <a:sp3d contourW="6350">
+            <a:bevelT h="38100"/>
+            <a:contourClr>
+              <a:srgbClr val="C0C0C0"/>
+            </a:contourClr>
+          </a:sp3d>
+        </p:spPr>
+      </p:pic>
+      <p:sp>
+        <p:nvSpPr>
+          <p:cNvPr id="7" name="Marcador de contenido 2">
+            <a:extLst>
+              <a:ext uri="{FF2B5EF4-FFF2-40B4-BE49-F238E27FC236}">
+                <a16:creationId xmlns:a16="http://schemas.microsoft.com/office/drawing/2014/main" id="{5F43AECF-67B7-425F-8B25-21D7B94ED6A6}"/>
+              </a:ext>
+            </a:extLst>
+          </p:cNvPr>
+          <p:cNvSpPr txBox="1">
+            <a:spLocks/>
+          </p:cNvSpPr>
+          <p:nvPr/>
+        </p:nvSpPr>
+        <p:spPr>
+          <a:xfrm>
+            <a:off x="581194" y="1948649"/>
+            <a:ext cx="10962058" cy="2455571"/>
+          </a:xfrm>
+          <a:prstGeom prst="rect">
+            <a:avLst/>
+          </a:prstGeom>
+        </p:spPr>
+        <p:txBody>
+          <a:bodyPr vert="horz" lIns="91440" tIns="45720" rIns="91440" bIns="45720" rtlCol="0" anchor="ctr">
+            <a:normAutofit fontScale="85000" lnSpcReduction="10000"/>
+          </a:bodyPr>
+          <a:lstStyle>
+            <a:lvl1pPr marL="306000" indent="-306000" algn="l" defTabSz="457200" rtl="0" eaLnBrk="1" latinLnBrk="0" hangingPunct="1">
+              <a:spcBef>
+                <a:spcPct val="20000"/>
+              </a:spcBef>
+              <a:spcAft>
+                <a:spcPts val="600"/>
+              </a:spcAft>
+              <a:buClr>
+                <a:schemeClr val="accent2"/>
+              </a:buClr>
+              <a:buSzPct val="92000"/>
+              <a:buFont typeface="Wingdings 2" panose="05020102010507070707" pitchFamily="18" charset="2"/>
+              <a:buChar char=""/>
+              <a:defRPr sz="1800" kern="1200">
+                <a:solidFill>
+                  <a:schemeClr val="tx2"/>
+                </a:solidFill>
+                <a:latin typeface="+mn-lt"/>
+                <a:ea typeface="+mn-ea"/>
+                <a:cs typeface="+mn-cs"/>
+              </a:defRPr>
+            </a:lvl1pPr>
+            <a:lvl2pPr marL="630000" indent="-306000" algn="l" defTabSz="457200" rtl="0" eaLnBrk="1" latinLnBrk="0" hangingPunct="1">
+              <a:spcBef>
+                <a:spcPct val="20000"/>
+              </a:spcBef>
+              <a:spcAft>
+                <a:spcPts val="600"/>
+              </a:spcAft>
+              <a:buClr>
+                <a:schemeClr val="accent2"/>
+              </a:buClr>
+              <a:buSzPct val="92000"/>
+              <a:buFont typeface="Wingdings 2" panose="05020102010507070707" pitchFamily="18" charset="2"/>
+              <a:buChar char=""/>
+              <a:defRPr sz="1600" kern="1200">
+                <a:solidFill>
+                  <a:schemeClr val="tx2"/>
+                </a:solidFill>
+                <a:latin typeface="+mn-lt"/>
+                <a:ea typeface="+mn-ea"/>
+                <a:cs typeface="+mn-cs"/>
+              </a:defRPr>
+            </a:lvl2pPr>
+            <a:lvl3pPr marL="900000" indent="-270000" algn="l" defTabSz="457200" rtl="0" eaLnBrk="1" latinLnBrk="0" hangingPunct="1">
+              <a:spcBef>
+                <a:spcPct val="20000"/>
+              </a:spcBef>
+              <a:spcAft>
+                <a:spcPts val="600"/>
+              </a:spcAft>
+              <a:buClr>
+                <a:schemeClr val="accent2"/>
+              </a:buClr>
+              <a:buSzPct val="92000"/>
+              <a:buFont typeface="Wingdings 2" panose="05020102010507070707" pitchFamily="18" charset="2"/>
+              <a:buChar char=""/>
+              <a:defRPr sz="1400" kern="1200">
+                <a:solidFill>
+                  <a:schemeClr val="tx2"/>
+                </a:solidFill>
+                <a:latin typeface="+mn-lt"/>
+                <a:ea typeface="+mn-ea"/>
+                <a:cs typeface="+mn-cs"/>
+              </a:defRPr>
+            </a:lvl3pPr>
+            <a:lvl4pPr marL="1242000" indent="-234000" algn="l" defTabSz="457200" rtl="0" eaLnBrk="1" latinLnBrk="0" hangingPunct="1">
+              <a:spcBef>
+                <a:spcPct val="20000"/>
+              </a:spcBef>
+              <a:spcAft>
+                <a:spcPts val="600"/>
+              </a:spcAft>
+              <a:buClr>
+                <a:schemeClr val="accent2"/>
+              </a:buClr>
+              <a:buSzPct val="92000"/>
+              <a:buFont typeface="Wingdings 2" panose="05020102010507070707" pitchFamily="18" charset="2"/>
+              <a:buChar char=""/>
+              <a:defRPr sz="1200" kern="1200">
+                <a:solidFill>
+                  <a:schemeClr val="tx2"/>
+                </a:solidFill>
+                <a:latin typeface="+mn-lt"/>
+                <a:ea typeface="+mn-ea"/>
+                <a:cs typeface="+mn-cs"/>
+              </a:defRPr>
+            </a:lvl4pPr>
+            <a:lvl5pPr marL="1602000" indent="-234000" algn="l" defTabSz="457200" rtl="0" eaLnBrk="1" latinLnBrk="0" hangingPunct="1">
+              <a:spcBef>
+                <a:spcPct val="20000"/>
+              </a:spcBef>
+              <a:spcAft>
+                <a:spcPts val="600"/>
+              </a:spcAft>
+              <a:buClr>
+                <a:schemeClr val="accent2"/>
+              </a:buClr>
+              <a:buSzPct val="92000"/>
+              <a:buFont typeface="Wingdings 2" panose="05020102010507070707" pitchFamily="18" charset="2"/>
+              <a:buChar char=""/>
+              <a:defRPr sz="1200" kern="1200">
+                <a:solidFill>
+                  <a:schemeClr val="tx2"/>
+                </a:solidFill>
+                <a:latin typeface="+mn-lt"/>
+                <a:ea typeface="+mn-ea"/>
+                <a:cs typeface="+mn-cs"/>
+              </a:defRPr>
+            </a:lvl5pPr>
+            <a:lvl6pPr marL="1900000" indent="-228600" algn="l" defTabSz="457200" rtl="0" eaLnBrk="1" latinLnBrk="0" hangingPunct="1">
+              <a:spcBef>
+                <a:spcPct val="20000"/>
+              </a:spcBef>
+              <a:spcAft>
+                <a:spcPts val="600"/>
+              </a:spcAft>
+              <a:buClr>
+                <a:schemeClr val="accent2"/>
+              </a:buClr>
+              <a:buSzPct val="92000"/>
+              <a:buFont typeface="Wingdings 2" panose="05020102010507070707" pitchFamily="18" charset="2"/>
+              <a:buChar char=""/>
+              <a:defRPr sz="1200" kern="1200">
+                <a:solidFill>
+                  <a:schemeClr val="tx2"/>
+                </a:solidFill>
+                <a:latin typeface="+mn-lt"/>
+                <a:ea typeface="+mn-ea"/>
+                <a:cs typeface="+mn-cs"/>
+              </a:defRPr>
+            </a:lvl6pPr>
+            <a:lvl7pPr marL="2200000" indent="-228600" algn="l" defTabSz="457200" rtl="0" eaLnBrk="1" latinLnBrk="0" hangingPunct="1">
+              <a:spcBef>
+                <a:spcPct val="20000"/>
+              </a:spcBef>
+              <a:spcAft>
+                <a:spcPts val="600"/>
+              </a:spcAft>
+              <a:buClr>
+                <a:schemeClr val="accent2"/>
+              </a:buClr>
+              <a:buSzPct val="92000"/>
+              <a:buFont typeface="Wingdings 2" panose="05020102010507070707" pitchFamily="18" charset="2"/>
+              <a:buChar char=""/>
+              <a:defRPr sz="1200" kern="1200">
+                <a:solidFill>
+                  <a:schemeClr val="tx2"/>
+                </a:solidFill>
+                <a:latin typeface="+mn-lt"/>
+                <a:ea typeface="+mn-ea"/>
+                <a:cs typeface="+mn-cs"/>
+              </a:defRPr>
+            </a:lvl7pPr>
+            <a:lvl8pPr marL="2500000" indent="-228600" algn="l" defTabSz="457200" rtl="0" eaLnBrk="1" latinLnBrk="0" hangingPunct="1">
+              <a:spcBef>
+                <a:spcPct val="20000"/>
+              </a:spcBef>
+              <a:spcAft>
+                <a:spcPts val="600"/>
+              </a:spcAft>
+              <a:buClr>
+                <a:schemeClr val="accent2"/>
+              </a:buClr>
+              <a:buSzPct val="92000"/>
+              <a:buFont typeface="Wingdings 2" panose="05020102010507070707" pitchFamily="18" charset="2"/>
+              <a:buChar char=""/>
+              <a:defRPr sz="1200" kern="1200">
+                <a:solidFill>
+                  <a:schemeClr val="tx2"/>
+                </a:solidFill>
+                <a:latin typeface="+mn-lt"/>
+                <a:ea typeface="+mn-ea"/>
+                <a:cs typeface="+mn-cs"/>
+              </a:defRPr>
+            </a:lvl8pPr>
+            <a:lvl9pPr marL="2800000" indent="-228600" algn="l" defTabSz="457200" rtl="0" eaLnBrk="1" latinLnBrk="0" hangingPunct="1">
+              <a:spcBef>
+                <a:spcPct val="20000"/>
+              </a:spcBef>
+              <a:spcAft>
+                <a:spcPts val="600"/>
+              </a:spcAft>
+              <a:buClr>
+                <a:schemeClr val="accent2"/>
+              </a:buClr>
+              <a:buSzPct val="92000"/>
+              <a:buFont typeface="Wingdings 2" panose="05020102010507070707" pitchFamily="18" charset="2"/>
+              <a:buChar char=""/>
+              <a:defRPr sz="1200" kern="1200">
+                <a:solidFill>
+                  <a:schemeClr val="tx2"/>
+                </a:solidFill>
+                <a:latin typeface="+mn-lt"/>
+                <a:ea typeface="+mn-ea"/>
+                <a:cs typeface="+mn-cs"/>
+              </a:defRPr>
+            </a:lvl9pPr>
+          </a:lstStyle>
+          <a:p>
+            <a:r>
+              <a:rPr lang="es-ES" sz="2800" dirty="0"/>
+              <a:t>Utilizamos dos bases de datos en nuestra aplicación como podéis ver en las imágenes.</a:t>
+            </a:r>
+          </a:p>
+          <a:p>
+            <a:r>
+              <a:rPr lang="es-ES" sz="2800" dirty="0"/>
+              <a:t>El motivo es la tabla funciones nos daba muchas limitaciones para la implementación de un crud por ese motivo decidimos sustituirla por otras tablas.</a:t>
+            </a:r>
+          </a:p>
+          <a:p>
+            <a:r>
+              <a:rPr lang="es-ES" sz="2800" dirty="0"/>
+              <a:t>La base de datos que nos pidió la empresa es la de funciones la de coches se realizo simplemente para la integración del crud en la entrega.</a:t>
+            </a:r>
+          </a:p>
+        </p:txBody>
+      </p:sp>
+    </p:spTree>
+    <p:extLst>
+      <p:ext uri="{BB962C8B-B14F-4D97-AF65-F5344CB8AC3E}">
+        <p14:creationId xmlns:p14="http://schemas.microsoft.com/office/powerpoint/2010/main" val="932921180"/>
+      </p:ext>
+    </p:extLst>
+  </p:cSld>
+  <p:clrMapOvr>
+    <a:masterClrMapping/>
+  </p:clrMapOvr>
+</p:sld>
+</file>
+
+<file path=ppt/slides/slide8.xml><?xml version="1.0" encoding="utf-8"?>
+<p:sld xmlns:a="http://schemas.openxmlformats.org/drawingml/2006/main" xmlns:r="http://schemas.openxmlformats.org/officeDocument/2006/relationships" xmlns:p="http://schemas.openxmlformats.org/presentationml/2006/main">
+  <p:cSld>
+    <p:bg>
+      <p:bgPr>
+        <a:solidFill>
+          <a:schemeClr val="bg1"/>
+        </a:solidFill>
+        <a:effectLst/>
+      </p:bgPr>
+    </p:bg>
+    <p:spTree>
+      <p:nvGrpSpPr>
+        <p:cNvPr id="1" name=""/>
+        <p:cNvGrpSpPr/>
+        <p:nvPr/>
+      </p:nvGrpSpPr>
+      <p:grpSpPr>
+        <a:xfrm>
+          <a:off x="0" y="0"/>
+          <a:ext cx="0" cy="0"/>
+          <a:chOff x="0" y="0"/>
+          <a:chExt cx="0" cy="0"/>
+        </a:xfrm>
+      </p:grpSpPr>
+      <p:sp>
+        <p:nvSpPr>
+          <p:cNvPr id="12" name="Rectangle 11">
+            <a:extLst>
+              <a:ext uri="{FF2B5EF4-FFF2-40B4-BE49-F238E27FC236}">
+                <a16:creationId xmlns:a16="http://schemas.microsoft.com/office/drawing/2014/main" id="{2928117C-9446-4E7F-AE62-95E0F6DB5B27}"/>
+              </a:ext>
+              <a:ext uri="{C183D7F6-B498-43B3-948B-1728B52AA6E4}">
+                <adec:decorative xmlns:adec="http://schemas.microsoft.com/office/drawing/2017/decorative" val="1"/>
+              </a:ext>
+            </a:extLst>
+          </p:cNvPr>
+          <p:cNvSpPr>
+            <a:spLocks noGrp="1" noRot="1" noChangeAspect="1" noMove="1" noResize="1" noEditPoints="1" noAdjustHandles="1" noChangeArrowheads="1" noChangeShapeType="1" noTextEdit="1"/>
+          </p:cNvSpPr>
+          <p:nvPr>
+            <p:extLst>
+              <p:ext uri="{386F3935-93C4-4BCD-93E2-E3B085C9AB24}">
+                <p16:designElem xmlns:p16="http://schemas.microsoft.com/office/powerpoint/2015/main" val="1"/>
+              </p:ext>
+            </p:extLst>
+          </p:nvPr>
+        </p:nvSpPr>
+        <p:spPr>
+          <a:xfrm>
+            <a:off x="446534" y="457200"/>
+            <a:ext cx="3703320" cy="94997"/>
+          </a:xfrm>
+          <a:prstGeom prst="rect">
+            <a:avLst/>
+          </a:prstGeom>
+          <a:solidFill>
+            <a:schemeClr val="accent1"/>
+          </a:solidFill>
+          <a:ln>
+            <a:noFill/>
+          </a:ln>
+          <a:effectLst/>
+        </p:spPr>
+        <p:style>
+          <a:lnRef idx="1">
+            <a:schemeClr val="accent1"/>
+          </a:lnRef>
+          <a:fillRef idx="3">
+            <a:schemeClr val="accent1"/>
+          </a:fillRef>
+          <a:effectRef idx="2">
+            <a:schemeClr val="accent1"/>
+          </a:effectRef>
+          <a:fontRef idx="minor">
+            <a:schemeClr val="lt1"/>
+          </a:fontRef>
+        </p:style>
+      </p:sp>
+      <p:sp>
+        <p:nvSpPr>
+          <p:cNvPr id="14" name="Rectangle 13">
+            <a:extLst>
+              <a:ext uri="{FF2B5EF4-FFF2-40B4-BE49-F238E27FC236}">
+                <a16:creationId xmlns:a16="http://schemas.microsoft.com/office/drawing/2014/main" id="{84D30AFB-4D71-48B0-AA00-28EE92363A5F}"/>
+              </a:ext>
+              <a:ext uri="{C183D7F6-B498-43B3-948B-1728B52AA6E4}">
+                <adec:decorative xmlns:adec="http://schemas.microsoft.com/office/drawing/2017/decorative" val="1"/>
+              </a:ext>
+            </a:extLst>
+          </p:cNvPr>
+          <p:cNvSpPr>
+            <a:spLocks noGrp="1" noRot="1" noChangeAspect="1" noMove="1" noResize="1" noEditPoints="1" noAdjustHandles="1" noChangeArrowheads="1" noChangeShapeType="1" noTextEdit="1"/>
+          </p:cNvSpPr>
+          <p:nvPr>
+            <p:extLst>
+              <p:ext uri="{386F3935-93C4-4BCD-93E2-E3B085C9AB24}">
+                <p16:designElem xmlns:p16="http://schemas.microsoft.com/office/powerpoint/2015/main" val="1"/>
+              </p:ext>
+            </p:extLst>
+          </p:nvPr>
+        </p:nvSpPr>
+        <p:spPr>
+          <a:xfrm>
+            <a:off x="8042147" y="453643"/>
+            <a:ext cx="3703320" cy="98554"/>
+          </a:xfrm>
+          <a:prstGeom prst="rect">
+            <a:avLst/>
+          </a:prstGeom>
+          <a:solidFill>
+            <a:schemeClr val="accent4"/>
+          </a:solidFill>
+          <a:ln>
+            <a:noFill/>
+          </a:ln>
+          <a:effectLst/>
+        </p:spPr>
+        <p:style>
+          <a:lnRef idx="1">
+            <a:schemeClr val="accent1"/>
+          </a:lnRef>
+          <a:fillRef idx="3">
+            <a:schemeClr val="accent1"/>
+          </a:fillRef>
+          <a:effectRef idx="2">
+            <a:schemeClr val="accent1"/>
+          </a:effectRef>
+          <a:fontRef idx="minor">
+            <a:schemeClr val="lt1"/>
+          </a:fontRef>
+        </p:style>
+      </p:sp>
+      <p:sp>
+        <p:nvSpPr>
+          <p:cNvPr id="16" name="Rectangle 15">
+            <a:extLst>
+              <a:ext uri="{FF2B5EF4-FFF2-40B4-BE49-F238E27FC236}">
+                <a16:creationId xmlns:a16="http://schemas.microsoft.com/office/drawing/2014/main" id="{96A0B76F-8010-4C62-B4B6-C5FC438C059E}"/>
+              </a:ext>
+              <a:ext uri="{C183D7F6-B498-43B3-948B-1728B52AA6E4}">
+                <adec:decorative xmlns:adec="http://schemas.microsoft.com/office/drawing/2017/decorative" val="1"/>
+              </a:ext>
+            </a:extLst>
+          </p:cNvPr>
+          <p:cNvSpPr>
+            <a:spLocks noGrp="1" noRot="1" noChangeAspect="1" noMove="1" noResize="1" noEditPoints="1" noAdjustHandles="1" noChangeArrowheads="1" noChangeShapeType="1" noTextEdit="1"/>
+          </p:cNvSpPr>
+          <p:nvPr>
+            <p:extLst>
+              <p:ext uri="{386F3935-93C4-4BCD-93E2-E3B085C9AB24}">
+                <p16:designElem xmlns:p16="http://schemas.microsoft.com/office/powerpoint/2015/main" val="1"/>
+              </p:ext>
+            </p:extLst>
+          </p:nvPr>
+        </p:nvSpPr>
+        <p:spPr>
+          <a:xfrm>
+            <a:off x="4241830" y="457200"/>
+            <a:ext cx="3703320" cy="91440"/>
+          </a:xfrm>
+          <a:prstGeom prst="rect">
+            <a:avLst/>
+          </a:prstGeom>
+          <a:solidFill>
+            <a:schemeClr val="accent2"/>
+          </a:solidFill>
+          <a:ln>
+            <a:noFill/>
+          </a:ln>
+          <a:effectLst/>
+        </p:spPr>
+        <p:style>
+          <a:lnRef idx="1">
+            <a:schemeClr val="accent1"/>
+          </a:lnRef>
+          <a:fillRef idx="3">
+            <a:schemeClr val="accent1"/>
+          </a:fillRef>
+          <a:effectRef idx="2">
+            <a:schemeClr val="accent1"/>
+          </a:effectRef>
+          <a:fontRef idx="minor">
+            <a:schemeClr val="lt1"/>
+          </a:fontRef>
+        </p:style>
+      </p:sp>
+      <p:sp>
+        <p:nvSpPr>
+          <p:cNvPr id="18" name="Rectangle 17">
+            <a:extLst>
+              <a:ext uri="{FF2B5EF4-FFF2-40B4-BE49-F238E27FC236}">
+                <a16:creationId xmlns:a16="http://schemas.microsoft.com/office/drawing/2014/main" id="{9FC936C0-4624-438D-BDD0-6B296BD6409D}"/>
+              </a:ext>
+              <a:ext uri="{C183D7F6-B498-43B3-948B-1728B52AA6E4}">
+                <adec:decorative xmlns:adec="http://schemas.microsoft.com/office/drawing/2017/decorative" val="1"/>
+              </a:ext>
+            </a:extLst>
+          </p:cNvPr>
+          <p:cNvSpPr>
+            <a:spLocks noGrp="1" noRot="1" noChangeAspect="1" noMove="1" noResize="1" noEditPoints="1" noAdjustHandles="1" noChangeArrowheads="1" noChangeShapeType="1" noTextEdit="1"/>
+          </p:cNvSpPr>
+          <p:nvPr>
+            <p:extLst>
+              <p:ext uri="{386F3935-93C4-4BCD-93E2-E3B085C9AB24}">
+                <p16:designElem xmlns:p16="http://schemas.microsoft.com/office/powerpoint/2015/main" val="1"/>
+              </p:ext>
+            </p:extLst>
+          </p:nvPr>
+        </p:nvSpPr>
+        <p:spPr>
+          <a:xfrm>
+            <a:off x="446534" y="3085765"/>
+            <a:ext cx="11262866" cy="3304800"/>
+          </a:xfrm>
+          <a:prstGeom prst="rect">
+            <a:avLst/>
+          </a:prstGeom>
+          <a:solidFill>
+            <a:schemeClr val="accent1"/>
+          </a:solidFill>
+          <a:ln>
+            <a:noFill/>
+          </a:ln>
+          <a:effectLst/>
+        </p:spPr>
+        <p:style>
+          <a:lnRef idx="1">
+            <a:schemeClr val="accent1"/>
+          </a:lnRef>
+          <a:fillRef idx="3">
+            <a:schemeClr val="accent1"/>
+          </a:fillRef>
+          <a:effectRef idx="2">
+            <a:schemeClr val="accent1"/>
+          </a:effectRef>
+          <a:fontRef idx="minor">
+            <a:schemeClr val="lt1"/>
+          </a:fontRef>
+        </p:style>
+      </p:sp>
+      <p:sp useBgFill="1">
+        <p:nvSpPr>
+          <p:cNvPr id="20" name="Rectangle 19">
+            <a:extLst>
+              <a:ext uri="{FF2B5EF4-FFF2-40B4-BE49-F238E27FC236}">
+                <a16:creationId xmlns:a16="http://schemas.microsoft.com/office/drawing/2014/main" id="{52A5E297-FCC0-4CBB-B0F2-AD10B61FABD2}"/>
+              </a:ext>
+              <a:ext uri="{C183D7F6-B498-43B3-948B-1728B52AA6E4}">
+                <adec:decorative xmlns:adec="http://schemas.microsoft.com/office/drawing/2017/decorative" val="1"/>
+              </a:ext>
+            </a:extLst>
+          </p:cNvPr>
+          <p:cNvSpPr>
+            <a:spLocks noGrp="1" noRot="1" noChangeAspect="1" noMove="1" noResize="1" noEditPoints="1" noAdjustHandles="1" noChangeArrowheads="1" noChangeShapeType="1" noTextEdit="1"/>
+          </p:cNvSpPr>
+          <p:nvPr>
+            <p:extLst>
+              <p:ext uri="{386F3935-93C4-4BCD-93E2-E3B085C9AB24}">
+                <p16:designElem xmlns:p16="http://schemas.microsoft.com/office/powerpoint/2015/main" val="1"/>
+              </p:ext>
+            </p:extLst>
+          </p:nvPr>
+        </p:nvSpPr>
+        <p:spPr>
+          <a:xfrm>
+            <a:off x="0" y="1"/>
+            <a:ext cx="12191999" cy="6858000"/>
+          </a:xfrm>
+          <a:prstGeom prst="rect">
+            <a:avLst/>
+          </a:prstGeom>
+          <a:ln>
+            <a:noFill/>
+          </a:ln>
+        </p:spPr>
+        <p:style>
+          <a:lnRef idx="2">
+            <a:schemeClr val="accent1">
+              <a:shade val="50000"/>
+            </a:schemeClr>
+          </a:lnRef>
+          <a:fillRef idx="1">
+            <a:schemeClr val="accent1"/>
+          </a:fillRef>
+          <a:effectRef idx="0">
+            <a:schemeClr val="accent1"/>
+          </a:effectRef>
+          <a:fontRef idx="minor">
+            <a:schemeClr val="lt1"/>
+          </a:fontRef>
+        </p:style>
+        <p:txBody>
+          <a:bodyPr rtlCol="0" anchor="ctr"/>
+          <a:lstStyle/>
+          <a:p>
+            <a:pPr algn="ctr"/>
+            <a:endParaRPr lang="en-US"/>
+          </a:p>
+        </p:txBody>
+      </p:sp>
+      <p:sp>
+        <p:nvSpPr>
+          <p:cNvPr id="22" name="Rectangle 21">
+            <a:extLst>
+              <a:ext uri="{FF2B5EF4-FFF2-40B4-BE49-F238E27FC236}">
+                <a16:creationId xmlns:a16="http://schemas.microsoft.com/office/drawing/2014/main" id="{2F7FBDA2-CA1E-4D12-868A-9193C9AA7B9D}"/>
+              </a:ext>
+              <a:ext uri="{C183D7F6-B498-43B3-948B-1728B52AA6E4}">
+                <adec:decorative xmlns:adec="http://schemas.microsoft.com/office/drawing/2017/decorative" val="1"/>
+              </a:ext>
+            </a:extLst>
+          </p:cNvPr>
+          <p:cNvSpPr>
+            <a:spLocks noGrp="1" noRot="1" noChangeAspect="1" noMove="1" noResize="1" noEditPoints="1" noAdjustHandles="1" noChangeArrowheads="1" noChangeShapeType="1" noTextEdit="1"/>
+          </p:cNvSpPr>
+          <p:nvPr>
+            <p:extLst>
+              <p:ext uri="{386F3935-93C4-4BCD-93E2-E3B085C9AB24}">
+                <p16:designElem xmlns:p16="http://schemas.microsoft.com/office/powerpoint/2015/main" val="1"/>
+              </p:ext>
+            </p:extLst>
+          </p:nvPr>
+        </p:nvSpPr>
+        <p:spPr>
+          <a:xfrm>
+            <a:off x="4252873" y="734134"/>
+            <a:ext cx="7498616" cy="5666666"/>
+          </a:xfrm>
+          <a:prstGeom prst="rect">
+            <a:avLst/>
+          </a:prstGeom>
+          <a:solidFill>
+            <a:schemeClr val="accent1"/>
+          </a:solidFill>
+          <a:ln>
+            <a:noFill/>
+          </a:ln>
+          <a:effectLst/>
+        </p:spPr>
+        <p:style>
+          <a:lnRef idx="1">
+            <a:schemeClr val="accent1"/>
+          </a:lnRef>
+          <a:fillRef idx="3">
+            <a:schemeClr val="accent1"/>
+          </a:fillRef>
+          <a:effectRef idx="2">
+            <a:schemeClr val="accent1"/>
+          </a:effectRef>
+          <a:fontRef idx="minor">
+            <a:schemeClr val="lt1"/>
+          </a:fontRef>
+        </p:style>
+      </p:sp>
+      <p:sp>
+        <p:nvSpPr>
+          <p:cNvPr id="2" name="Título 1">
+            <a:extLst>
+              <a:ext uri="{FF2B5EF4-FFF2-40B4-BE49-F238E27FC236}">
+                <a16:creationId xmlns:a16="http://schemas.microsoft.com/office/drawing/2014/main" id="{170E1C7B-3B61-426A-8A32-66DA429F233D}"/>
+              </a:ext>
+            </a:extLst>
+          </p:cNvPr>
+          <p:cNvSpPr>
+            <a:spLocks noGrp="1"/>
+          </p:cNvSpPr>
+          <p:nvPr>
+            <p:ph type="title"/>
+          </p:nvPr>
+        </p:nvSpPr>
+        <p:spPr>
+          <a:xfrm>
+            <a:off x="4463833" y="907149"/>
+            <a:ext cx="6798608" cy="2085869"/>
+          </a:xfrm>
+        </p:spPr>
+        <p:txBody>
+          <a:bodyPr vert="horz" lIns="91440" tIns="45720" rIns="91440" bIns="45720" rtlCol="0" anchor="b">
+            <a:normAutofit/>
+          </a:bodyPr>
+          <a:lstStyle/>
+          <a:p>
+            <a:pPr algn="ctr"/>
+            <a:r>
+              <a:rPr lang="es-ES" sz="3600" dirty="0"/>
+              <a:t>Diagrama de nuestra base de datos principal</a:t>
+            </a:r>
+            <a:endParaRPr lang="en-US" sz="3600" dirty="0">
+              <a:solidFill>
+                <a:srgbClr val="FFFFFF"/>
+              </a:solidFill>
+            </a:endParaRPr>
+          </a:p>
+        </p:txBody>
+      </p:sp>
+      <p:grpSp>
+        <p:nvGrpSpPr>
+          <p:cNvPr id="24" name="Group 23">
+            <a:extLst>
+              <a:ext uri="{FF2B5EF4-FFF2-40B4-BE49-F238E27FC236}">
+                <a16:creationId xmlns:a16="http://schemas.microsoft.com/office/drawing/2014/main" id="{C3E10249-5CE7-46B7-BF63-CADFE9DC1936}"/>
+              </a:ext>
+              <a:ext uri="{C183D7F6-B498-43B3-948B-1728B52AA6E4}">
+                <adec:decorative xmlns:adec="http://schemas.microsoft.com/office/drawing/2017/decorative" val="1"/>
+              </a:ext>
+            </a:extLst>
+          </p:cNvPr>
+          <p:cNvGrpSpPr>
+            <a:grpSpLocks noGrp="1" noUngrp="1" noRot="1" noChangeAspect="1" noMove="1" noResize="1"/>
+          </p:cNvGrpSpPr>
+          <p:nvPr>
+            <p:extLst>
+              <p:ext uri="{386F3935-93C4-4BCD-93E2-E3B085C9AB24}">
+                <p16:designElem xmlns:p16="http://schemas.microsoft.com/office/powerpoint/2015/main" val="1"/>
+              </p:ext>
+            </p:extLst>
+          </p:nvPr>
+        </p:nvGrpSpPr>
+        <p:grpSpPr>
+          <a:xfrm>
+            <a:off x="446534" y="453643"/>
+            <a:ext cx="11298933" cy="98554"/>
+            <a:chOff x="446534" y="453643"/>
+            <a:chExt cx="11298933" cy="98554"/>
+          </a:xfrm>
+        </p:grpSpPr>
+        <p:sp>
+          <p:nvSpPr>
+            <p:cNvPr id="25" name="Rectangle 24">
+              <a:extLst>
+                <a:ext uri="{FF2B5EF4-FFF2-40B4-BE49-F238E27FC236}">
+                  <a16:creationId xmlns:a16="http://schemas.microsoft.com/office/drawing/2014/main" id="{E0A0B672-D861-46A7-A5CE-F47D2E89CAB4}"/>
+                </a:ext>
+                <a:ext uri="{C183D7F6-B498-43B3-948B-1728B52AA6E4}">
+                  <adec:decorative xmlns:adec="http://schemas.microsoft.com/office/drawing/2017/decorative" val="1"/>
+                </a:ext>
+              </a:extLst>
+            </p:cNvPr>
+            <p:cNvSpPr/>
+            <p:nvPr>
+              <p:extLst>
+                <p:ext uri="{386F3935-93C4-4BCD-93E2-E3B085C9AB24}">
+                  <p16:designElem xmlns:p16="http://schemas.microsoft.com/office/powerpoint/2015/main" val="1"/>
+                </p:ext>
+              </p:extLst>
+            </p:nvPr>
+          </p:nvSpPr>
+          <p:spPr>
+            <a:xfrm>
+              <a:off x="446534" y="457200"/>
+              <a:ext cx="3703320" cy="94997"/>
+            </a:xfrm>
+            <a:prstGeom prst="rect">
+              <a:avLst/>
+            </a:prstGeom>
+            <a:solidFill>
+              <a:schemeClr val="accent1"/>
+            </a:solidFill>
+            <a:ln>
+              <a:noFill/>
+            </a:ln>
+            <a:effectLst/>
+          </p:spPr>
+          <p:style>
+            <a:lnRef idx="1">
+              <a:schemeClr val="accent1"/>
+            </a:lnRef>
+            <a:fillRef idx="3">
+              <a:schemeClr val="accent1"/>
+            </a:fillRef>
+            <a:effectRef idx="2">
+              <a:schemeClr val="accent1"/>
+            </a:effectRef>
+            <a:fontRef idx="minor">
+              <a:schemeClr val="lt1"/>
+            </a:fontRef>
+          </p:style>
+        </p:sp>
+        <p:sp>
+          <p:nvSpPr>
+            <p:cNvPr id="26" name="Rectangle 25">
+              <a:extLst>
+                <a:ext uri="{FF2B5EF4-FFF2-40B4-BE49-F238E27FC236}">
+                  <a16:creationId xmlns:a16="http://schemas.microsoft.com/office/drawing/2014/main" id="{BE538C5F-339E-4E2E-9D0C-CB525B78A7B8}"/>
+                </a:ext>
+                <a:ext uri="{C183D7F6-B498-43B3-948B-1728B52AA6E4}">
+                  <adec:decorative xmlns:adec="http://schemas.microsoft.com/office/drawing/2017/decorative" val="1"/>
+                </a:ext>
+              </a:extLst>
+            </p:cNvPr>
+            <p:cNvSpPr/>
+            <p:nvPr>
+              <p:extLst>
+                <p:ext uri="{386F3935-93C4-4BCD-93E2-E3B085C9AB24}">
+                  <p16:designElem xmlns:p16="http://schemas.microsoft.com/office/powerpoint/2015/main" val="1"/>
+                </p:ext>
+              </p:extLst>
+            </p:nvPr>
+          </p:nvSpPr>
+          <p:spPr>
+            <a:xfrm>
+              <a:off x="8042147" y="453643"/>
+              <a:ext cx="3703320" cy="98554"/>
+            </a:xfrm>
+            <a:prstGeom prst="rect">
+              <a:avLst/>
+            </a:prstGeom>
+            <a:solidFill>
+              <a:schemeClr val="accent4"/>
+            </a:solidFill>
+            <a:ln>
+              <a:noFill/>
+            </a:ln>
+            <a:effectLst/>
+          </p:spPr>
+          <p:style>
+            <a:lnRef idx="1">
+              <a:schemeClr val="accent1"/>
+            </a:lnRef>
+            <a:fillRef idx="3">
+              <a:schemeClr val="accent1"/>
+            </a:fillRef>
+            <a:effectRef idx="2">
+              <a:schemeClr val="accent1"/>
+            </a:effectRef>
+            <a:fontRef idx="minor">
+              <a:schemeClr val="lt1"/>
+            </a:fontRef>
+          </p:style>
+        </p:sp>
+        <p:sp>
+          <p:nvSpPr>
+            <p:cNvPr id="27" name="Rectangle 26">
+              <a:extLst>
+                <a:ext uri="{FF2B5EF4-FFF2-40B4-BE49-F238E27FC236}">
+                  <a16:creationId xmlns:a16="http://schemas.microsoft.com/office/drawing/2014/main" id="{BEA4A019-FFF6-4EC2-9691-6488661102E3}"/>
+                </a:ext>
+                <a:ext uri="{C183D7F6-B498-43B3-948B-1728B52AA6E4}">
+                  <adec:decorative xmlns:adec="http://schemas.microsoft.com/office/drawing/2017/decorative" val="1"/>
+                </a:ext>
+              </a:extLst>
+            </p:cNvPr>
+            <p:cNvSpPr/>
+            <p:nvPr>
+              <p:extLst>
+                <p:ext uri="{386F3935-93C4-4BCD-93E2-E3B085C9AB24}">
+                  <p16:designElem xmlns:p16="http://schemas.microsoft.com/office/powerpoint/2015/main" val="1"/>
+                </p:ext>
+              </p:extLst>
+            </p:nvPr>
+          </p:nvSpPr>
+          <p:spPr>
+            <a:xfrm>
+              <a:off x="4241830" y="457200"/>
+              <a:ext cx="3703320" cy="91440"/>
+            </a:xfrm>
+            <a:prstGeom prst="rect">
+              <a:avLst/>
+            </a:prstGeom>
+            <a:solidFill>
+              <a:schemeClr val="accent2"/>
+            </a:solidFill>
+            <a:ln>
+              <a:noFill/>
+            </a:ln>
+            <a:effectLst/>
+          </p:spPr>
+          <p:style>
+            <a:lnRef idx="1">
+              <a:schemeClr val="accent1"/>
+            </a:lnRef>
+            <a:fillRef idx="3">
+              <a:schemeClr val="accent1"/>
+            </a:fillRef>
+            <a:effectRef idx="2">
+              <a:schemeClr val="accent1"/>
+            </a:effectRef>
+            <a:fontRef idx="minor">
+              <a:schemeClr val="lt1"/>
+            </a:fontRef>
+          </p:style>
+        </p:sp>
+      </p:grpSp>
+      <p:pic>
+        <p:nvPicPr>
+          <p:cNvPr id="7" name="Imagen 6">
+            <a:extLst>
+              <a:ext uri="{FF2B5EF4-FFF2-40B4-BE49-F238E27FC236}">
+                <a16:creationId xmlns:a16="http://schemas.microsoft.com/office/drawing/2014/main" id="{A79229E8-8B55-4F1C-861A-03DCB508D786}"/>
+              </a:ext>
+            </a:extLst>
+          </p:cNvPr>
+          <p:cNvPicPr>
+            <a:picLocks noChangeAspect="1"/>
+          </p:cNvPicPr>
+          <p:nvPr/>
+        </p:nvPicPr>
+        <p:blipFill>
+          <a:blip r:embed="rId2"/>
+          <a:srcRect/>
+          <a:stretch/>
+        </p:blipFill>
+        <p:spPr>
+          <a:xfrm>
+            <a:off x="404445" y="1541525"/>
+            <a:ext cx="3614433" cy="4051883"/>
+          </a:xfrm>
+          <a:prstGeom prst="roundRect">
+            <a:avLst>
+              <a:gd name="adj" fmla="val 4167"/>
+            </a:avLst>
+          </a:prstGeom>
+          <a:solidFill>
+            <a:srgbClr val="FFFFFF"/>
+          </a:solidFill>
+          <a:ln w="76200" cap="sq">
+            <a:solidFill>
+              <a:srgbClr val="EAEAEA"/>
+            </a:solidFill>
+            <a:miter lim="800000"/>
+          </a:ln>
+          <a:effectLst>
+            <a:reflection blurRad="12700" stA="33000" endPos="28000" dist="5000" dir="5400000" sy="-100000" algn="bl" rotWithShape="0"/>
+          </a:effectLst>
+          <a:scene3d>
+            <a:camera prst="orthographicFront"/>
+            <a:lightRig rig="threePt" dir="t">
+              <a:rot lat="0" lon="0" rev="2700000"/>
+            </a:lightRig>
+          </a:scene3d>
+          <a:sp3d contourW="6350">
+            <a:bevelT h="38100"/>
+            <a:contourClr>
+              <a:srgbClr val="C0C0C0"/>
+            </a:contourClr>
+          </a:sp3d>
+        </p:spPr>
+      </p:pic>
+      <p:sp>
+        <p:nvSpPr>
+          <p:cNvPr id="35" name="Título 1">
+            <a:extLst>
+              <a:ext uri="{FF2B5EF4-FFF2-40B4-BE49-F238E27FC236}">
+                <a16:creationId xmlns:a16="http://schemas.microsoft.com/office/drawing/2014/main" id="{296D5BB1-7954-4699-9564-D2BDA05B3E47}"/>
+              </a:ext>
+            </a:extLst>
+          </p:cNvPr>
+          <p:cNvSpPr txBox="1">
+            <a:spLocks/>
+          </p:cNvSpPr>
+          <p:nvPr/>
+        </p:nvSpPr>
+        <p:spPr>
+          <a:xfrm>
+            <a:off x="4404880" y="3299194"/>
+            <a:ext cx="7194601" cy="2698265"/>
+          </a:xfrm>
+          <a:prstGeom prst="rect">
+            <a:avLst/>
+          </a:prstGeom>
+        </p:spPr>
+        <p:txBody>
+          <a:bodyPr vert="horz" lIns="91440" tIns="45720" rIns="91440" bIns="45720" rtlCol="0" anchor="b">
+            <a:normAutofit fontScale="90000" lnSpcReduction="20000"/>
+          </a:bodyPr>
+          <a:lstStyle>
+            <a:lvl1pPr algn="l" defTabSz="457200" rtl="0" eaLnBrk="1" latinLnBrk="0" hangingPunct="1">
+              <a:spcBef>
+                <a:spcPct val="0"/>
+              </a:spcBef>
+              <a:buNone/>
+              <a:defRPr sz="2800" b="0" kern="1200" cap="all">
+                <a:solidFill>
+                  <a:schemeClr val="bg1"/>
+                </a:solidFill>
+                <a:latin typeface="+mj-lt"/>
+                <a:ea typeface="+mj-ea"/>
+                <a:cs typeface="+mj-cs"/>
+              </a:defRPr>
+            </a:lvl1pPr>
+            <a:lvl2pPr eaLnBrk="1" hangingPunct="1">
+              <a:defRPr>
+                <a:solidFill>
+                  <a:schemeClr val="tx2"/>
+                </a:solidFill>
+              </a:defRPr>
+            </a:lvl2pPr>
+            <a:lvl3pPr eaLnBrk="1" hangingPunct="1">
+              <a:defRPr>
+                <a:solidFill>
+                  <a:schemeClr val="tx2"/>
+                </a:solidFill>
+              </a:defRPr>
+            </a:lvl3pPr>
+            <a:lvl4pPr eaLnBrk="1" hangingPunct="1">
+              <a:defRPr>
+                <a:solidFill>
+                  <a:schemeClr val="tx2"/>
+                </a:solidFill>
+              </a:defRPr>
+            </a:lvl4pPr>
+            <a:lvl5pPr eaLnBrk="1" hangingPunct="1">
+              <a:defRPr>
+                <a:solidFill>
+                  <a:schemeClr val="tx2"/>
+                </a:solidFill>
+              </a:defRPr>
+            </a:lvl5pPr>
+            <a:lvl6pPr eaLnBrk="1" hangingPunct="1">
+              <a:defRPr>
+                <a:solidFill>
+                  <a:schemeClr val="tx2"/>
+                </a:solidFill>
+              </a:defRPr>
+            </a:lvl6pPr>
+            <a:lvl7pPr eaLnBrk="1" hangingPunct="1">
+              <a:defRPr>
+                <a:solidFill>
+                  <a:schemeClr val="tx2"/>
+                </a:solidFill>
+              </a:defRPr>
+            </a:lvl7pPr>
+            <a:lvl8pPr eaLnBrk="1" hangingPunct="1">
+              <a:defRPr>
+                <a:solidFill>
+                  <a:schemeClr val="tx2"/>
+                </a:solidFill>
+              </a:defRPr>
+            </a:lvl8pPr>
+            <a:lvl9pPr eaLnBrk="1" hangingPunct="1">
+              <a:defRPr>
+                <a:solidFill>
+                  <a:schemeClr val="tx2"/>
+                </a:solidFill>
+              </a:defRPr>
+            </a:lvl9pPr>
+          </a:lstStyle>
+          <a:p>
+            <a:pPr algn="ctr"/>
+            <a:r>
+              <a:rPr lang="en-US" sz="3600" cap="none" dirty="0">
+                <a:solidFill>
+                  <a:srgbClr val="FFFFFF"/>
+                </a:solidFill>
+                <a:latin typeface="Microsoft JhengHei UI Light" panose="020B0304030504040204" pitchFamily="34" charset="-120"/>
+                <a:ea typeface="Microsoft JhengHei UI Light" panose="020B0304030504040204" pitchFamily="34" charset="-120"/>
+              </a:rPr>
+              <a:t>Este es el </a:t>
+            </a:r>
+            <a:r>
+              <a:rPr lang="en-US" sz="3600" cap="none" dirty="0" err="1">
+                <a:solidFill>
+                  <a:srgbClr val="FFFFFF"/>
+                </a:solidFill>
+                <a:latin typeface="Microsoft JhengHei UI Light" panose="020B0304030504040204" pitchFamily="34" charset="-120"/>
+                <a:ea typeface="Microsoft JhengHei UI Light" panose="020B0304030504040204" pitchFamily="34" charset="-120"/>
+              </a:rPr>
+              <a:t>diagrama</a:t>
+            </a:r>
+            <a:r>
+              <a:rPr lang="en-US" sz="3600" cap="none" dirty="0">
+                <a:solidFill>
+                  <a:srgbClr val="FFFFFF"/>
+                </a:solidFill>
+                <a:latin typeface="Microsoft JhengHei UI Light" panose="020B0304030504040204" pitchFamily="34" charset="-120"/>
+                <a:ea typeface="Microsoft JhengHei UI Light" panose="020B0304030504040204" pitchFamily="34" charset="-120"/>
+              </a:rPr>
+              <a:t> principal el </a:t>
+            </a:r>
+            <a:r>
+              <a:rPr lang="en-US" sz="3600" cap="none" dirty="0" err="1">
+                <a:solidFill>
+                  <a:srgbClr val="FFFFFF"/>
+                </a:solidFill>
+                <a:latin typeface="Microsoft JhengHei UI Light" panose="020B0304030504040204" pitchFamily="34" charset="-120"/>
+                <a:ea typeface="Microsoft JhengHei UI Light" panose="020B0304030504040204" pitchFamily="34" charset="-120"/>
+              </a:rPr>
+              <a:t>cual</a:t>
+            </a:r>
+            <a:r>
+              <a:rPr lang="en-US" sz="3600" cap="none" dirty="0">
+                <a:solidFill>
+                  <a:srgbClr val="FFFFFF"/>
+                </a:solidFill>
+                <a:latin typeface="Microsoft JhengHei UI Light" panose="020B0304030504040204" pitchFamily="34" charset="-120"/>
+                <a:ea typeface="Microsoft JhengHei UI Light" panose="020B0304030504040204" pitchFamily="34" charset="-120"/>
+              </a:rPr>
+              <a:t> </a:t>
+            </a:r>
+            <a:r>
+              <a:rPr lang="en-US" sz="3600" cap="none" dirty="0" err="1">
+                <a:solidFill>
+                  <a:srgbClr val="FFFFFF"/>
+                </a:solidFill>
+                <a:latin typeface="Microsoft JhengHei UI Light" panose="020B0304030504040204" pitchFamily="34" charset="-120"/>
+                <a:ea typeface="Microsoft JhengHei UI Light" panose="020B0304030504040204" pitchFamily="34" charset="-120"/>
+              </a:rPr>
+              <a:t>nos</a:t>
+            </a:r>
+            <a:r>
+              <a:rPr lang="en-US" sz="3600" cap="none" dirty="0">
+                <a:solidFill>
+                  <a:srgbClr val="FFFFFF"/>
+                </a:solidFill>
+                <a:latin typeface="Microsoft JhengHei UI Light" panose="020B0304030504040204" pitchFamily="34" charset="-120"/>
+                <a:ea typeface="Microsoft JhengHei UI Light" panose="020B0304030504040204" pitchFamily="34" charset="-120"/>
+              </a:rPr>
+              <a:t> </a:t>
+            </a:r>
+            <a:r>
+              <a:rPr lang="en-US" sz="3600" cap="none" dirty="0" err="1">
+                <a:solidFill>
+                  <a:srgbClr val="FFFFFF"/>
+                </a:solidFill>
+                <a:latin typeface="Microsoft JhengHei UI Light" panose="020B0304030504040204" pitchFamily="34" charset="-120"/>
+                <a:ea typeface="Microsoft JhengHei UI Light" panose="020B0304030504040204" pitchFamily="34" charset="-120"/>
+              </a:rPr>
+              <a:t>pidio</a:t>
+            </a:r>
+            <a:r>
+              <a:rPr lang="en-US" sz="3600" cap="none" dirty="0">
+                <a:solidFill>
+                  <a:srgbClr val="FFFFFF"/>
+                </a:solidFill>
+                <a:latin typeface="Microsoft JhengHei UI Light" panose="020B0304030504040204" pitchFamily="34" charset="-120"/>
+                <a:ea typeface="Microsoft JhengHei UI Light" panose="020B0304030504040204" pitchFamily="34" charset="-120"/>
+              </a:rPr>
+              <a:t> </a:t>
+            </a:r>
+            <a:r>
+              <a:rPr lang="en-US" sz="3600" cap="none" dirty="0" err="1">
+                <a:solidFill>
+                  <a:srgbClr val="FFFFFF"/>
+                </a:solidFill>
+                <a:latin typeface="Microsoft JhengHei UI Light" panose="020B0304030504040204" pitchFamily="34" charset="-120"/>
+                <a:ea typeface="Microsoft JhengHei UI Light" panose="020B0304030504040204" pitchFamily="34" charset="-120"/>
+              </a:rPr>
+              <a:t>nuestra</a:t>
+            </a:r>
+            <a:r>
+              <a:rPr lang="en-US" sz="3600" cap="none" dirty="0">
+                <a:solidFill>
+                  <a:srgbClr val="FFFFFF"/>
+                </a:solidFill>
+                <a:latin typeface="Microsoft JhengHei UI Light" panose="020B0304030504040204" pitchFamily="34" charset="-120"/>
+                <a:ea typeface="Microsoft JhengHei UI Light" panose="020B0304030504040204" pitchFamily="34" charset="-120"/>
+              </a:rPr>
+              <a:t> </a:t>
+            </a:r>
+            <a:r>
+              <a:rPr lang="en-US" sz="3600" cap="none" dirty="0" err="1">
+                <a:solidFill>
+                  <a:srgbClr val="FFFFFF"/>
+                </a:solidFill>
+                <a:latin typeface="Microsoft JhengHei UI Light" panose="020B0304030504040204" pitchFamily="34" charset="-120"/>
+                <a:ea typeface="Microsoft JhengHei UI Light" panose="020B0304030504040204" pitchFamily="34" charset="-120"/>
+              </a:rPr>
+              <a:t>empresa</a:t>
+            </a:r>
+            <a:r>
+              <a:rPr lang="en-US" sz="3600" cap="none" dirty="0">
+                <a:solidFill>
+                  <a:srgbClr val="FFFFFF"/>
+                </a:solidFill>
+                <a:latin typeface="Microsoft JhengHei UI Light" panose="020B0304030504040204" pitchFamily="34" charset="-120"/>
+                <a:ea typeface="Microsoft JhengHei UI Light" panose="020B0304030504040204" pitchFamily="34" charset="-120"/>
+              </a:rPr>
+              <a:t>.</a:t>
+            </a:r>
+          </a:p>
+          <a:p>
+            <a:pPr algn="ctr"/>
+            <a:r>
+              <a:rPr lang="en-US" sz="3600" cap="none" dirty="0">
+                <a:solidFill>
+                  <a:srgbClr val="FFFFFF"/>
+                </a:solidFill>
+                <a:latin typeface="Microsoft JhengHei UI Light" panose="020B0304030504040204" pitchFamily="34" charset="-120"/>
+                <a:ea typeface="Microsoft JhengHei UI Light" panose="020B0304030504040204" pitchFamily="34" charset="-120"/>
+              </a:rPr>
+              <a:t>Como </a:t>
+            </a:r>
+            <a:r>
+              <a:rPr lang="en-US" sz="3600" cap="none" dirty="0" err="1">
+                <a:solidFill>
+                  <a:srgbClr val="FFFFFF"/>
+                </a:solidFill>
+                <a:latin typeface="Microsoft JhengHei UI Light" panose="020B0304030504040204" pitchFamily="34" charset="-120"/>
+                <a:ea typeface="Microsoft JhengHei UI Light" panose="020B0304030504040204" pitchFamily="34" charset="-120"/>
+              </a:rPr>
+              <a:t>podemos</a:t>
+            </a:r>
+            <a:r>
+              <a:rPr lang="en-US" sz="3600" cap="none" dirty="0">
+                <a:solidFill>
+                  <a:srgbClr val="FFFFFF"/>
+                </a:solidFill>
+                <a:latin typeface="Microsoft JhengHei UI Light" panose="020B0304030504040204" pitchFamily="34" charset="-120"/>
+                <a:ea typeface="Microsoft JhengHei UI Light" panose="020B0304030504040204" pitchFamily="34" charset="-120"/>
+              </a:rPr>
+              <a:t> </a:t>
+            </a:r>
+            <a:r>
+              <a:rPr lang="en-US" sz="3600" cap="none" dirty="0" err="1">
+                <a:solidFill>
+                  <a:srgbClr val="FFFFFF"/>
+                </a:solidFill>
+                <a:latin typeface="Microsoft JhengHei UI Light" panose="020B0304030504040204" pitchFamily="34" charset="-120"/>
+                <a:ea typeface="Microsoft JhengHei UI Light" panose="020B0304030504040204" pitchFamily="34" charset="-120"/>
+              </a:rPr>
+              <a:t>ver</a:t>
+            </a:r>
+            <a:r>
+              <a:rPr lang="en-US" sz="3600" cap="none" dirty="0">
+                <a:solidFill>
+                  <a:srgbClr val="FFFFFF"/>
+                </a:solidFill>
+                <a:latin typeface="Microsoft JhengHei UI Light" panose="020B0304030504040204" pitchFamily="34" charset="-120"/>
+                <a:ea typeface="Microsoft JhengHei UI Light" panose="020B0304030504040204" pitchFamily="34" charset="-120"/>
+              </a:rPr>
+              <a:t> </a:t>
+            </a:r>
+            <a:r>
+              <a:rPr lang="en-US" sz="3600" cap="none" dirty="0" err="1">
+                <a:solidFill>
+                  <a:srgbClr val="FFFFFF"/>
+                </a:solidFill>
+                <a:latin typeface="Microsoft JhengHei UI Light" panose="020B0304030504040204" pitchFamily="34" charset="-120"/>
+                <a:ea typeface="Microsoft JhengHei UI Light" panose="020B0304030504040204" pitchFamily="34" charset="-120"/>
+              </a:rPr>
+              <a:t>consta</a:t>
+            </a:r>
+            <a:r>
+              <a:rPr lang="en-US" sz="3600" cap="none" dirty="0">
+                <a:solidFill>
+                  <a:srgbClr val="FFFFFF"/>
+                </a:solidFill>
+                <a:latin typeface="Microsoft JhengHei UI Light" panose="020B0304030504040204" pitchFamily="34" charset="-120"/>
+                <a:ea typeface="Microsoft JhengHei UI Light" panose="020B0304030504040204" pitchFamily="34" charset="-120"/>
+              </a:rPr>
+              <a:t> de una </a:t>
+            </a:r>
+            <a:r>
+              <a:rPr lang="en-US" sz="3600" cap="none" dirty="0" err="1">
+                <a:solidFill>
+                  <a:srgbClr val="FFFFFF"/>
+                </a:solidFill>
+                <a:latin typeface="Microsoft JhengHei UI Light" panose="020B0304030504040204" pitchFamily="34" charset="-120"/>
+                <a:ea typeface="Microsoft JhengHei UI Light" panose="020B0304030504040204" pitchFamily="34" charset="-120"/>
+              </a:rPr>
+              <a:t>relacion</a:t>
+            </a:r>
+            <a:r>
+              <a:rPr lang="en-US" sz="3600" cap="none" dirty="0">
+                <a:solidFill>
+                  <a:srgbClr val="FFFFFF"/>
+                </a:solidFill>
+                <a:latin typeface="Microsoft JhengHei UI Light" panose="020B0304030504040204" pitchFamily="34" charset="-120"/>
+                <a:ea typeface="Microsoft JhengHei UI Light" panose="020B0304030504040204" pitchFamily="34" charset="-120"/>
+              </a:rPr>
+              <a:t> de </a:t>
+            </a:r>
+            <a:r>
+              <a:rPr lang="en-US" sz="3600" cap="none" dirty="0" err="1">
+                <a:solidFill>
+                  <a:srgbClr val="FFFFFF"/>
+                </a:solidFill>
+                <a:latin typeface="Microsoft JhengHei UI Light" panose="020B0304030504040204" pitchFamily="34" charset="-120"/>
+                <a:ea typeface="Microsoft JhengHei UI Light" panose="020B0304030504040204" pitchFamily="34" charset="-120"/>
+              </a:rPr>
+              <a:t>muchos</a:t>
+            </a:r>
+            <a:r>
+              <a:rPr lang="en-US" sz="3600" cap="none" dirty="0">
+                <a:solidFill>
+                  <a:srgbClr val="FFFFFF"/>
+                </a:solidFill>
+                <a:latin typeface="Microsoft JhengHei UI Light" panose="020B0304030504040204" pitchFamily="34" charset="-120"/>
+                <a:ea typeface="Microsoft JhengHei UI Light" panose="020B0304030504040204" pitchFamily="34" charset="-120"/>
+              </a:rPr>
+              <a:t> a </a:t>
+            </a:r>
+            <a:r>
+              <a:rPr lang="en-US" sz="3600" cap="none" dirty="0" err="1">
+                <a:solidFill>
+                  <a:srgbClr val="FFFFFF"/>
+                </a:solidFill>
+                <a:latin typeface="Microsoft JhengHei UI Light" panose="020B0304030504040204" pitchFamily="34" charset="-120"/>
+                <a:ea typeface="Microsoft JhengHei UI Light" panose="020B0304030504040204" pitchFamily="34" charset="-120"/>
+              </a:rPr>
+              <a:t>muchos</a:t>
+            </a:r>
+            <a:r>
+              <a:rPr lang="en-US" sz="3600" cap="none" dirty="0">
+                <a:solidFill>
+                  <a:srgbClr val="FFFFFF"/>
+                </a:solidFill>
+                <a:latin typeface="Microsoft JhengHei UI Light" panose="020B0304030504040204" pitchFamily="34" charset="-120"/>
+                <a:ea typeface="Microsoft JhengHei UI Light" panose="020B0304030504040204" pitchFamily="34" charset="-120"/>
+              </a:rPr>
+              <a:t> y se </a:t>
+            </a:r>
+            <a:r>
+              <a:rPr lang="en-US" sz="3600" cap="none" dirty="0" err="1">
+                <a:solidFill>
+                  <a:srgbClr val="FFFFFF"/>
+                </a:solidFill>
+                <a:latin typeface="Microsoft JhengHei UI Light" panose="020B0304030504040204" pitchFamily="34" charset="-120"/>
+                <a:ea typeface="Microsoft JhengHei UI Light" panose="020B0304030504040204" pitchFamily="34" charset="-120"/>
+              </a:rPr>
+              <a:t>encarga</a:t>
+            </a:r>
+            <a:r>
+              <a:rPr lang="en-US" sz="3600" cap="none" dirty="0">
+                <a:solidFill>
+                  <a:srgbClr val="FFFFFF"/>
+                </a:solidFill>
+                <a:latin typeface="Microsoft JhengHei UI Light" panose="020B0304030504040204" pitchFamily="34" charset="-120"/>
+                <a:ea typeface="Microsoft JhengHei UI Light" panose="020B0304030504040204" pitchFamily="34" charset="-120"/>
+              </a:rPr>
+              <a:t> de </a:t>
+            </a:r>
+            <a:r>
+              <a:rPr lang="en-US" sz="3600" cap="none" dirty="0" err="1">
+                <a:solidFill>
+                  <a:srgbClr val="FFFFFF"/>
+                </a:solidFill>
+                <a:latin typeface="Microsoft JhengHei UI Light" panose="020B0304030504040204" pitchFamily="34" charset="-120"/>
+                <a:ea typeface="Microsoft JhengHei UI Light" panose="020B0304030504040204" pitchFamily="34" charset="-120"/>
+              </a:rPr>
+              <a:t>guardar</a:t>
+            </a:r>
+            <a:r>
+              <a:rPr lang="en-US" sz="3600" cap="none" dirty="0">
+                <a:solidFill>
+                  <a:srgbClr val="FFFFFF"/>
+                </a:solidFill>
+                <a:latin typeface="Microsoft JhengHei UI Light" panose="020B0304030504040204" pitchFamily="34" charset="-120"/>
+                <a:ea typeface="Microsoft JhengHei UI Light" panose="020B0304030504040204" pitchFamily="34" charset="-120"/>
+              </a:rPr>
+              <a:t> los </a:t>
+            </a:r>
+            <a:r>
+              <a:rPr lang="en-US" sz="3600" cap="none" dirty="0" err="1">
+                <a:solidFill>
+                  <a:srgbClr val="FFFFFF"/>
+                </a:solidFill>
+                <a:latin typeface="Microsoft JhengHei UI Light" panose="020B0304030504040204" pitchFamily="34" charset="-120"/>
+                <a:ea typeface="Microsoft JhengHei UI Light" panose="020B0304030504040204" pitchFamily="34" charset="-120"/>
+              </a:rPr>
+              <a:t>usuarios</a:t>
+            </a:r>
+            <a:r>
+              <a:rPr lang="en-US" sz="3600" cap="none" dirty="0">
+                <a:solidFill>
+                  <a:srgbClr val="FFFFFF"/>
+                </a:solidFill>
+                <a:latin typeface="Microsoft JhengHei UI Light" panose="020B0304030504040204" pitchFamily="34" charset="-120"/>
+                <a:ea typeface="Microsoft JhengHei UI Light" panose="020B0304030504040204" pitchFamily="34" charset="-120"/>
+              </a:rPr>
+              <a:t> y las </a:t>
+            </a:r>
+            <a:r>
+              <a:rPr lang="en-US" sz="3600" cap="none" dirty="0" err="1">
+                <a:solidFill>
+                  <a:srgbClr val="FFFFFF"/>
+                </a:solidFill>
+                <a:latin typeface="Microsoft JhengHei UI Light" panose="020B0304030504040204" pitchFamily="34" charset="-120"/>
+                <a:ea typeface="Microsoft JhengHei UI Light" panose="020B0304030504040204" pitchFamily="34" charset="-120"/>
+              </a:rPr>
+              <a:t>funciones</a:t>
+            </a:r>
+            <a:r>
+              <a:rPr lang="en-US" sz="3600" cap="none" dirty="0">
+                <a:solidFill>
+                  <a:srgbClr val="FFFFFF"/>
+                </a:solidFill>
+                <a:latin typeface="Microsoft JhengHei UI Light" panose="020B0304030504040204" pitchFamily="34" charset="-120"/>
+                <a:ea typeface="Microsoft JhengHei UI Light" panose="020B0304030504040204" pitchFamily="34" charset="-120"/>
+              </a:rPr>
+              <a:t> que </a:t>
+            </a:r>
+            <a:r>
+              <a:rPr lang="en-US" sz="3600" cap="none" dirty="0" err="1">
+                <a:solidFill>
+                  <a:srgbClr val="FFFFFF"/>
+                </a:solidFill>
+                <a:latin typeface="Microsoft JhengHei UI Light" panose="020B0304030504040204" pitchFamily="34" charset="-120"/>
+                <a:ea typeface="Microsoft JhengHei UI Light" panose="020B0304030504040204" pitchFamily="34" charset="-120"/>
+              </a:rPr>
+              <a:t>estos</a:t>
+            </a:r>
+            <a:r>
+              <a:rPr lang="en-US" sz="3600" cap="none" dirty="0">
+                <a:solidFill>
+                  <a:srgbClr val="FFFFFF"/>
+                </a:solidFill>
+                <a:latin typeface="Microsoft JhengHei UI Light" panose="020B0304030504040204" pitchFamily="34" charset="-120"/>
+                <a:ea typeface="Microsoft JhengHei UI Light" panose="020B0304030504040204" pitchFamily="34" charset="-120"/>
+              </a:rPr>
+              <a:t> </a:t>
+            </a:r>
+            <a:r>
+              <a:rPr lang="en-US" sz="3600" cap="none" dirty="0" err="1">
+                <a:solidFill>
+                  <a:srgbClr val="FFFFFF"/>
+                </a:solidFill>
+                <a:latin typeface="Microsoft JhengHei UI Light" panose="020B0304030504040204" pitchFamily="34" charset="-120"/>
+                <a:ea typeface="Microsoft JhengHei UI Light" panose="020B0304030504040204" pitchFamily="34" charset="-120"/>
+              </a:rPr>
+              <a:t>realizan</a:t>
+            </a:r>
+            <a:r>
+              <a:rPr lang="en-US" sz="3600" cap="none" dirty="0">
+                <a:solidFill>
+                  <a:srgbClr val="FFFFFF"/>
+                </a:solidFill>
+                <a:latin typeface="Microsoft JhengHei UI Light" panose="020B0304030504040204" pitchFamily="34" charset="-120"/>
+                <a:ea typeface="Microsoft JhengHei UI Light" panose="020B0304030504040204" pitchFamily="34" charset="-120"/>
+              </a:rPr>
+              <a:t>.</a:t>
+            </a:r>
+          </a:p>
+        </p:txBody>
+      </p:sp>
+    </p:spTree>
+    <p:extLst>
+      <p:ext uri="{BB962C8B-B14F-4D97-AF65-F5344CB8AC3E}">
+        <p14:creationId xmlns:p14="http://schemas.microsoft.com/office/powerpoint/2010/main" val="57398880"/>
+      </p:ext>
+    </p:extLst>
+  </p:cSld>
+  <p:clrMapOvr>
+    <a:masterClrMapping/>
+  </p:clrMapOvr>
+</p:sld>
+</file>
+
+<file path=ppt/slides/slide9.xml><?xml version="1.0" encoding="utf-8"?>
+<p:sld xmlns:a="http://schemas.openxmlformats.org/drawingml/2006/main" xmlns:r="http://schemas.openxmlformats.org/officeDocument/2006/relationships" xmlns:p="http://schemas.openxmlformats.org/presentationml/2006/main">
+  <p:cSld>
+    <p:spTree>
+      <p:nvGrpSpPr>
+        <p:cNvPr id="1" name=""/>
+        <p:cNvGrpSpPr/>
+        <p:nvPr/>
+      </p:nvGrpSpPr>
+      <p:grpSpPr>
+        <a:xfrm>
+          <a:off x="0" y="0"/>
+          <a:ext cx="0" cy="0"/>
+          <a:chOff x="0" y="0"/>
+          <a:chExt cx="0" cy="0"/>
+        </a:xfrm>
+      </p:grpSpPr>
+      <p:sp>
+        <p:nvSpPr>
+          <p:cNvPr id="2" name="Título 1">
+            <a:extLst>
+              <a:ext uri="{FF2B5EF4-FFF2-40B4-BE49-F238E27FC236}">
+                <a16:creationId xmlns:a16="http://schemas.microsoft.com/office/drawing/2014/main" id="{170E1C7B-3B61-426A-8A32-66DA429F233D}"/>
+              </a:ext>
+            </a:extLst>
+          </p:cNvPr>
+          <p:cNvSpPr>
+            <a:spLocks noGrp="1"/>
+          </p:cNvSpPr>
+          <p:nvPr>
+            <p:ph type="title"/>
+          </p:nvPr>
+        </p:nvSpPr>
+        <p:spPr/>
+        <p:txBody>
+          <a:bodyPr/>
+          <a:lstStyle/>
+          <a:p>
+            <a:r>
+              <a:rPr lang="es-ES" dirty="0"/>
+              <a:t>Directorio activo</a:t>
+            </a:r>
+          </a:p>
+        </p:txBody>
+      </p:sp>
+      <p:pic>
+        <p:nvPicPr>
+          <p:cNvPr id="5" name="Marcador de contenido 3">
+            <a:extLst>
+              <a:ext uri="{FF2B5EF4-FFF2-40B4-BE49-F238E27FC236}">
+                <a16:creationId xmlns:a16="http://schemas.microsoft.com/office/drawing/2014/main" id="{3F5AE9CF-7A6E-4589-96F9-8BB23EABD9F8}"/>
+              </a:ext>
+            </a:extLst>
+          </p:cNvPr>
+          <p:cNvPicPr>
+            <a:picLocks noChangeAspect="1"/>
+          </p:cNvPicPr>
+          <p:nvPr/>
+        </p:nvPicPr>
+        <p:blipFill>
+          <a:blip r:embed="rId2"/>
+          <a:srcRect/>
+          <a:stretch/>
+        </p:blipFill>
+        <p:spPr>
+          <a:xfrm>
+            <a:off x="3309522" y="3962400"/>
+            <a:ext cx="5311415" cy="2756641"/>
+          </a:xfrm>
+          <a:prstGeom prst="roundRect">
+            <a:avLst>
+              <a:gd name="adj" fmla="val 4167"/>
+            </a:avLst>
+          </a:prstGeom>
+          <a:solidFill>
+            <a:srgbClr val="FFFFFF"/>
+          </a:solidFill>
+          <a:ln w="76200" cap="sq">
+            <a:solidFill>
+              <a:srgbClr val="EAEAEA"/>
+            </a:solidFill>
+            <a:miter lim="800000"/>
+          </a:ln>
+          <a:effectLst>
+            <a:reflection blurRad="12700" stA="33000" endPos="28000" dist="5000" dir="5400000" sy="-100000" algn="bl" rotWithShape="0"/>
+          </a:effectLst>
+          <a:scene3d>
+            <a:camera prst="orthographicFront"/>
+            <a:lightRig rig="threePt" dir="t">
+              <a:rot lat="0" lon="0" rev="2700000"/>
+            </a:lightRig>
+          </a:scene3d>
+          <a:sp3d contourW="6350">
+            <a:bevelT h="38100"/>
+            <a:contourClr>
+              <a:srgbClr val="C0C0C0"/>
+            </a:contourClr>
+          </a:sp3d>
+        </p:spPr>
+      </p:pic>
+      <p:sp>
+        <p:nvSpPr>
+          <p:cNvPr id="7" name="Marcador de contenido 2">
+            <a:extLst>
+              <a:ext uri="{FF2B5EF4-FFF2-40B4-BE49-F238E27FC236}">
+                <a16:creationId xmlns:a16="http://schemas.microsoft.com/office/drawing/2014/main" id="{5F43AECF-67B7-425F-8B25-21D7B94ED6A6}"/>
+              </a:ext>
+            </a:extLst>
+          </p:cNvPr>
+          <p:cNvSpPr txBox="1">
+            <a:spLocks/>
+          </p:cNvSpPr>
+          <p:nvPr/>
+        </p:nvSpPr>
+        <p:spPr>
+          <a:xfrm>
+            <a:off x="581194" y="1948649"/>
+            <a:ext cx="10962058" cy="2455571"/>
+          </a:xfrm>
+          <a:prstGeom prst="rect">
+            <a:avLst/>
+          </a:prstGeom>
+        </p:spPr>
+        <p:txBody>
+          <a:bodyPr vert="horz" lIns="91440" tIns="45720" rIns="91440" bIns="45720" rtlCol="0" anchor="ctr">
+            <a:normAutofit/>
+          </a:bodyPr>
+          <a:lstStyle>
+            <a:lvl1pPr marL="306000" indent="-306000" algn="l" defTabSz="457200" rtl="0" eaLnBrk="1" latinLnBrk="0" hangingPunct="1">
+              <a:spcBef>
+                <a:spcPct val="20000"/>
+              </a:spcBef>
+              <a:spcAft>
+                <a:spcPts val="600"/>
+              </a:spcAft>
+              <a:buClr>
+                <a:schemeClr val="accent2"/>
+              </a:buClr>
+              <a:buSzPct val="92000"/>
+              <a:buFont typeface="Wingdings 2" panose="05020102010507070707" pitchFamily="18" charset="2"/>
+              <a:buChar char=""/>
+              <a:defRPr sz="1800" kern="1200">
+                <a:solidFill>
+                  <a:schemeClr val="tx2"/>
+                </a:solidFill>
+                <a:latin typeface="+mn-lt"/>
+                <a:ea typeface="+mn-ea"/>
+                <a:cs typeface="+mn-cs"/>
+              </a:defRPr>
+            </a:lvl1pPr>
+            <a:lvl2pPr marL="630000" indent="-306000" algn="l" defTabSz="457200" rtl="0" eaLnBrk="1" latinLnBrk="0" hangingPunct="1">
+              <a:spcBef>
+                <a:spcPct val="20000"/>
+              </a:spcBef>
+              <a:spcAft>
+                <a:spcPts val="600"/>
+              </a:spcAft>
+              <a:buClr>
+                <a:schemeClr val="accent2"/>
+              </a:buClr>
+              <a:buSzPct val="92000"/>
+              <a:buFont typeface="Wingdings 2" panose="05020102010507070707" pitchFamily="18" charset="2"/>
+              <a:buChar char=""/>
+              <a:defRPr sz="1600" kern="1200">
+                <a:solidFill>
+                  <a:schemeClr val="tx2"/>
+                </a:solidFill>
+                <a:latin typeface="+mn-lt"/>
+                <a:ea typeface="+mn-ea"/>
+                <a:cs typeface="+mn-cs"/>
+              </a:defRPr>
+            </a:lvl2pPr>
+            <a:lvl3pPr marL="900000" indent="-270000" algn="l" defTabSz="457200" rtl="0" eaLnBrk="1" latinLnBrk="0" hangingPunct="1">
+              <a:spcBef>
+                <a:spcPct val="20000"/>
+              </a:spcBef>
+              <a:spcAft>
+                <a:spcPts val="600"/>
+              </a:spcAft>
+              <a:buClr>
+                <a:schemeClr val="accent2"/>
+              </a:buClr>
+              <a:buSzPct val="92000"/>
+              <a:buFont typeface="Wingdings 2" panose="05020102010507070707" pitchFamily="18" charset="2"/>
+              <a:buChar char=""/>
+              <a:defRPr sz="1400" kern="1200">
+                <a:solidFill>
+                  <a:schemeClr val="tx2"/>
+                </a:solidFill>
+                <a:latin typeface="+mn-lt"/>
+                <a:ea typeface="+mn-ea"/>
+                <a:cs typeface="+mn-cs"/>
+              </a:defRPr>
+            </a:lvl3pPr>
+            <a:lvl4pPr marL="1242000" indent="-234000" algn="l" defTabSz="457200" rtl="0" eaLnBrk="1" latinLnBrk="0" hangingPunct="1">
+              <a:spcBef>
+                <a:spcPct val="20000"/>
+              </a:spcBef>
+              <a:spcAft>
+                <a:spcPts val="600"/>
+              </a:spcAft>
+              <a:buClr>
+                <a:schemeClr val="accent2"/>
+              </a:buClr>
+              <a:buSzPct val="92000"/>
+              <a:buFont typeface="Wingdings 2" panose="05020102010507070707" pitchFamily="18" charset="2"/>
+              <a:buChar char=""/>
+              <a:defRPr sz="1200" kern="1200">
+                <a:solidFill>
+                  <a:schemeClr val="tx2"/>
+                </a:solidFill>
+                <a:latin typeface="+mn-lt"/>
+                <a:ea typeface="+mn-ea"/>
+                <a:cs typeface="+mn-cs"/>
+              </a:defRPr>
+            </a:lvl4pPr>
+            <a:lvl5pPr marL="1602000" indent="-234000" algn="l" defTabSz="457200" rtl="0" eaLnBrk="1" latinLnBrk="0" hangingPunct="1">
+              <a:spcBef>
+                <a:spcPct val="20000"/>
+              </a:spcBef>
+              <a:spcAft>
+                <a:spcPts val="600"/>
+              </a:spcAft>
+              <a:buClr>
+                <a:schemeClr val="accent2"/>
+              </a:buClr>
+              <a:buSzPct val="92000"/>
+              <a:buFont typeface="Wingdings 2" panose="05020102010507070707" pitchFamily="18" charset="2"/>
+              <a:buChar char=""/>
+              <a:defRPr sz="1200" kern="1200">
+                <a:solidFill>
+                  <a:schemeClr val="tx2"/>
+                </a:solidFill>
+                <a:latin typeface="+mn-lt"/>
+                <a:ea typeface="+mn-ea"/>
+                <a:cs typeface="+mn-cs"/>
+              </a:defRPr>
+            </a:lvl5pPr>
+            <a:lvl6pPr marL="1900000" indent="-228600" algn="l" defTabSz="457200" rtl="0" eaLnBrk="1" latinLnBrk="0" hangingPunct="1">
+              <a:spcBef>
+                <a:spcPct val="20000"/>
+              </a:spcBef>
+              <a:spcAft>
+                <a:spcPts val="600"/>
+              </a:spcAft>
+              <a:buClr>
+                <a:schemeClr val="accent2"/>
+              </a:buClr>
+              <a:buSzPct val="92000"/>
+              <a:buFont typeface="Wingdings 2" panose="05020102010507070707" pitchFamily="18" charset="2"/>
+              <a:buChar char=""/>
+              <a:defRPr sz="1200" kern="1200">
+                <a:solidFill>
+                  <a:schemeClr val="tx2"/>
+                </a:solidFill>
+                <a:latin typeface="+mn-lt"/>
+                <a:ea typeface="+mn-ea"/>
+                <a:cs typeface="+mn-cs"/>
+              </a:defRPr>
+            </a:lvl6pPr>
+            <a:lvl7pPr marL="2200000" indent="-228600" algn="l" defTabSz="457200" rtl="0" eaLnBrk="1" latinLnBrk="0" hangingPunct="1">
+              <a:spcBef>
+                <a:spcPct val="20000"/>
+              </a:spcBef>
+              <a:spcAft>
+                <a:spcPts val="600"/>
+              </a:spcAft>
+              <a:buClr>
+                <a:schemeClr val="accent2"/>
+              </a:buClr>
+              <a:buSzPct val="92000"/>
+              <a:buFont typeface="Wingdings 2" panose="05020102010507070707" pitchFamily="18" charset="2"/>
+              <a:buChar char=""/>
+              <a:defRPr sz="1200" kern="1200">
+                <a:solidFill>
+                  <a:schemeClr val="tx2"/>
+                </a:solidFill>
+                <a:latin typeface="+mn-lt"/>
+                <a:ea typeface="+mn-ea"/>
+                <a:cs typeface="+mn-cs"/>
+              </a:defRPr>
+            </a:lvl7pPr>
+            <a:lvl8pPr marL="2500000" indent="-228600" algn="l" defTabSz="457200" rtl="0" eaLnBrk="1" latinLnBrk="0" hangingPunct="1">
+              <a:spcBef>
+                <a:spcPct val="20000"/>
+              </a:spcBef>
+              <a:spcAft>
+                <a:spcPts val="600"/>
+              </a:spcAft>
+              <a:buClr>
+                <a:schemeClr val="accent2"/>
+              </a:buClr>
+              <a:buSzPct val="92000"/>
+              <a:buFont typeface="Wingdings 2" panose="05020102010507070707" pitchFamily="18" charset="2"/>
+              <a:buChar char=""/>
+              <a:defRPr sz="1200" kern="1200">
+                <a:solidFill>
+                  <a:schemeClr val="tx2"/>
+                </a:solidFill>
+                <a:latin typeface="+mn-lt"/>
+                <a:ea typeface="+mn-ea"/>
+                <a:cs typeface="+mn-cs"/>
+              </a:defRPr>
+            </a:lvl8pPr>
+            <a:lvl9pPr marL="2800000" indent="-228600" algn="l" defTabSz="457200" rtl="0" eaLnBrk="1" latinLnBrk="0" hangingPunct="1">
+              <a:spcBef>
+                <a:spcPct val="20000"/>
+              </a:spcBef>
+              <a:spcAft>
+                <a:spcPts val="600"/>
+              </a:spcAft>
+              <a:buClr>
+                <a:schemeClr val="accent2"/>
+              </a:buClr>
+              <a:buSzPct val="92000"/>
+              <a:buFont typeface="Wingdings 2" panose="05020102010507070707" pitchFamily="18" charset="2"/>
+              <a:buChar char=""/>
+              <a:defRPr sz="1200" kern="1200">
+                <a:solidFill>
+                  <a:schemeClr val="tx2"/>
+                </a:solidFill>
+                <a:latin typeface="+mn-lt"/>
+                <a:ea typeface="+mn-ea"/>
+                <a:cs typeface="+mn-cs"/>
+              </a:defRPr>
+            </a:lvl9pPr>
+          </a:lstStyle>
+          <a:p>
+            <a:r>
+              <a:rPr lang="es-ES" sz="2800" dirty="0"/>
+              <a:t>En esta imagen podemos ver el  Windows server que hemos creado utilizando una maquina virtual en el cual hemos creado el directorio activo.</a:t>
+            </a:r>
+          </a:p>
+        </p:txBody>
+      </p:sp>
+    </p:spTree>
+    <p:extLst>
+      <p:ext uri="{BB962C8B-B14F-4D97-AF65-F5344CB8AC3E}">
+        <p14:creationId xmlns:p14="http://schemas.microsoft.com/office/powerpoint/2010/main" val="2305326269"/>
       </p:ext>
     </p:extLst>
   </p:cSld>

--- a/PresentacionViernes.pptx
+++ b/PresentacionViernes.pptx
@@ -4208,7 +4208,7 @@
           <a:p>
             <a:r>
               <a:rPr lang="es-ES" dirty="0"/>
-              <a:t>David miguel orive Ramírez – Gonzalo González ventura</a:t>
+              <a:t>David miguel orive Ramírez (1-6) – Gonzalo González ventura (7-11)</a:t>
             </a:r>
           </a:p>
         </p:txBody>
